--- a/HCI.pptx
+++ b/HCI.pptx
@@ -6,6 +6,8 @@
   </p:sldMasterIdLst>
   <p:sldIdLst>
     <p:sldId id="256" r:id="rId2"/>
+    <p:sldId id="257" r:id="rId3"/>
+    <p:sldId id="258" r:id="rId4"/>
   </p:sldIdLst>
   <p:sldSz cx="12192000" cy="6858000"/>
   <p:notesSz cx="6858000" cy="9144000"/>
@@ -243,7 +245,7 @@
           <a:p>
             <a:fld id="{7542F8B2-0349-4EBC-91CB-CF0E07D2871D}" type="datetimeFigureOut">
               <a:rPr lang="en-SG" smtClean="0"/>
-              <a:t>5/8/2019</a:t>
+              <a:t>7/8/2019</a:t>
             </a:fld>
             <a:endParaRPr lang="en-SG"/>
           </a:p>
@@ -413,7 +415,7 @@
           <a:p>
             <a:fld id="{7542F8B2-0349-4EBC-91CB-CF0E07D2871D}" type="datetimeFigureOut">
               <a:rPr lang="en-SG" smtClean="0"/>
-              <a:t>5/8/2019</a:t>
+              <a:t>7/8/2019</a:t>
             </a:fld>
             <a:endParaRPr lang="en-SG"/>
           </a:p>
@@ -593,7 +595,7 @@
           <a:p>
             <a:fld id="{7542F8B2-0349-4EBC-91CB-CF0E07D2871D}" type="datetimeFigureOut">
               <a:rPr lang="en-SG" smtClean="0"/>
-              <a:t>5/8/2019</a:t>
+              <a:t>7/8/2019</a:t>
             </a:fld>
             <a:endParaRPr lang="en-SG"/>
           </a:p>
@@ -763,7 +765,7 @@
           <a:p>
             <a:fld id="{7542F8B2-0349-4EBC-91CB-CF0E07D2871D}" type="datetimeFigureOut">
               <a:rPr lang="en-SG" smtClean="0"/>
-              <a:t>5/8/2019</a:t>
+              <a:t>7/8/2019</a:t>
             </a:fld>
             <a:endParaRPr lang="en-SG"/>
           </a:p>
@@ -1009,7 +1011,7 @@
           <a:p>
             <a:fld id="{7542F8B2-0349-4EBC-91CB-CF0E07D2871D}" type="datetimeFigureOut">
               <a:rPr lang="en-SG" smtClean="0"/>
-              <a:t>5/8/2019</a:t>
+              <a:t>7/8/2019</a:t>
             </a:fld>
             <a:endParaRPr lang="en-SG"/>
           </a:p>
@@ -1241,7 +1243,7 @@
           <a:p>
             <a:fld id="{7542F8B2-0349-4EBC-91CB-CF0E07D2871D}" type="datetimeFigureOut">
               <a:rPr lang="en-SG" smtClean="0"/>
-              <a:t>5/8/2019</a:t>
+              <a:t>7/8/2019</a:t>
             </a:fld>
             <a:endParaRPr lang="en-SG"/>
           </a:p>
@@ -1608,7 +1610,7 @@
           <a:p>
             <a:fld id="{7542F8B2-0349-4EBC-91CB-CF0E07D2871D}" type="datetimeFigureOut">
               <a:rPr lang="en-SG" smtClean="0"/>
-              <a:t>5/8/2019</a:t>
+              <a:t>7/8/2019</a:t>
             </a:fld>
             <a:endParaRPr lang="en-SG"/>
           </a:p>
@@ -1726,7 +1728,7 @@
           <a:p>
             <a:fld id="{7542F8B2-0349-4EBC-91CB-CF0E07D2871D}" type="datetimeFigureOut">
               <a:rPr lang="en-SG" smtClean="0"/>
-              <a:t>5/8/2019</a:t>
+              <a:t>7/8/2019</a:t>
             </a:fld>
             <a:endParaRPr lang="en-SG"/>
           </a:p>
@@ -1821,7 +1823,7 @@
           <a:p>
             <a:fld id="{7542F8B2-0349-4EBC-91CB-CF0E07D2871D}" type="datetimeFigureOut">
               <a:rPr lang="en-SG" smtClean="0"/>
-              <a:t>5/8/2019</a:t>
+              <a:t>7/8/2019</a:t>
             </a:fld>
             <a:endParaRPr lang="en-SG"/>
           </a:p>
@@ -2098,7 +2100,7 @@
           <a:p>
             <a:fld id="{7542F8B2-0349-4EBC-91CB-CF0E07D2871D}" type="datetimeFigureOut">
               <a:rPr lang="en-SG" smtClean="0"/>
-              <a:t>5/8/2019</a:t>
+              <a:t>7/8/2019</a:t>
             </a:fld>
             <a:endParaRPr lang="en-SG"/>
           </a:p>
@@ -2351,7 +2353,7 @@
           <a:p>
             <a:fld id="{7542F8B2-0349-4EBC-91CB-CF0E07D2871D}" type="datetimeFigureOut">
               <a:rPr lang="en-SG" smtClean="0"/>
-              <a:t>5/8/2019</a:t>
+              <a:t>7/8/2019</a:t>
             </a:fld>
             <a:endParaRPr lang="en-SG"/>
           </a:p>
@@ -2564,7 +2566,7 @@
           <a:p>
             <a:fld id="{7542F8B2-0349-4EBC-91CB-CF0E07D2871D}" type="datetimeFigureOut">
               <a:rPr lang="en-SG" smtClean="0"/>
-              <a:t>5/8/2019</a:t>
+              <a:t>7/8/2019</a:t>
             </a:fld>
             <a:endParaRPr lang="en-SG"/>
           </a:p>
@@ -3007,47 +3009,9 @@
           </a:p>
         </p:txBody>
       </p:sp>
-      <p:sp>
-        <p:nvSpPr>
-          <p:cNvPr id="14" name="Rectangle 13"/>
-          <p:cNvSpPr/>
-          <p:nvPr/>
-        </p:nvSpPr>
-        <p:spPr>
-          <a:xfrm>
-            <a:off x="788426" y="475181"/>
-            <a:ext cx="3444155" cy="5783700"/>
-          </a:xfrm>
-          <a:prstGeom prst="rect">
-            <a:avLst/>
-          </a:prstGeom>
-        </p:spPr>
-        <p:style>
-          <a:lnRef idx="0">
-            <a:schemeClr val="dk1"/>
-          </a:lnRef>
-          <a:fillRef idx="3">
-            <a:schemeClr val="dk1"/>
-          </a:fillRef>
-          <a:effectRef idx="3">
-            <a:schemeClr val="dk1"/>
-          </a:effectRef>
-          <a:fontRef idx="minor">
-            <a:schemeClr val="lt1"/>
-          </a:fontRef>
-        </p:style>
-        <p:txBody>
-          <a:bodyPr rtlCol="0" anchor="ctr"/>
-          <a:lstStyle/>
-          <a:p>
-            <a:pPr algn="ctr"/>
-            <a:endParaRPr lang="en-SG"/>
-          </a:p>
-        </p:txBody>
-      </p:sp>
       <p:pic>
         <p:nvPicPr>
-          <p:cNvPr id="5" name="Picture 4"/>
+          <p:cNvPr id="65" name="Picture 64"/>
           <p:cNvPicPr>
             <a:picLocks noChangeAspect="1"/>
           </p:cNvPicPr>
@@ -3067,8 +3031,8 @@
         </p:blipFill>
         <p:spPr>
           <a:xfrm>
-            <a:off x="1511836" y="1255503"/>
-            <a:ext cx="2037724" cy="1146220"/>
+            <a:off x="867945" y="497990"/>
+            <a:ext cx="3320783" cy="5778305"/>
           </a:xfrm>
           <a:prstGeom prst="rect">
             <a:avLst/>
@@ -3077,9 +3041,9 @@
       </p:pic>
       <p:pic>
         <p:nvPicPr>
-          <p:cNvPr id="1031" name="Picture 7" descr="https://news-a.akamaihd.net/public/images/pages/2016/january/jhin/img/Jhin_Passive.jpg"/>
+          <p:cNvPr id="5" name="Picture 4"/>
           <p:cNvPicPr>
-            <a:picLocks noChangeAspect="1" noChangeArrowheads="1"/>
+            <a:picLocks noChangeAspect="1"/>
           </p:cNvPicPr>
           <p:nvPr/>
         </p:nvPicPr>
@@ -3091,34 +3055,23 @@
               </a:ext>
             </a:extLst>
           </a:blip>
-          <a:srcRect/>
           <a:stretch>
             <a:fillRect/>
           </a:stretch>
         </p:blipFill>
-        <p:spPr bwMode="auto">
-          <a:xfrm>
-            <a:off x="1159640" y="2614833"/>
-            <a:ext cx="437882" cy="436941"/>
+        <p:spPr>
+          <a:xfrm>
+            <a:off x="1509475" y="1574602"/>
+            <a:ext cx="2037724" cy="1146220"/>
           </a:xfrm>
           <a:prstGeom prst="rect">
             <a:avLst/>
           </a:prstGeom>
-          <a:noFill/>
-          <a:extLst>
-            <a:ext uri="{909E8E84-426E-40DD-AFC4-6F175D3DCCD1}">
-              <a14:hiddenFill xmlns:a14="http://schemas.microsoft.com/office/drawing/2010/main">
-                <a:solidFill>
-                  <a:srgbClr val="FFFFFF"/>
-                </a:solidFill>
-              </a14:hiddenFill>
-            </a:ext>
-          </a:extLst>
         </p:spPr>
       </p:pic>
       <p:pic>
         <p:nvPicPr>
-          <p:cNvPr id="1033" name="Picture 9" descr="https://news-a.akamaihd.net/public/images/pages/2016/january/jhin/img/Jhin_Q.jpg"/>
+          <p:cNvPr id="1031" name="Picture 7" descr="https://news-a.akamaihd.net/public/images/pages/2016/january/jhin/img/Jhin_Passive.jpg"/>
           <p:cNvPicPr>
             <a:picLocks noChangeAspect="1" noChangeArrowheads="1"/>
           </p:cNvPicPr>
@@ -3139,8 +3092,8 @@
         </p:blipFill>
         <p:spPr bwMode="auto">
           <a:xfrm>
-            <a:off x="1760894" y="2619653"/>
-            <a:ext cx="433273" cy="432121"/>
+            <a:off x="1172951" y="2963574"/>
+            <a:ext cx="437882" cy="436941"/>
           </a:xfrm>
           <a:prstGeom prst="rect">
             <a:avLst/>
@@ -3159,7 +3112,7 @@
       </p:pic>
       <p:pic>
         <p:nvPicPr>
-          <p:cNvPr id="1034" name="Picture 10" descr="https://news-a.akamaihd.net/public/images/pages/2016/january/jhin/img/Jhin_W.jpg"/>
+          <p:cNvPr id="1033" name="Picture 9" descr="https://news-a.akamaihd.net/public/images/pages/2016/january/jhin/img/Jhin_Q.jpg"/>
           <p:cNvPicPr>
             <a:picLocks noChangeAspect="1" noChangeArrowheads="1"/>
           </p:cNvPicPr>
@@ -3180,8 +3133,8 @@
         </p:blipFill>
         <p:spPr bwMode="auto">
           <a:xfrm>
-            <a:off x="2362905" y="2620632"/>
-            <a:ext cx="429816" cy="429816"/>
+            <a:off x="1710602" y="2957497"/>
+            <a:ext cx="433273" cy="432121"/>
           </a:xfrm>
           <a:prstGeom prst="rect">
             <a:avLst/>
@@ -3200,7 +3153,7 @@
       </p:pic>
       <p:pic>
         <p:nvPicPr>
-          <p:cNvPr id="1035" name="Picture 11" descr="https://news-a.akamaihd.net/public/images/pages/2016/january/jhin/img/Jhin_E.jpg"/>
+          <p:cNvPr id="1034" name="Picture 10" descr="https://news-a.akamaihd.net/public/images/pages/2016/january/jhin/img/Jhin_W.jpg"/>
           <p:cNvPicPr>
             <a:picLocks noChangeAspect="1" noChangeArrowheads="1"/>
           </p:cNvPicPr>
@@ -3221,8 +3174,8 @@
         </p:blipFill>
         <p:spPr bwMode="auto">
           <a:xfrm>
-            <a:off x="2960217" y="2593319"/>
-            <a:ext cx="457129" cy="457129"/>
+            <a:off x="2313429" y="2958649"/>
+            <a:ext cx="429816" cy="429816"/>
           </a:xfrm>
           <a:prstGeom prst="rect">
             <a:avLst/>
@@ -3241,7 +3194,7 @@
       </p:pic>
       <p:pic>
         <p:nvPicPr>
-          <p:cNvPr id="1036" name="Picture 12" descr="https://news-a.akamaihd.net/public/images/pages/2016/january/jhin/img/Jhin_R.jpg"/>
+          <p:cNvPr id="1035" name="Picture 11" descr="https://news-a.akamaihd.net/public/images/pages/2016/january/jhin/img/Jhin_E.jpg"/>
           <p:cNvPicPr>
             <a:picLocks noChangeAspect="1" noChangeArrowheads="1"/>
           </p:cNvPicPr>
@@ -3262,7 +3215,48 @@
         </p:blipFill>
         <p:spPr bwMode="auto">
           <a:xfrm>
-            <a:off x="3584842" y="2593319"/>
+            <a:off x="2909983" y="2930843"/>
+            <a:ext cx="457129" cy="457129"/>
+          </a:xfrm>
+          <a:prstGeom prst="rect">
+            <a:avLst/>
+          </a:prstGeom>
+          <a:noFill/>
+          <a:extLst>
+            <a:ext uri="{909E8E84-426E-40DD-AFC4-6F175D3DCCD1}">
+              <a14:hiddenFill xmlns:a14="http://schemas.microsoft.com/office/drawing/2010/main">
+                <a:solidFill>
+                  <a:srgbClr val="FFFFFF"/>
+                </a:solidFill>
+              </a14:hiddenFill>
+            </a:ext>
+          </a:extLst>
+        </p:spPr>
+      </p:pic>
+      <p:pic>
+        <p:nvPicPr>
+          <p:cNvPr id="1036" name="Picture 12" descr="https://news-a.akamaihd.net/public/images/pages/2016/january/jhin/img/Jhin_R.jpg"/>
+          <p:cNvPicPr>
+            <a:picLocks noChangeAspect="1" noChangeArrowheads="1"/>
+          </p:cNvPicPr>
+          <p:nvPr/>
+        </p:nvPicPr>
+        <p:blipFill>
+          <a:blip r:embed="rId8" cstate="print">
+            <a:extLst>
+              <a:ext uri="{28A0092B-C50C-407E-A947-70E740481C1C}">
+                <a14:useLocalDpi xmlns:a14="http://schemas.microsoft.com/office/drawing/2010/main" val="0"/>
+              </a:ext>
+            </a:extLst>
+          </a:blip>
+          <a:srcRect/>
+          <a:stretch>
+            <a:fillRect/>
+          </a:stretch>
+        </p:blipFill>
+        <p:spPr bwMode="auto">
+          <a:xfrm>
+            <a:off x="3536293" y="2950573"/>
             <a:ext cx="449063" cy="449063"/>
           </a:xfrm>
           <a:prstGeom prst="rect">
@@ -3369,7 +3363,7 @@
           <p:nvPr/>
         </p:nvPicPr>
         <p:blipFill>
-          <a:blip r:embed="rId8">
+          <a:blip r:embed="rId9">
             <a:extLst>
               <a:ext uri="{28A0092B-C50C-407E-A947-70E740481C1C}">
                 <a14:useLocalDpi xmlns:a14="http://schemas.microsoft.com/office/drawing/2010/main" val="0"/>
@@ -3393,36 +3387,6 @@
       <p:pic>
         <p:nvPicPr>
           <p:cNvPr id="11" name="Picture 10"/>
-          <p:cNvPicPr>
-            <a:picLocks noChangeAspect="1"/>
-          </p:cNvPicPr>
-          <p:nvPr/>
-        </p:nvPicPr>
-        <p:blipFill>
-          <a:blip r:embed="rId9" cstate="print">
-            <a:extLst>
-              <a:ext uri="{28A0092B-C50C-407E-A947-70E740481C1C}">
-                <a14:useLocalDpi xmlns:a14="http://schemas.microsoft.com/office/drawing/2010/main" val="0"/>
-              </a:ext>
-            </a:extLst>
-          </a:blip>
-          <a:stretch>
-            <a:fillRect/>
-          </a:stretch>
-        </p:blipFill>
-        <p:spPr>
-          <a:xfrm>
-            <a:off x="2619525" y="4093372"/>
-            <a:ext cx="1495725" cy="841345"/>
-          </a:xfrm>
-          <a:prstGeom prst="rect">
-            <a:avLst/>
-          </a:prstGeom>
-        </p:spPr>
-      </p:pic>
-      <p:pic>
-        <p:nvPicPr>
-          <p:cNvPr id="10" name="Picture 9"/>
           <p:cNvPicPr>
             <a:picLocks noChangeAspect="1"/>
           </p:cNvPicPr>
@@ -3442,6 +3406,36 @@
         </p:blipFill>
         <p:spPr>
           <a:xfrm>
+            <a:off x="2619525" y="4093372"/>
+            <a:ext cx="1495725" cy="841345"/>
+          </a:xfrm>
+          <a:prstGeom prst="rect">
+            <a:avLst/>
+          </a:prstGeom>
+        </p:spPr>
+      </p:pic>
+      <p:pic>
+        <p:nvPicPr>
+          <p:cNvPr id="10" name="Picture 9"/>
+          <p:cNvPicPr>
+            <a:picLocks noChangeAspect="1"/>
+          </p:cNvPicPr>
+          <p:nvPr/>
+        </p:nvPicPr>
+        <p:blipFill>
+          <a:blip r:embed="rId11" cstate="print">
+            <a:extLst>
+              <a:ext uri="{28A0092B-C50C-407E-A947-70E740481C1C}">
+                <a14:useLocalDpi xmlns:a14="http://schemas.microsoft.com/office/drawing/2010/main" val="0"/>
+              </a:ext>
+            </a:extLst>
+          </a:blip>
+          <a:stretch>
+            <a:fillRect/>
+          </a:stretch>
+        </p:blipFill>
+        <p:spPr>
+          <a:xfrm>
             <a:off x="984970" y="5212869"/>
             <a:ext cx="1514764" cy="852055"/>
           </a:xfrm>
@@ -3459,7 +3453,7 @@
           <p:nvPr/>
         </p:nvPicPr>
         <p:blipFill>
-          <a:blip r:embed="rId11" cstate="print">
+          <a:blip r:embed="rId12" cstate="print">
             <a:extLst>
               <a:ext uri="{28A0092B-C50C-407E-A947-70E740481C1C}">
                 <a14:useLocalDpi xmlns:a14="http://schemas.microsoft.com/office/drawing/2010/main" val="0"/>
@@ -3568,7 +3562,7 @@
         </p:nvSpPr>
         <p:spPr>
           <a:xfrm>
-            <a:off x="1091496" y="3050448"/>
+            <a:off x="1092207" y="3397247"/>
             <a:ext cx="572747" cy="246221"/>
           </a:xfrm>
           <a:prstGeom prst="rect">
@@ -3606,7 +3600,7 @@
         </p:nvSpPr>
         <p:spPr>
           <a:xfrm>
-            <a:off x="1761331" y="3010326"/>
+            <a:off x="1750623" y="3337914"/>
             <a:ext cx="340351" cy="369332"/>
           </a:xfrm>
           <a:prstGeom prst="rect">
@@ -3644,7 +3638,7 @@
         </p:nvSpPr>
         <p:spPr>
           <a:xfrm>
-            <a:off x="2376883" y="3010326"/>
+            <a:off x="2328789" y="3359086"/>
             <a:ext cx="267238" cy="369332"/>
           </a:xfrm>
           <a:prstGeom prst="rect">
@@ -3682,7 +3676,7 @@
         </p:nvSpPr>
         <p:spPr>
           <a:xfrm>
-            <a:off x="3028583" y="3010326"/>
+            <a:off x="2989740" y="3337914"/>
             <a:ext cx="253924" cy="369332"/>
           </a:xfrm>
           <a:prstGeom prst="rect">
@@ -3720,7 +3714,7 @@
         </p:nvSpPr>
         <p:spPr>
           <a:xfrm>
-            <a:off x="3633498" y="3010326"/>
+            <a:off x="3602974" y="3337914"/>
             <a:ext cx="219585" cy="369332"/>
           </a:xfrm>
           <a:prstGeom prst="rect">
@@ -3752,16 +3746,16 @@
       </p:sp>
       <p:sp>
         <p:nvSpPr>
-          <p:cNvPr id="24" name="Rectangle 23"/>
+          <p:cNvPr id="35" name="Rounded Rectangle 34"/>
           <p:cNvSpPr/>
           <p:nvPr/>
         </p:nvSpPr>
         <p:spPr>
           <a:xfrm>
-            <a:off x="3633498" y="682580"/>
-            <a:ext cx="459233" cy="337567"/>
-          </a:xfrm>
-          <a:prstGeom prst="rect">
+            <a:off x="4790429" y="135228"/>
+            <a:ext cx="4012689" cy="6503831"/>
+          </a:xfrm>
+          <a:prstGeom prst="roundRect">
             <a:avLst/>
           </a:prstGeom>
         </p:spPr>
@@ -3784,26 +3778,22 @@
           <a:lstStyle/>
           <a:p>
             <a:pPr algn="ctr"/>
-            <a:r>
-              <a:rPr lang="en-SG" dirty="0" smtClean="0"/>
-              <a:t>RP</a:t>
-            </a:r>
-            <a:endParaRPr lang="en-SG" dirty="0"/>
-          </a:p>
-        </p:txBody>
-      </p:sp>
-      <p:sp>
-        <p:nvSpPr>
-          <p:cNvPr id="35" name="Rounded Rectangle 34"/>
+            <a:endParaRPr lang="en-SG"/>
+          </a:p>
+        </p:txBody>
+      </p:sp>
+      <p:sp>
+        <p:nvSpPr>
+          <p:cNvPr id="36" name="Rectangle 35"/>
           <p:cNvSpPr/>
           <p:nvPr/>
         </p:nvSpPr>
         <p:spPr>
           <a:xfrm>
-            <a:off x="4790429" y="135228"/>
-            <a:ext cx="4012689" cy="6503831"/>
-          </a:xfrm>
-          <a:prstGeom prst="roundRect">
+            <a:off x="5074695" y="475181"/>
+            <a:ext cx="3444155" cy="5783700"/>
+          </a:xfrm>
+          <a:prstGeom prst="rect">
             <a:avLst/>
           </a:prstGeom>
         </p:spPr>
@@ -3830,44 +3820,6 @@
           </a:p>
         </p:txBody>
       </p:sp>
-      <p:sp>
-        <p:nvSpPr>
-          <p:cNvPr id="36" name="Rectangle 35"/>
-          <p:cNvSpPr/>
-          <p:nvPr/>
-        </p:nvSpPr>
-        <p:spPr>
-          <a:xfrm>
-            <a:off x="5074695" y="475181"/>
-            <a:ext cx="3444155" cy="5783700"/>
-          </a:xfrm>
-          <a:prstGeom prst="rect">
-            <a:avLst/>
-          </a:prstGeom>
-        </p:spPr>
-        <p:style>
-          <a:lnRef idx="2">
-            <a:schemeClr val="dk1"/>
-          </a:lnRef>
-          <a:fillRef idx="1">
-            <a:schemeClr val="lt1"/>
-          </a:fillRef>
-          <a:effectRef idx="0">
-            <a:schemeClr val="dk1"/>
-          </a:effectRef>
-          <a:fontRef idx="minor">
-            <a:schemeClr val="dk1"/>
-          </a:fontRef>
-        </p:style>
-        <p:txBody>
-          <a:bodyPr rtlCol="0" anchor="ctr"/>
-          <a:lstStyle/>
-          <a:p>
-            <a:pPr algn="ctr"/>
-            <a:endParaRPr lang="en-SG"/>
-          </a:p>
-        </p:txBody>
-      </p:sp>
       <p:pic>
         <p:nvPicPr>
           <p:cNvPr id="37" name="Picture 36"/>
@@ -3877,7 +3829,7 @@
           <p:nvPr/>
         </p:nvPicPr>
         <p:blipFill>
-          <a:blip r:embed="rId12" cstate="print">
+          <a:blip r:embed="rId13" cstate="print">
             <a:extLst>
               <a:ext uri="{28A0092B-C50C-407E-A947-70E740481C1C}">
                 <a14:useLocalDpi xmlns:a14="http://schemas.microsoft.com/office/drawing/2010/main" val="0"/>
@@ -3900,78 +3852,7 @@
       </p:pic>
       <p:pic>
         <p:nvPicPr>
-          <p:cNvPr id="38" name="Picture 37"/>
-          <p:cNvPicPr>
-            <a:picLocks noChangeAspect="1"/>
-          </p:cNvPicPr>
-          <p:nvPr/>
-        </p:nvPicPr>
-        <p:blipFill>
-          <a:blip r:embed="rId2" cstate="print">
-            <a:extLst>
-              <a:ext uri="{28A0092B-C50C-407E-A947-70E740481C1C}">
-                <a14:useLocalDpi xmlns:a14="http://schemas.microsoft.com/office/drawing/2010/main" val="0"/>
-              </a:ext>
-            </a:extLst>
-          </a:blip>
-          <a:stretch>
-            <a:fillRect/>
-          </a:stretch>
-        </p:blipFill>
-        <p:spPr>
-          <a:xfrm>
-            <a:off x="5798105" y="1255503"/>
-            <a:ext cx="2037724" cy="1146220"/>
-          </a:xfrm>
-          <a:prstGeom prst="rect">
-            <a:avLst/>
-          </a:prstGeom>
-        </p:spPr>
-      </p:pic>
-      <p:pic>
-        <p:nvPicPr>
           <p:cNvPr id="39" name="Picture 7" descr="https://news-a.akamaihd.net/public/images/pages/2016/january/jhin/img/Jhin_Passive.jpg"/>
-          <p:cNvPicPr>
-            <a:picLocks noChangeAspect="1" noChangeArrowheads="1"/>
-          </p:cNvPicPr>
-          <p:nvPr/>
-        </p:nvPicPr>
-        <p:blipFill>
-          <a:blip r:embed="rId3" cstate="print">
-            <a:extLst>
-              <a:ext uri="{28A0092B-C50C-407E-A947-70E740481C1C}">
-                <a14:useLocalDpi xmlns:a14="http://schemas.microsoft.com/office/drawing/2010/main" val="0"/>
-              </a:ext>
-            </a:extLst>
-          </a:blip>
-          <a:srcRect/>
-          <a:stretch>
-            <a:fillRect/>
-          </a:stretch>
-        </p:blipFill>
-        <p:spPr bwMode="auto">
-          <a:xfrm>
-            <a:off x="5445909" y="2614833"/>
-            <a:ext cx="437882" cy="436941"/>
-          </a:xfrm>
-          <a:prstGeom prst="rect">
-            <a:avLst/>
-          </a:prstGeom>
-          <a:noFill/>
-          <a:extLst>
-            <a:ext uri="{909E8E84-426E-40DD-AFC4-6F175D3DCCD1}">
-              <a14:hiddenFill xmlns:a14="http://schemas.microsoft.com/office/drawing/2010/main">
-                <a:solidFill>
-                  <a:srgbClr val="FFFFFF"/>
-                </a:solidFill>
-              </a14:hiddenFill>
-            </a:ext>
-          </a:extLst>
-        </p:spPr>
-      </p:pic>
-      <p:pic>
-        <p:nvPicPr>
-          <p:cNvPr id="40" name="Picture 9" descr="https://news-a.akamaihd.net/public/images/pages/2016/january/jhin/img/Jhin_Q.jpg"/>
           <p:cNvPicPr>
             <a:picLocks noChangeAspect="1" noChangeArrowheads="1"/>
           </p:cNvPicPr>
@@ -3992,8 +3873,8 @@
         </p:blipFill>
         <p:spPr bwMode="auto">
           <a:xfrm>
-            <a:off x="6047163" y="2619653"/>
-            <a:ext cx="433273" cy="432121"/>
+            <a:off x="5445197" y="2944533"/>
+            <a:ext cx="437882" cy="436941"/>
           </a:xfrm>
           <a:prstGeom prst="rect">
             <a:avLst/>
@@ -4012,7 +3893,7 @@
       </p:pic>
       <p:pic>
         <p:nvPicPr>
-          <p:cNvPr id="41" name="Picture 10" descr="https://news-a.akamaihd.net/public/images/pages/2016/january/jhin/img/Jhin_W.jpg"/>
+          <p:cNvPr id="40" name="Picture 9" descr="https://news-a.akamaihd.net/public/images/pages/2016/january/jhin/img/Jhin_Q.jpg"/>
           <p:cNvPicPr>
             <a:picLocks noChangeAspect="1" noChangeArrowheads="1"/>
           </p:cNvPicPr>
@@ -4033,8 +3914,8 @@
         </p:blipFill>
         <p:spPr bwMode="auto">
           <a:xfrm>
-            <a:off x="6649174" y="2620632"/>
-            <a:ext cx="429816" cy="429816"/>
+            <a:off x="6006254" y="2957497"/>
+            <a:ext cx="433273" cy="432121"/>
           </a:xfrm>
           <a:prstGeom prst="rect">
             <a:avLst/>
@@ -4053,7 +3934,7 @@
       </p:pic>
       <p:pic>
         <p:nvPicPr>
-          <p:cNvPr id="42" name="Picture 11" descr="https://news-a.akamaihd.net/public/images/pages/2016/january/jhin/img/Jhin_E.jpg"/>
+          <p:cNvPr id="41" name="Picture 10" descr="https://news-a.akamaihd.net/public/images/pages/2016/january/jhin/img/Jhin_W.jpg"/>
           <p:cNvPicPr>
             <a:picLocks noChangeAspect="1" noChangeArrowheads="1"/>
           </p:cNvPicPr>
@@ -4074,8 +3955,8 @@
         </p:blipFill>
         <p:spPr bwMode="auto">
           <a:xfrm>
-            <a:off x="7246486" y="2593319"/>
-            <a:ext cx="457129" cy="457129"/>
+            <a:off x="6629511" y="2948095"/>
+            <a:ext cx="429816" cy="429816"/>
           </a:xfrm>
           <a:prstGeom prst="rect">
             <a:avLst/>
@@ -4094,7 +3975,7 @@
       </p:pic>
       <p:pic>
         <p:nvPicPr>
-          <p:cNvPr id="43" name="Picture 12" descr="https://news-a.akamaihd.net/public/images/pages/2016/january/jhin/img/Jhin_R.jpg"/>
+          <p:cNvPr id="42" name="Picture 11" descr="https://news-a.akamaihd.net/public/images/pages/2016/january/jhin/img/Jhin_E.jpg"/>
           <p:cNvPicPr>
             <a:picLocks noChangeAspect="1" noChangeArrowheads="1"/>
           </p:cNvPicPr>
@@ -4115,7 +3996,48 @@
         </p:blipFill>
         <p:spPr bwMode="auto">
           <a:xfrm>
-            <a:off x="7871111" y="2593319"/>
+            <a:off x="7228166" y="2910750"/>
+            <a:ext cx="457129" cy="457129"/>
+          </a:xfrm>
+          <a:prstGeom prst="rect">
+            <a:avLst/>
+          </a:prstGeom>
+          <a:noFill/>
+          <a:extLst>
+            <a:ext uri="{909E8E84-426E-40DD-AFC4-6F175D3DCCD1}">
+              <a14:hiddenFill xmlns:a14="http://schemas.microsoft.com/office/drawing/2010/main">
+                <a:solidFill>
+                  <a:srgbClr val="FFFFFF"/>
+                </a:solidFill>
+              </a14:hiddenFill>
+            </a:ext>
+          </a:extLst>
+        </p:spPr>
+      </p:pic>
+      <p:pic>
+        <p:nvPicPr>
+          <p:cNvPr id="43" name="Picture 12" descr="https://news-a.akamaihd.net/public/images/pages/2016/january/jhin/img/Jhin_R.jpg"/>
+          <p:cNvPicPr>
+            <a:picLocks noChangeAspect="1" noChangeArrowheads="1"/>
+          </p:cNvPicPr>
+          <p:nvPr/>
+        </p:nvPicPr>
+        <p:blipFill>
+          <a:blip r:embed="rId8" cstate="print">
+            <a:extLst>
+              <a:ext uri="{28A0092B-C50C-407E-A947-70E740481C1C}">
+                <a14:useLocalDpi xmlns:a14="http://schemas.microsoft.com/office/drawing/2010/main" val="0"/>
+              </a:ext>
+            </a:extLst>
+          </a:blip>
+          <a:srcRect/>
+          <a:stretch>
+            <a:fillRect/>
+          </a:stretch>
+        </p:blipFill>
+        <p:spPr bwMode="auto">
+          <a:xfrm>
+            <a:off x="7802425" y="2921018"/>
             <a:ext cx="449063" cy="449063"/>
           </a:xfrm>
           <a:prstGeom prst="rect">
@@ -4222,7 +4144,7 @@
           <p:nvPr/>
         </p:nvPicPr>
         <p:blipFill>
-          <a:blip r:embed="rId8">
+          <a:blip r:embed="rId9">
             <a:extLst>
               <a:ext uri="{28A0092B-C50C-407E-A947-70E740481C1C}">
                 <a14:useLocalDpi xmlns:a14="http://schemas.microsoft.com/office/drawing/2010/main" val="0"/>
@@ -4246,36 +4168,6 @@
       <p:pic>
         <p:nvPicPr>
           <p:cNvPr id="47" name="Picture 46"/>
-          <p:cNvPicPr>
-            <a:picLocks noChangeAspect="1"/>
-          </p:cNvPicPr>
-          <p:nvPr/>
-        </p:nvPicPr>
-        <p:blipFill>
-          <a:blip r:embed="rId9" cstate="print">
-            <a:extLst>
-              <a:ext uri="{28A0092B-C50C-407E-A947-70E740481C1C}">
-                <a14:useLocalDpi xmlns:a14="http://schemas.microsoft.com/office/drawing/2010/main" val="0"/>
-              </a:ext>
-            </a:extLst>
-          </a:blip>
-          <a:stretch>
-            <a:fillRect/>
-          </a:stretch>
-        </p:blipFill>
-        <p:spPr>
-          <a:xfrm>
-            <a:off x="6905794" y="4093372"/>
-            <a:ext cx="1495725" cy="841345"/>
-          </a:xfrm>
-          <a:prstGeom prst="rect">
-            <a:avLst/>
-          </a:prstGeom>
-        </p:spPr>
-      </p:pic>
-      <p:pic>
-        <p:nvPicPr>
-          <p:cNvPr id="48" name="Picture 47"/>
           <p:cNvPicPr>
             <a:picLocks noChangeAspect="1"/>
           </p:cNvPicPr>
@@ -4295,6 +4187,36 @@
         </p:blipFill>
         <p:spPr>
           <a:xfrm>
+            <a:off x="6905794" y="4093372"/>
+            <a:ext cx="1495725" cy="841345"/>
+          </a:xfrm>
+          <a:prstGeom prst="rect">
+            <a:avLst/>
+          </a:prstGeom>
+        </p:spPr>
+      </p:pic>
+      <p:pic>
+        <p:nvPicPr>
+          <p:cNvPr id="48" name="Picture 47"/>
+          <p:cNvPicPr>
+            <a:picLocks noChangeAspect="1"/>
+          </p:cNvPicPr>
+          <p:nvPr/>
+        </p:nvPicPr>
+        <p:blipFill>
+          <a:blip r:embed="rId11" cstate="print">
+            <a:extLst>
+              <a:ext uri="{28A0092B-C50C-407E-A947-70E740481C1C}">
+                <a14:useLocalDpi xmlns:a14="http://schemas.microsoft.com/office/drawing/2010/main" val="0"/>
+              </a:ext>
+            </a:extLst>
+          </a:blip>
+          <a:stretch>
+            <a:fillRect/>
+          </a:stretch>
+        </p:blipFill>
+        <p:spPr>
+          <a:xfrm>
             <a:off x="5271239" y="5212869"/>
             <a:ext cx="1514764" cy="852055"/>
           </a:xfrm>
@@ -4312,7 +4234,7 @@
           <p:nvPr/>
         </p:nvPicPr>
         <p:blipFill>
-          <a:blip r:embed="rId11" cstate="print">
+          <a:blip r:embed="rId12" cstate="print">
             <a:extLst>
               <a:ext uri="{28A0092B-C50C-407E-A947-70E740481C1C}">
                 <a14:useLocalDpi xmlns:a14="http://schemas.microsoft.com/office/drawing/2010/main" val="0"/>
@@ -4413,7 +4335,7 @@
         </p:nvSpPr>
         <p:spPr>
           <a:xfrm>
-            <a:off x="5377765" y="3050448"/>
+            <a:off x="5396932" y="3418932"/>
             <a:ext cx="572747" cy="246221"/>
           </a:xfrm>
           <a:prstGeom prst="rect">
@@ -4443,7 +4365,7 @@
         </p:nvSpPr>
         <p:spPr>
           <a:xfrm>
-            <a:off x="6047600" y="3010326"/>
+            <a:off x="6018335" y="3348070"/>
             <a:ext cx="340351" cy="369332"/>
           </a:xfrm>
           <a:prstGeom prst="rect">
@@ -4473,7 +4395,7 @@
         </p:nvSpPr>
         <p:spPr>
           <a:xfrm>
-            <a:off x="6663152" y="3010326"/>
+            <a:off x="6673296" y="3337914"/>
             <a:ext cx="267238" cy="369332"/>
           </a:xfrm>
           <a:prstGeom prst="rect">
@@ -4503,7 +4425,7 @@
         </p:nvSpPr>
         <p:spPr>
           <a:xfrm>
-            <a:off x="7314852" y="3010326"/>
+            <a:off x="7303914" y="3328600"/>
             <a:ext cx="253924" cy="369332"/>
           </a:xfrm>
           <a:prstGeom prst="rect">
@@ -4533,7 +4455,7 @@
         </p:nvSpPr>
         <p:spPr>
           <a:xfrm>
-            <a:off x="7919767" y="3010326"/>
+            <a:off x="7891749" y="3318510"/>
             <a:ext cx="219585" cy="369332"/>
           </a:xfrm>
           <a:prstGeom prst="rect">
@@ -4557,16 +4479,16 @@
       </p:sp>
       <p:sp>
         <p:nvSpPr>
-          <p:cNvPr id="57" name="Rectangle 56"/>
+          <p:cNvPr id="25" name="Rounded Rectangle 24"/>
           <p:cNvSpPr/>
           <p:nvPr/>
         </p:nvSpPr>
         <p:spPr>
           <a:xfrm>
-            <a:off x="7919767" y="682580"/>
-            <a:ext cx="459233" cy="337567"/>
-          </a:xfrm>
-          <a:prstGeom prst="rect">
+            <a:off x="5245430" y="3888685"/>
+            <a:ext cx="3074744" cy="2345336"/>
+          </a:xfrm>
+          <a:prstGeom prst="roundRect">
             <a:avLst/>
           </a:prstGeom>
         </p:spPr>
@@ -4589,26 +4511,22 @@
           <a:lstStyle/>
           <a:p>
             <a:pPr algn="ctr"/>
-            <a:r>
-              <a:rPr lang="en-SG" dirty="0" smtClean="0"/>
-              <a:t>RP</a:t>
-            </a:r>
             <a:endParaRPr lang="en-SG" dirty="0"/>
           </a:p>
         </p:txBody>
       </p:sp>
       <p:sp>
         <p:nvSpPr>
-          <p:cNvPr id="25" name="Rounded Rectangle 24"/>
+          <p:cNvPr id="29" name="Up Arrow 28"/>
           <p:cNvSpPr/>
           <p:nvPr/>
         </p:nvSpPr>
         <p:spPr>
           <a:xfrm>
-            <a:off x="5245431" y="3511941"/>
-            <a:ext cx="3074744" cy="2345336"/>
-          </a:xfrm>
-          <a:prstGeom prst="roundRect">
+            <a:off x="5553064" y="3572741"/>
+            <a:ext cx="198877" cy="308614"/>
+          </a:xfrm>
+          <a:prstGeom prst="upArrow">
             <a:avLst/>
           </a:prstGeom>
         </p:spPr>
@@ -4631,44 +4549,6 @@
           <a:lstStyle/>
           <a:p>
             <a:pPr algn="ctr"/>
-            <a:endParaRPr lang="en-SG" dirty="0"/>
-          </a:p>
-        </p:txBody>
-      </p:sp>
-      <p:sp>
-        <p:nvSpPr>
-          <p:cNvPr id="29" name="Up Arrow 28"/>
-          <p:cNvSpPr/>
-          <p:nvPr/>
-        </p:nvSpPr>
-        <p:spPr>
-          <a:xfrm>
-            <a:off x="5500003" y="3120767"/>
-            <a:ext cx="286374" cy="391173"/>
-          </a:xfrm>
-          <a:prstGeom prst="upArrow">
-            <a:avLst/>
-          </a:prstGeom>
-        </p:spPr>
-        <p:style>
-          <a:lnRef idx="2">
-            <a:schemeClr val="dk1"/>
-          </a:lnRef>
-          <a:fillRef idx="1">
-            <a:schemeClr val="lt1"/>
-          </a:fillRef>
-          <a:effectRef idx="0">
-            <a:schemeClr val="dk1"/>
-          </a:effectRef>
-          <a:fontRef idx="minor">
-            <a:schemeClr val="dk1"/>
-          </a:fontRef>
-        </p:style>
-        <p:txBody>
-          <a:bodyPr rtlCol="0" anchor="ctr"/>
-          <a:lstStyle/>
-          <a:p>
-            <a:pPr algn="ctr"/>
             <a:endParaRPr lang="en-SG"/>
           </a:p>
         </p:txBody>
@@ -4683,7 +4563,7 @@
         </p:nvSpPr>
         <p:spPr bwMode="auto">
           <a:xfrm>
-            <a:off x="5384646" y="3695946"/>
+            <a:off x="5336839" y="4072044"/>
             <a:ext cx="2847887" cy="1055431"/>
           </a:xfrm>
           <a:prstGeom prst="rect">
@@ -5171,14 +5051,14 @@
           <p:nvPr/>
         </p:nvPicPr>
         <p:blipFill>
-          <a:blip r:embed="rId13"/>
+          <a:blip r:embed="rId14"/>
           <a:stretch>
             <a:fillRect/>
           </a:stretch>
         </p:blipFill>
         <p:spPr>
           <a:xfrm>
-            <a:off x="5893056" y="4742711"/>
+            <a:off x="5926646" y="5158568"/>
             <a:ext cx="1864891" cy="1085652"/>
           </a:xfrm>
           <a:prstGeom prst="rect">
@@ -5216,6 +5096,483 @@
           </a:p>
         </p:txBody>
       </p:sp>
+      <p:sp>
+        <p:nvSpPr>
+          <p:cNvPr id="3" name="TextBox 2"/>
+          <p:cNvSpPr txBox="1"/>
+          <p:nvPr/>
+        </p:nvSpPr>
+        <p:spPr>
+          <a:xfrm>
+            <a:off x="6188510" y="1143000"/>
+            <a:ext cx="1387242" cy="369332"/>
+          </a:xfrm>
+          <a:prstGeom prst="rect">
+            <a:avLst/>
+          </a:prstGeom>
+          <a:noFill/>
+        </p:spPr>
+        <p:txBody>
+          <a:bodyPr wrap="square" rtlCol="0">
+            <a:spAutoFit/>
+          </a:bodyPr>
+          <a:lstStyle/>
+          <a:p>
+            <a:pPr algn="ctr"/>
+            <a:r>
+              <a:rPr lang="en-SG" b="1" dirty="0" err="1" smtClean="0">
+                <a:latin typeface="Arial Black" panose="020B0A04020102020204" pitchFamily="34" charset="0"/>
+              </a:rPr>
+              <a:t>Jhin</a:t>
+            </a:r>
+            <a:endParaRPr lang="en-SG" b="1" dirty="0">
+              <a:latin typeface="Arial Black" panose="020B0A04020102020204" pitchFamily="34" charset="0"/>
+            </a:endParaRPr>
+          </a:p>
+        </p:txBody>
+      </p:sp>
+      <p:sp>
+        <p:nvSpPr>
+          <p:cNvPr id="4" name="Rectangle 3"/>
+          <p:cNvSpPr/>
+          <p:nvPr/>
+        </p:nvSpPr>
+        <p:spPr>
+          <a:xfrm>
+            <a:off x="2100770" y="1157780"/>
+            <a:ext cx="723275" cy="369332"/>
+          </a:xfrm>
+          <a:prstGeom prst="rect">
+            <a:avLst/>
+          </a:prstGeom>
+        </p:spPr>
+        <p:txBody>
+          <a:bodyPr wrap="none">
+            <a:spAutoFit/>
+          </a:bodyPr>
+          <a:lstStyle/>
+          <a:p>
+            <a:pPr algn="ctr"/>
+            <a:r>
+              <a:rPr lang="en-SG" b="1" dirty="0" err="1">
+                <a:solidFill>
+                  <a:schemeClr val="bg1"/>
+                </a:solidFill>
+                <a:latin typeface="Arial Black" panose="020B0A04020102020204" pitchFamily="34" charset="0"/>
+              </a:rPr>
+              <a:t>Jhin</a:t>
+            </a:r>
+            <a:endParaRPr lang="en-SG" b="1" dirty="0">
+              <a:solidFill>
+                <a:schemeClr val="bg1"/>
+              </a:solidFill>
+              <a:latin typeface="Arial Black" panose="020B0A04020102020204" pitchFamily="34" charset="0"/>
+            </a:endParaRPr>
+          </a:p>
+        </p:txBody>
+      </p:sp>
+      <p:sp>
+        <p:nvSpPr>
+          <p:cNvPr id="16" name="Rounded Rectangle 15"/>
+          <p:cNvSpPr/>
+          <p:nvPr/>
+        </p:nvSpPr>
+        <p:spPr>
+          <a:xfrm>
+            <a:off x="3613388" y="1952385"/>
+            <a:ext cx="276502" cy="389965"/>
+          </a:xfrm>
+          <a:prstGeom prst="roundRect">
+            <a:avLst/>
+          </a:prstGeom>
+        </p:spPr>
+        <p:style>
+          <a:lnRef idx="2">
+            <a:schemeClr val="dk1"/>
+          </a:lnRef>
+          <a:fillRef idx="1">
+            <a:schemeClr val="lt1"/>
+          </a:fillRef>
+          <a:effectRef idx="0">
+            <a:schemeClr val="dk1"/>
+          </a:effectRef>
+          <a:fontRef idx="minor">
+            <a:schemeClr val="dk1"/>
+          </a:fontRef>
+        </p:style>
+        <p:txBody>
+          <a:bodyPr rtlCol="0" anchor="ctr"/>
+          <a:lstStyle/>
+          <a:p>
+            <a:pPr algn="ctr"/>
+            <a:endParaRPr lang="en-SG"/>
+          </a:p>
+        </p:txBody>
+      </p:sp>
+      <p:sp>
+        <p:nvSpPr>
+          <p:cNvPr id="58" name="Rounded Rectangle 57"/>
+          <p:cNvSpPr/>
+          <p:nvPr/>
+        </p:nvSpPr>
+        <p:spPr>
+          <a:xfrm>
+            <a:off x="1132064" y="1952729"/>
+            <a:ext cx="276502" cy="389965"/>
+          </a:xfrm>
+          <a:prstGeom prst="roundRect">
+            <a:avLst/>
+          </a:prstGeom>
+        </p:spPr>
+        <p:style>
+          <a:lnRef idx="2">
+            <a:schemeClr val="dk1"/>
+          </a:lnRef>
+          <a:fillRef idx="1">
+            <a:schemeClr val="lt1"/>
+          </a:fillRef>
+          <a:effectRef idx="0">
+            <a:schemeClr val="dk1"/>
+          </a:effectRef>
+          <a:fontRef idx="minor">
+            <a:schemeClr val="dk1"/>
+          </a:fontRef>
+        </p:style>
+        <p:txBody>
+          <a:bodyPr rtlCol="0" anchor="ctr"/>
+          <a:lstStyle/>
+          <a:p>
+            <a:pPr algn="ctr"/>
+            <a:endParaRPr lang="en-SG"/>
+          </a:p>
+        </p:txBody>
+      </p:sp>
+      <p:sp>
+        <p:nvSpPr>
+          <p:cNvPr id="59" name="Rounded Rectangle 58"/>
+          <p:cNvSpPr/>
+          <p:nvPr/>
+        </p:nvSpPr>
+        <p:spPr>
+          <a:xfrm>
+            <a:off x="5405287" y="2019283"/>
+            <a:ext cx="276502" cy="389965"/>
+          </a:xfrm>
+          <a:prstGeom prst="roundRect">
+            <a:avLst/>
+          </a:prstGeom>
+        </p:spPr>
+        <p:style>
+          <a:lnRef idx="2">
+            <a:schemeClr val="dk1"/>
+          </a:lnRef>
+          <a:fillRef idx="1">
+            <a:schemeClr val="lt1"/>
+          </a:fillRef>
+          <a:effectRef idx="0">
+            <a:schemeClr val="dk1"/>
+          </a:effectRef>
+          <a:fontRef idx="minor">
+            <a:schemeClr val="dk1"/>
+          </a:fontRef>
+        </p:style>
+        <p:txBody>
+          <a:bodyPr rtlCol="0" anchor="ctr"/>
+          <a:lstStyle/>
+          <a:p>
+            <a:pPr algn="ctr"/>
+            <a:endParaRPr lang="en-SG"/>
+          </a:p>
+        </p:txBody>
+      </p:sp>
+      <p:sp>
+        <p:nvSpPr>
+          <p:cNvPr id="60" name="Rounded Rectangle 59"/>
+          <p:cNvSpPr/>
+          <p:nvPr/>
+        </p:nvSpPr>
+        <p:spPr>
+          <a:xfrm>
+            <a:off x="7908224" y="2024889"/>
+            <a:ext cx="276502" cy="389965"/>
+          </a:xfrm>
+          <a:prstGeom prst="roundRect">
+            <a:avLst/>
+          </a:prstGeom>
+        </p:spPr>
+        <p:style>
+          <a:lnRef idx="2">
+            <a:schemeClr val="dk1"/>
+          </a:lnRef>
+          <a:fillRef idx="1">
+            <a:schemeClr val="lt1"/>
+          </a:fillRef>
+          <a:effectRef idx="0">
+            <a:schemeClr val="dk1"/>
+          </a:effectRef>
+          <a:fontRef idx="minor">
+            <a:schemeClr val="dk1"/>
+          </a:fontRef>
+        </p:style>
+        <p:txBody>
+          <a:bodyPr rtlCol="0" anchor="ctr"/>
+          <a:lstStyle/>
+          <a:p>
+            <a:pPr algn="ctr"/>
+            <a:endParaRPr lang="en-SG"/>
+          </a:p>
+        </p:txBody>
+      </p:sp>
+      <p:sp>
+        <p:nvSpPr>
+          <p:cNvPr id="61" name="Isosceles Triangle 60"/>
+          <p:cNvSpPr/>
+          <p:nvPr/>
+        </p:nvSpPr>
+        <p:spPr>
+          <a:xfrm rot="5400000">
+            <a:off x="3681958" y="2091705"/>
+            <a:ext cx="142032" cy="114300"/>
+          </a:xfrm>
+          <a:prstGeom prst="triangle">
+            <a:avLst/>
+          </a:prstGeom>
+        </p:spPr>
+        <p:style>
+          <a:lnRef idx="2">
+            <a:schemeClr val="dk1">
+              <a:shade val="50000"/>
+            </a:schemeClr>
+          </a:lnRef>
+          <a:fillRef idx="1">
+            <a:schemeClr val="dk1"/>
+          </a:fillRef>
+          <a:effectRef idx="0">
+            <a:schemeClr val="dk1"/>
+          </a:effectRef>
+          <a:fontRef idx="minor">
+            <a:schemeClr val="lt1"/>
+          </a:fontRef>
+        </p:style>
+        <p:txBody>
+          <a:bodyPr rtlCol="0" anchor="ctr"/>
+          <a:lstStyle/>
+          <a:p>
+            <a:pPr algn="ctr"/>
+            <a:endParaRPr lang="en-SG"/>
+          </a:p>
+        </p:txBody>
+      </p:sp>
+      <p:sp>
+        <p:nvSpPr>
+          <p:cNvPr id="62" name="Isosceles Triangle 61"/>
+          <p:cNvSpPr/>
+          <p:nvPr/>
+        </p:nvSpPr>
+        <p:spPr>
+          <a:xfrm rot="5400000">
+            <a:off x="7972974" y="2157115"/>
+            <a:ext cx="142032" cy="114300"/>
+          </a:xfrm>
+          <a:prstGeom prst="triangle">
+            <a:avLst/>
+          </a:prstGeom>
+        </p:spPr>
+        <p:style>
+          <a:lnRef idx="2">
+            <a:schemeClr val="dk1">
+              <a:shade val="50000"/>
+            </a:schemeClr>
+          </a:lnRef>
+          <a:fillRef idx="1">
+            <a:schemeClr val="dk1"/>
+          </a:fillRef>
+          <a:effectRef idx="0">
+            <a:schemeClr val="dk1"/>
+          </a:effectRef>
+          <a:fontRef idx="minor">
+            <a:schemeClr val="lt1"/>
+          </a:fontRef>
+        </p:style>
+        <p:txBody>
+          <a:bodyPr rtlCol="0" anchor="ctr"/>
+          <a:lstStyle/>
+          <a:p>
+            <a:pPr algn="ctr"/>
+            <a:endParaRPr lang="en-SG"/>
+          </a:p>
+        </p:txBody>
+      </p:sp>
+      <p:sp>
+        <p:nvSpPr>
+          <p:cNvPr id="63" name="Isosceles Triangle 62"/>
+          <p:cNvSpPr/>
+          <p:nvPr/>
+        </p:nvSpPr>
+        <p:spPr>
+          <a:xfrm rot="16200000" flipH="1">
+            <a:off x="5475568" y="2154275"/>
+            <a:ext cx="142032" cy="114300"/>
+          </a:xfrm>
+          <a:prstGeom prst="triangle">
+            <a:avLst/>
+          </a:prstGeom>
+        </p:spPr>
+        <p:style>
+          <a:lnRef idx="2">
+            <a:schemeClr val="dk1">
+              <a:shade val="50000"/>
+            </a:schemeClr>
+          </a:lnRef>
+          <a:fillRef idx="1">
+            <a:schemeClr val="dk1"/>
+          </a:fillRef>
+          <a:effectRef idx="0">
+            <a:schemeClr val="dk1"/>
+          </a:effectRef>
+          <a:fontRef idx="minor">
+            <a:schemeClr val="lt1"/>
+          </a:fontRef>
+        </p:style>
+        <p:txBody>
+          <a:bodyPr rtlCol="0" anchor="ctr"/>
+          <a:lstStyle/>
+          <a:p>
+            <a:pPr algn="ctr"/>
+            <a:endParaRPr lang="en-SG"/>
+          </a:p>
+        </p:txBody>
+      </p:sp>
+      <p:sp>
+        <p:nvSpPr>
+          <p:cNvPr id="64" name="Isosceles Triangle 63"/>
+          <p:cNvSpPr/>
+          <p:nvPr/>
+        </p:nvSpPr>
+        <p:spPr>
+          <a:xfrm rot="16200000" flipH="1">
+            <a:off x="1199299" y="2090217"/>
+            <a:ext cx="142032" cy="114300"/>
+          </a:xfrm>
+          <a:prstGeom prst="triangle">
+            <a:avLst/>
+          </a:prstGeom>
+        </p:spPr>
+        <p:style>
+          <a:lnRef idx="2">
+            <a:schemeClr val="dk1">
+              <a:shade val="50000"/>
+            </a:schemeClr>
+          </a:lnRef>
+          <a:fillRef idx="1">
+            <a:schemeClr val="dk1"/>
+          </a:fillRef>
+          <a:effectRef idx="0">
+            <a:schemeClr val="dk1"/>
+          </a:effectRef>
+          <a:fontRef idx="minor">
+            <a:schemeClr val="lt1"/>
+          </a:fontRef>
+        </p:style>
+        <p:txBody>
+          <a:bodyPr rtlCol="0" anchor="ctr"/>
+          <a:lstStyle/>
+          <a:p>
+            <a:pPr algn="ctr"/>
+            <a:endParaRPr lang="en-SG"/>
+          </a:p>
+        </p:txBody>
+      </p:sp>
+      <p:pic>
+        <p:nvPicPr>
+          <p:cNvPr id="26" name="Picture 25"/>
+          <p:cNvPicPr>
+            <a:picLocks noChangeAspect="1"/>
+          </p:cNvPicPr>
+          <p:nvPr/>
+        </p:nvPicPr>
+        <p:blipFill>
+          <a:blip r:embed="rId15">
+            <a:extLst>
+              <a:ext uri="{28A0092B-C50C-407E-A947-70E740481C1C}">
+                <a14:useLocalDpi xmlns:a14="http://schemas.microsoft.com/office/drawing/2010/main" val="0"/>
+              </a:ext>
+            </a:extLst>
+          </a:blip>
+          <a:stretch>
+            <a:fillRect/>
+          </a:stretch>
+        </p:blipFill>
+        <p:spPr>
+          <a:xfrm>
+            <a:off x="5806487" y="1635507"/>
+            <a:ext cx="2000855" cy="1178586"/>
+          </a:xfrm>
+          <a:prstGeom prst="rect">
+            <a:avLst/>
+          </a:prstGeom>
+        </p:spPr>
+      </p:pic>
+      <p:pic>
+        <p:nvPicPr>
+          <p:cNvPr id="27" name="Picture 26"/>
+          <p:cNvPicPr>
+            <a:picLocks noChangeAspect="1"/>
+          </p:cNvPicPr>
+          <p:nvPr/>
+        </p:nvPicPr>
+        <p:blipFill>
+          <a:blip r:embed="rId16" cstate="print">
+            <a:extLst>
+              <a:ext uri="{28A0092B-C50C-407E-A947-70E740481C1C}">
+                <a14:useLocalDpi xmlns:a14="http://schemas.microsoft.com/office/drawing/2010/main" val="0"/>
+              </a:ext>
+            </a:extLst>
+          </a:blip>
+          <a:stretch>
+            <a:fillRect/>
+          </a:stretch>
+        </p:blipFill>
+        <p:spPr>
+          <a:xfrm>
+            <a:off x="3613891" y="754921"/>
+            <a:ext cx="340793" cy="340793"/>
+          </a:xfrm>
+          <a:prstGeom prst="rect">
+            <a:avLst/>
+          </a:prstGeom>
+        </p:spPr>
+      </p:pic>
+      <p:pic>
+        <p:nvPicPr>
+          <p:cNvPr id="67" name="Picture 66"/>
+          <p:cNvPicPr>
+            <a:picLocks noChangeAspect="1"/>
+          </p:cNvPicPr>
+          <p:nvPr/>
+        </p:nvPicPr>
+        <p:blipFill>
+          <a:blip r:embed="rId16" cstate="print">
+            <a:extLst>
+              <a:ext uri="{28A0092B-C50C-407E-A947-70E740481C1C}">
+                <a14:useLocalDpi xmlns:a14="http://schemas.microsoft.com/office/drawing/2010/main" val="0"/>
+              </a:ext>
+            </a:extLst>
+          </a:blip>
+          <a:stretch>
+            <a:fillRect/>
+          </a:stretch>
+        </p:blipFill>
+        <p:spPr>
+          <a:xfrm>
+            <a:off x="7860018" y="680570"/>
+            <a:ext cx="340793" cy="340793"/>
+          </a:xfrm>
+          <a:prstGeom prst="rect">
+            <a:avLst/>
+          </a:prstGeom>
+        </p:spPr>
+      </p:pic>
     </p:spTree>
     <p:extLst>
       <p:ext uri="{BB962C8B-B14F-4D97-AF65-F5344CB8AC3E}">
@@ -5233,6 +5590,3579 @@
       </p:par>
     </p:tnLst>
   </p:timing>
+</p:sld>
+</file>
+
+<file path=ppt/slides/slide2.xml><?xml version="1.0" encoding="utf-8"?>
+<p:sld xmlns:a="http://schemas.openxmlformats.org/drawingml/2006/main" xmlns:r="http://schemas.openxmlformats.org/officeDocument/2006/relationships" xmlns:p="http://schemas.openxmlformats.org/presentationml/2006/main">
+  <p:cSld>
+    <p:spTree>
+      <p:nvGrpSpPr>
+        <p:cNvPr id="1" name=""/>
+        <p:cNvGrpSpPr/>
+        <p:nvPr/>
+      </p:nvGrpSpPr>
+      <p:grpSpPr>
+        <a:xfrm>
+          <a:off x="0" y="0"/>
+          <a:ext cx="0" cy="0"/>
+          <a:chOff x="0" y="0"/>
+          <a:chExt cx="0" cy="0"/>
+        </a:xfrm>
+      </p:grpSpPr>
+      <p:sp>
+        <p:nvSpPr>
+          <p:cNvPr id="27" name="Rounded Rectangle 26"/>
+          <p:cNvSpPr/>
+          <p:nvPr/>
+        </p:nvSpPr>
+        <p:spPr>
+          <a:xfrm>
+            <a:off x="504160" y="135228"/>
+            <a:ext cx="4012689" cy="6503831"/>
+          </a:xfrm>
+          <a:prstGeom prst="roundRect">
+            <a:avLst/>
+          </a:prstGeom>
+        </p:spPr>
+        <p:style>
+          <a:lnRef idx="2">
+            <a:schemeClr val="dk1"/>
+          </a:lnRef>
+          <a:fillRef idx="1">
+            <a:schemeClr val="lt1"/>
+          </a:fillRef>
+          <a:effectRef idx="0">
+            <a:schemeClr val="dk1"/>
+          </a:effectRef>
+          <a:fontRef idx="minor">
+            <a:schemeClr val="dk1"/>
+          </a:fontRef>
+        </p:style>
+        <p:txBody>
+          <a:bodyPr rtlCol="0" anchor="ctr"/>
+          <a:lstStyle/>
+          <a:p>
+            <a:pPr algn="ctr"/>
+            <a:endParaRPr lang="en-SG"/>
+          </a:p>
+        </p:txBody>
+      </p:sp>
+      <p:pic>
+        <p:nvPicPr>
+          <p:cNvPr id="56" name="Picture 55"/>
+          <p:cNvPicPr>
+            <a:picLocks noChangeAspect="1"/>
+          </p:cNvPicPr>
+          <p:nvPr/>
+        </p:nvPicPr>
+        <p:blipFill>
+          <a:blip r:embed="rId2" cstate="print">
+            <a:extLst>
+              <a:ext uri="{28A0092B-C50C-407E-A947-70E740481C1C}">
+                <a14:useLocalDpi xmlns:a14="http://schemas.microsoft.com/office/drawing/2010/main" val="0"/>
+              </a:ext>
+            </a:extLst>
+          </a:blip>
+          <a:stretch>
+            <a:fillRect/>
+          </a:stretch>
+        </p:blipFill>
+        <p:spPr>
+          <a:xfrm>
+            <a:off x="867945" y="497990"/>
+            <a:ext cx="3320783" cy="5778305"/>
+          </a:xfrm>
+          <a:prstGeom prst="rect">
+            <a:avLst/>
+          </a:prstGeom>
+        </p:spPr>
+      </p:pic>
+      <p:pic>
+        <p:nvPicPr>
+          <p:cNvPr id="30" name="Picture 7" descr="https://news-a.akamaihd.net/public/images/pages/2016/january/jhin/img/Jhin_Passive.jpg"/>
+          <p:cNvPicPr>
+            <a:picLocks noChangeAspect="1" noChangeArrowheads="1"/>
+          </p:cNvPicPr>
+          <p:nvPr/>
+        </p:nvPicPr>
+        <p:blipFill>
+          <a:blip r:embed="rId3" cstate="print">
+            <a:extLst>
+              <a:ext uri="{28A0092B-C50C-407E-A947-70E740481C1C}">
+                <a14:useLocalDpi xmlns:a14="http://schemas.microsoft.com/office/drawing/2010/main" val="0"/>
+              </a:ext>
+            </a:extLst>
+          </a:blip>
+          <a:srcRect/>
+          <a:stretch>
+            <a:fillRect/>
+          </a:stretch>
+        </p:blipFill>
+        <p:spPr bwMode="auto">
+          <a:xfrm>
+            <a:off x="1172951" y="2963574"/>
+            <a:ext cx="437882" cy="436941"/>
+          </a:xfrm>
+          <a:prstGeom prst="rect">
+            <a:avLst/>
+          </a:prstGeom>
+          <a:noFill/>
+          <a:extLst>
+            <a:ext uri="{909E8E84-426E-40DD-AFC4-6F175D3DCCD1}">
+              <a14:hiddenFill xmlns:a14="http://schemas.microsoft.com/office/drawing/2010/main">
+                <a:solidFill>
+                  <a:srgbClr val="FFFFFF"/>
+                </a:solidFill>
+              </a14:hiddenFill>
+            </a:ext>
+          </a:extLst>
+        </p:spPr>
+      </p:pic>
+      <p:pic>
+        <p:nvPicPr>
+          <p:cNvPr id="31" name="Picture 9" descr="https://news-a.akamaihd.net/public/images/pages/2016/january/jhin/img/Jhin_Q.jpg"/>
+          <p:cNvPicPr>
+            <a:picLocks noChangeAspect="1" noChangeArrowheads="1"/>
+          </p:cNvPicPr>
+          <p:nvPr/>
+        </p:nvPicPr>
+        <p:blipFill>
+          <a:blip r:embed="rId4" cstate="print">
+            <a:extLst>
+              <a:ext uri="{28A0092B-C50C-407E-A947-70E740481C1C}">
+                <a14:useLocalDpi xmlns:a14="http://schemas.microsoft.com/office/drawing/2010/main" val="0"/>
+              </a:ext>
+            </a:extLst>
+          </a:blip>
+          <a:srcRect/>
+          <a:stretch>
+            <a:fillRect/>
+          </a:stretch>
+        </p:blipFill>
+        <p:spPr bwMode="auto">
+          <a:xfrm>
+            <a:off x="1710602" y="2957497"/>
+            <a:ext cx="433273" cy="432121"/>
+          </a:xfrm>
+          <a:prstGeom prst="rect">
+            <a:avLst/>
+          </a:prstGeom>
+          <a:noFill/>
+          <a:extLst>
+            <a:ext uri="{909E8E84-426E-40DD-AFC4-6F175D3DCCD1}">
+              <a14:hiddenFill xmlns:a14="http://schemas.microsoft.com/office/drawing/2010/main">
+                <a:solidFill>
+                  <a:srgbClr val="FFFFFF"/>
+                </a:solidFill>
+              </a14:hiddenFill>
+            </a:ext>
+          </a:extLst>
+        </p:spPr>
+      </p:pic>
+      <p:pic>
+        <p:nvPicPr>
+          <p:cNvPr id="32" name="Picture 10" descr="https://news-a.akamaihd.net/public/images/pages/2016/january/jhin/img/Jhin_W.jpg"/>
+          <p:cNvPicPr>
+            <a:picLocks noChangeAspect="1" noChangeArrowheads="1"/>
+          </p:cNvPicPr>
+          <p:nvPr/>
+        </p:nvPicPr>
+        <p:blipFill>
+          <a:blip r:embed="rId5" cstate="print">
+            <a:extLst>
+              <a:ext uri="{28A0092B-C50C-407E-A947-70E740481C1C}">
+                <a14:useLocalDpi xmlns:a14="http://schemas.microsoft.com/office/drawing/2010/main" val="0"/>
+              </a:ext>
+            </a:extLst>
+          </a:blip>
+          <a:srcRect/>
+          <a:stretch>
+            <a:fillRect/>
+          </a:stretch>
+        </p:blipFill>
+        <p:spPr bwMode="auto">
+          <a:xfrm>
+            <a:off x="2313429" y="2958649"/>
+            <a:ext cx="429816" cy="429816"/>
+          </a:xfrm>
+          <a:prstGeom prst="rect">
+            <a:avLst/>
+          </a:prstGeom>
+          <a:noFill/>
+          <a:extLst>
+            <a:ext uri="{909E8E84-426E-40DD-AFC4-6F175D3DCCD1}">
+              <a14:hiddenFill xmlns:a14="http://schemas.microsoft.com/office/drawing/2010/main">
+                <a:solidFill>
+                  <a:srgbClr val="FFFFFF"/>
+                </a:solidFill>
+              </a14:hiddenFill>
+            </a:ext>
+          </a:extLst>
+        </p:spPr>
+      </p:pic>
+      <p:pic>
+        <p:nvPicPr>
+          <p:cNvPr id="33" name="Picture 11" descr="https://news-a.akamaihd.net/public/images/pages/2016/january/jhin/img/Jhin_E.jpg"/>
+          <p:cNvPicPr>
+            <a:picLocks noChangeAspect="1" noChangeArrowheads="1"/>
+          </p:cNvPicPr>
+          <p:nvPr/>
+        </p:nvPicPr>
+        <p:blipFill>
+          <a:blip r:embed="rId6" cstate="print">
+            <a:extLst>
+              <a:ext uri="{28A0092B-C50C-407E-A947-70E740481C1C}">
+                <a14:useLocalDpi xmlns:a14="http://schemas.microsoft.com/office/drawing/2010/main" val="0"/>
+              </a:ext>
+            </a:extLst>
+          </a:blip>
+          <a:srcRect/>
+          <a:stretch>
+            <a:fillRect/>
+          </a:stretch>
+        </p:blipFill>
+        <p:spPr bwMode="auto">
+          <a:xfrm>
+            <a:off x="2909983" y="2930843"/>
+            <a:ext cx="457129" cy="457129"/>
+          </a:xfrm>
+          <a:prstGeom prst="rect">
+            <a:avLst/>
+          </a:prstGeom>
+          <a:noFill/>
+          <a:extLst>
+            <a:ext uri="{909E8E84-426E-40DD-AFC4-6F175D3DCCD1}">
+              <a14:hiddenFill xmlns:a14="http://schemas.microsoft.com/office/drawing/2010/main">
+                <a:solidFill>
+                  <a:srgbClr val="FFFFFF"/>
+                </a:solidFill>
+              </a14:hiddenFill>
+            </a:ext>
+          </a:extLst>
+        </p:spPr>
+      </p:pic>
+      <p:pic>
+        <p:nvPicPr>
+          <p:cNvPr id="34" name="Picture 12" descr="https://news-a.akamaihd.net/public/images/pages/2016/january/jhin/img/Jhin_R.jpg"/>
+          <p:cNvPicPr>
+            <a:picLocks noChangeAspect="1" noChangeArrowheads="1"/>
+          </p:cNvPicPr>
+          <p:nvPr/>
+        </p:nvPicPr>
+        <p:blipFill>
+          <a:blip r:embed="rId7" cstate="print">
+            <a:extLst>
+              <a:ext uri="{28A0092B-C50C-407E-A947-70E740481C1C}">
+                <a14:useLocalDpi xmlns:a14="http://schemas.microsoft.com/office/drawing/2010/main" val="0"/>
+              </a:ext>
+            </a:extLst>
+          </a:blip>
+          <a:srcRect/>
+          <a:stretch>
+            <a:fillRect/>
+          </a:stretch>
+        </p:blipFill>
+        <p:spPr bwMode="auto">
+          <a:xfrm>
+            <a:off x="3536293" y="2950573"/>
+            <a:ext cx="449063" cy="449063"/>
+          </a:xfrm>
+          <a:prstGeom prst="rect">
+            <a:avLst/>
+          </a:prstGeom>
+          <a:noFill/>
+          <a:extLst>
+            <a:ext uri="{909E8E84-426E-40DD-AFC4-6F175D3DCCD1}">
+              <a14:hiddenFill xmlns:a14="http://schemas.microsoft.com/office/drawing/2010/main">
+                <a:solidFill>
+                  <a:srgbClr val="FFFFFF"/>
+                </a:solidFill>
+              </a14:hiddenFill>
+            </a:ext>
+          </a:extLst>
+        </p:spPr>
+      </p:pic>
+      <p:sp>
+        <p:nvSpPr>
+          <p:cNvPr id="35" name="Rounded Rectangle 34"/>
+          <p:cNvSpPr/>
+          <p:nvPr/>
+        </p:nvSpPr>
+        <p:spPr>
+          <a:xfrm>
+            <a:off x="2063839" y="560230"/>
+            <a:ext cx="360608" cy="103031"/>
+          </a:xfrm>
+          <a:prstGeom prst="roundRect">
+            <a:avLst/>
+          </a:prstGeom>
+        </p:spPr>
+        <p:style>
+          <a:lnRef idx="2">
+            <a:schemeClr val="dk1">
+              <a:shade val="50000"/>
+            </a:schemeClr>
+          </a:lnRef>
+          <a:fillRef idx="1">
+            <a:schemeClr val="dk1"/>
+          </a:fillRef>
+          <a:effectRef idx="0">
+            <a:schemeClr val="dk1"/>
+          </a:effectRef>
+          <a:fontRef idx="minor">
+            <a:schemeClr val="lt1"/>
+          </a:fontRef>
+        </p:style>
+        <p:txBody>
+          <a:bodyPr rtlCol="0" anchor="ctr"/>
+          <a:lstStyle/>
+          <a:p>
+            <a:pPr algn="ctr"/>
+            <a:endParaRPr lang="en-SG"/>
+          </a:p>
+        </p:txBody>
+      </p:sp>
+      <p:sp>
+        <p:nvSpPr>
+          <p:cNvPr id="36" name="Oval 35"/>
+          <p:cNvSpPr/>
+          <p:nvPr/>
+        </p:nvSpPr>
+        <p:spPr>
+          <a:xfrm>
+            <a:off x="2530698" y="540913"/>
+            <a:ext cx="160987" cy="141667"/>
+          </a:xfrm>
+          <a:prstGeom prst="ellipse">
+            <a:avLst/>
+          </a:prstGeom>
+        </p:spPr>
+        <p:style>
+          <a:lnRef idx="2">
+            <a:schemeClr val="dk1">
+              <a:shade val="50000"/>
+            </a:schemeClr>
+          </a:lnRef>
+          <a:fillRef idx="1">
+            <a:schemeClr val="dk1"/>
+          </a:fillRef>
+          <a:effectRef idx="0">
+            <a:schemeClr val="dk1"/>
+          </a:effectRef>
+          <a:fontRef idx="minor">
+            <a:schemeClr val="lt1"/>
+          </a:fontRef>
+        </p:style>
+        <p:txBody>
+          <a:bodyPr rtlCol="0" anchor="ctr"/>
+          <a:lstStyle/>
+          <a:p>
+            <a:pPr algn="ctr"/>
+            <a:endParaRPr lang="en-SG"/>
+          </a:p>
+        </p:txBody>
+      </p:sp>
+      <p:pic>
+        <p:nvPicPr>
+          <p:cNvPr id="37" name="Picture 36"/>
+          <p:cNvPicPr>
+            <a:picLocks noChangeAspect="1"/>
+          </p:cNvPicPr>
+          <p:nvPr/>
+        </p:nvPicPr>
+        <p:blipFill>
+          <a:blip r:embed="rId8">
+            <a:extLst>
+              <a:ext uri="{28A0092B-C50C-407E-A947-70E740481C1C}">
+                <a14:useLocalDpi xmlns:a14="http://schemas.microsoft.com/office/drawing/2010/main" val="0"/>
+              </a:ext>
+            </a:extLst>
+          </a:blip>
+          <a:stretch>
+            <a:fillRect/>
+          </a:stretch>
+        </p:blipFill>
+        <p:spPr>
+          <a:xfrm>
+            <a:off x="1003298" y="4101548"/>
+            <a:ext cx="1507207" cy="844036"/>
+          </a:xfrm>
+          <a:prstGeom prst="rect">
+            <a:avLst/>
+          </a:prstGeom>
+        </p:spPr>
+      </p:pic>
+      <p:pic>
+        <p:nvPicPr>
+          <p:cNvPr id="38" name="Picture 37"/>
+          <p:cNvPicPr>
+            <a:picLocks noChangeAspect="1"/>
+          </p:cNvPicPr>
+          <p:nvPr/>
+        </p:nvPicPr>
+        <p:blipFill>
+          <a:blip r:embed="rId9" cstate="print">
+            <a:extLst>
+              <a:ext uri="{28A0092B-C50C-407E-A947-70E740481C1C}">
+                <a14:useLocalDpi xmlns:a14="http://schemas.microsoft.com/office/drawing/2010/main" val="0"/>
+              </a:ext>
+            </a:extLst>
+          </a:blip>
+          <a:stretch>
+            <a:fillRect/>
+          </a:stretch>
+        </p:blipFill>
+        <p:spPr>
+          <a:xfrm>
+            <a:off x="2619525" y="4093372"/>
+            <a:ext cx="1495725" cy="841345"/>
+          </a:xfrm>
+          <a:prstGeom prst="rect">
+            <a:avLst/>
+          </a:prstGeom>
+        </p:spPr>
+      </p:pic>
+      <p:pic>
+        <p:nvPicPr>
+          <p:cNvPr id="39" name="Picture 38"/>
+          <p:cNvPicPr>
+            <a:picLocks noChangeAspect="1"/>
+          </p:cNvPicPr>
+          <p:nvPr/>
+        </p:nvPicPr>
+        <p:blipFill>
+          <a:blip r:embed="rId10" cstate="print">
+            <a:extLst>
+              <a:ext uri="{28A0092B-C50C-407E-A947-70E740481C1C}">
+                <a14:useLocalDpi xmlns:a14="http://schemas.microsoft.com/office/drawing/2010/main" val="0"/>
+              </a:ext>
+            </a:extLst>
+          </a:blip>
+          <a:stretch>
+            <a:fillRect/>
+          </a:stretch>
+        </p:blipFill>
+        <p:spPr>
+          <a:xfrm>
+            <a:off x="984970" y="5212869"/>
+            <a:ext cx="1514764" cy="852055"/>
+          </a:xfrm>
+          <a:prstGeom prst="rect">
+            <a:avLst/>
+          </a:prstGeom>
+        </p:spPr>
+      </p:pic>
+      <p:pic>
+        <p:nvPicPr>
+          <p:cNvPr id="40" name="Picture 39"/>
+          <p:cNvPicPr>
+            <a:picLocks noChangeAspect="1"/>
+          </p:cNvPicPr>
+          <p:nvPr/>
+        </p:nvPicPr>
+        <p:blipFill>
+          <a:blip r:embed="rId11" cstate="print">
+            <a:extLst>
+              <a:ext uri="{28A0092B-C50C-407E-A947-70E740481C1C}">
+                <a14:useLocalDpi xmlns:a14="http://schemas.microsoft.com/office/drawing/2010/main" val="0"/>
+              </a:ext>
+            </a:extLst>
+          </a:blip>
+          <a:stretch>
+            <a:fillRect/>
+          </a:stretch>
+        </p:blipFill>
+        <p:spPr>
+          <a:xfrm>
+            <a:off x="2578730" y="5212869"/>
+            <a:ext cx="1514764" cy="852055"/>
+          </a:xfrm>
+          <a:prstGeom prst="rect">
+            <a:avLst/>
+          </a:prstGeom>
+        </p:spPr>
+      </p:pic>
+      <p:sp>
+        <p:nvSpPr>
+          <p:cNvPr id="41" name="Rounded Rectangle 40"/>
+          <p:cNvSpPr/>
+          <p:nvPr/>
+        </p:nvSpPr>
+        <p:spPr>
+          <a:xfrm>
+            <a:off x="1119018" y="742552"/>
+            <a:ext cx="2170465" cy="216830"/>
+          </a:xfrm>
+          <a:prstGeom prst="roundRect">
+            <a:avLst/>
+          </a:prstGeom>
+        </p:spPr>
+        <p:style>
+          <a:lnRef idx="2">
+            <a:schemeClr val="dk1"/>
+          </a:lnRef>
+          <a:fillRef idx="1">
+            <a:schemeClr val="lt1"/>
+          </a:fillRef>
+          <a:effectRef idx="0">
+            <a:schemeClr val="dk1"/>
+          </a:effectRef>
+          <a:fontRef idx="minor">
+            <a:schemeClr val="dk1"/>
+          </a:fontRef>
+        </p:style>
+        <p:txBody>
+          <a:bodyPr rtlCol="0" anchor="ctr"/>
+          <a:lstStyle/>
+          <a:p>
+            <a:pPr algn="ctr"/>
+            <a:r>
+              <a:rPr lang="en-SG" dirty="0" smtClean="0"/>
+              <a:t>Search</a:t>
+            </a:r>
+            <a:endParaRPr lang="en-SG" dirty="0"/>
+          </a:p>
+        </p:txBody>
+      </p:sp>
+      <p:sp>
+        <p:nvSpPr>
+          <p:cNvPr id="42" name="TextBox 41"/>
+          <p:cNvSpPr txBox="1"/>
+          <p:nvPr/>
+        </p:nvSpPr>
+        <p:spPr>
+          <a:xfrm>
+            <a:off x="1123447" y="3687842"/>
+            <a:ext cx="1305429" cy="369332"/>
+          </a:xfrm>
+          <a:prstGeom prst="rect">
+            <a:avLst/>
+          </a:prstGeom>
+          <a:noFill/>
+        </p:spPr>
+        <p:txBody>
+          <a:bodyPr wrap="square" rtlCol="0">
+            <a:spAutoFit/>
+          </a:bodyPr>
+          <a:lstStyle/>
+          <a:p>
+            <a:r>
+              <a:rPr lang="en-SG" dirty="0" smtClean="0">
+                <a:solidFill>
+                  <a:schemeClr val="bg1"/>
+                </a:solidFill>
+              </a:rPr>
+              <a:t>Art</a:t>
+            </a:r>
+            <a:endParaRPr lang="en-SG" dirty="0">
+              <a:solidFill>
+                <a:schemeClr val="bg1"/>
+              </a:solidFill>
+            </a:endParaRPr>
+          </a:p>
+        </p:txBody>
+      </p:sp>
+      <p:sp>
+        <p:nvSpPr>
+          <p:cNvPr id="43" name="TextBox 42"/>
+          <p:cNvSpPr txBox="1"/>
+          <p:nvPr/>
+        </p:nvSpPr>
+        <p:spPr>
+          <a:xfrm>
+            <a:off x="1092207" y="3397247"/>
+            <a:ext cx="572747" cy="246221"/>
+          </a:xfrm>
+          <a:prstGeom prst="rect">
+            <a:avLst/>
+          </a:prstGeom>
+          <a:noFill/>
+        </p:spPr>
+        <p:txBody>
+          <a:bodyPr wrap="square" rtlCol="0">
+            <a:spAutoFit/>
+          </a:bodyPr>
+          <a:lstStyle/>
+          <a:p>
+            <a:r>
+              <a:rPr lang="en-SG" sz="1000" b="1" dirty="0" smtClean="0">
+                <a:solidFill>
+                  <a:schemeClr val="bg1"/>
+                </a:solidFill>
+              </a:rPr>
+              <a:t>Passive</a:t>
+            </a:r>
+            <a:endParaRPr lang="en-SG" sz="1000" b="1" dirty="0">
+              <a:solidFill>
+                <a:schemeClr val="bg1"/>
+              </a:solidFill>
+            </a:endParaRPr>
+          </a:p>
+        </p:txBody>
+      </p:sp>
+      <p:sp>
+        <p:nvSpPr>
+          <p:cNvPr id="44" name="TextBox 43"/>
+          <p:cNvSpPr txBox="1"/>
+          <p:nvPr/>
+        </p:nvSpPr>
+        <p:spPr>
+          <a:xfrm>
+            <a:off x="1750623" y="3337914"/>
+            <a:ext cx="340351" cy="369332"/>
+          </a:xfrm>
+          <a:prstGeom prst="rect">
+            <a:avLst/>
+          </a:prstGeom>
+          <a:noFill/>
+        </p:spPr>
+        <p:txBody>
+          <a:bodyPr wrap="square" rtlCol="0">
+            <a:spAutoFit/>
+          </a:bodyPr>
+          <a:lstStyle/>
+          <a:p>
+            <a:r>
+              <a:rPr lang="en-SG" dirty="0" smtClean="0">
+                <a:solidFill>
+                  <a:schemeClr val="bg1"/>
+                </a:solidFill>
+              </a:rPr>
+              <a:t>Q</a:t>
+            </a:r>
+            <a:endParaRPr lang="en-SG" dirty="0">
+              <a:solidFill>
+                <a:schemeClr val="bg1"/>
+              </a:solidFill>
+            </a:endParaRPr>
+          </a:p>
+        </p:txBody>
+      </p:sp>
+      <p:sp>
+        <p:nvSpPr>
+          <p:cNvPr id="45" name="TextBox 44"/>
+          <p:cNvSpPr txBox="1"/>
+          <p:nvPr/>
+        </p:nvSpPr>
+        <p:spPr>
+          <a:xfrm>
+            <a:off x="2328789" y="3359086"/>
+            <a:ext cx="267238" cy="369332"/>
+          </a:xfrm>
+          <a:prstGeom prst="rect">
+            <a:avLst/>
+          </a:prstGeom>
+          <a:noFill/>
+        </p:spPr>
+        <p:txBody>
+          <a:bodyPr wrap="square" rtlCol="0">
+            <a:spAutoFit/>
+          </a:bodyPr>
+          <a:lstStyle/>
+          <a:p>
+            <a:r>
+              <a:rPr lang="en-SG" dirty="0" smtClean="0">
+                <a:solidFill>
+                  <a:schemeClr val="bg1"/>
+                </a:solidFill>
+              </a:rPr>
+              <a:t>W</a:t>
+            </a:r>
+            <a:endParaRPr lang="en-SG" dirty="0">
+              <a:solidFill>
+                <a:schemeClr val="bg1"/>
+              </a:solidFill>
+            </a:endParaRPr>
+          </a:p>
+        </p:txBody>
+      </p:sp>
+      <p:sp>
+        <p:nvSpPr>
+          <p:cNvPr id="46" name="TextBox 45"/>
+          <p:cNvSpPr txBox="1"/>
+          <p:nvPr/>
+        </p:nvSpPr>
+        <p:spPr>
+          <a:xfrm>
+            <a:off x="2989740" y="3337914"/>
+            <a:ext cx="253924" cy="369332"/>
+          </a:xfrm>
+          <a:prstGeom prst="rect">
+            <a:avLst/>
+          </a:prstGeom>
+          <a:noFill/>
+        </p:spPr>
+        <p:txBody>
+          <a:bodyPr wrap="square" rtlCol="0">
+            <a:spAutoFit/>
+          </a:bodyPr>
+          <a:lstStyle/>
+          <a:p>
+            <a:r>
+              <a:rPr lang="en-SG" dirty="0" smtClean="0">
+                <a:solidFill>
+                  <a:schemeClr val="bg1"/>
+                </a:solidFill>
+              </a:rPr>
+              <a:t>E</a:t>
+            </a:r>
+            <a:endParaRPr lang="en-SG" dirty="0">
+              <a:solidFill>
+                <a:schemeClr val="bg1"/>
+              </a:solidFill>
+            </a:endParaRPr>
+          </a:p>
+        </p:txBody>
+      </p:sp>
+      <p:sp>
+        <p:nvSpPr>
+          <p:cNvPr id="47" name="TextBox 46"/>
+          <p:cNvSpPr txBox="1"/>
+          <p:nvPr/>
+        </p:nvSpPr>
+        <p:spPr>
+          <a:xfrm>
+            <a:off x="3602974" y="3337914"/>
+            <a:ext cx="219585" cy="369332"/>
+          </a:xfrm>
+          <a:prstGeom prst="rect">
+            <a:avLst/>
+          </a:prstGeom>
+          <a:noFill/>
+        </p:spPr>
+        <p:txBody>
+          <a:bodyPr wrap="square" rtlCol="0">
+            <a:spAutoFit/>
+          </a:bodyPr>
+          <a:lstStyle/>
+          <a:p>
+            <a:r>
+              <a:rPr lang="en-SG" dirty="0" smtClean="0">
+                <a:solidFill>
+                  <a:schemeClr val="bg1"/>
+                </a:solidFill>
+              </a:rPr>
+              <a:t>R</a:t>
+            </a:r>
+            <a:endParaRPr lang="en-SG" dirty="0">
+              <a:solidFill>
+                <a:schemeClr val="bg1"/>
+              </a:solidFill>
+            </a:endParaRPr>
+          </a:p>
+        </p:txBody>
+      </p:sp>
+      <p:sp>
+        <p:nvSpPr>
+          <p:cNvPr id="49" name="Rectangle 48"/>
+          <p:cNvSpPr/>
+          <p:nvPr/>
+        </p:nvSpPr>
+        <p:spPr>
+          <a:xfrm>
+            <a:off x="2100770" y="1157780"/>
+            <a:ext cx="723275" cy="369332"/>
+          </a:xfrm>
+          <a:prstGeom prst="rect">
+            <a:avLst/>
+          </a:prstGeom>
+        </p:spPr>
+        <p:txBody>
+          <a:bodyPr wrap="none">
+            <a:spAutoFit/>
+          </a:bodyPr>
+          <a:lstStyle/>
+          <a:p>
+            <a:pPr algn="ctr"/>
+            <a:r>
+              <a:rPr lang="en-SG" b="1" dirty="0" err="1">
+                <a:solidFill>
+                  <a:schemeClr val="bg1"/>
+                </a:solidFill>
+                <a:latin typeface="Arial Black" panose="020B0A04020102020204" pitchFamily="34" charset="0"/>
+              </a:rPr>
+              <a:t>Jhin</a:t>
+            </a:r>
+            <a:endParaRPr lang="en-SG" b="1" dirty="0">
+              <a:solidFill>
+                <a:schemeClr val="bg1"/>
+              </a:solidFill>
+              <a:latin typeface="Arial Black" panose="020B0A04020102020204" pitchFamily="34" charset="0"/>
+            </a:endParaRPr>
+          </a:p>
+        </p:txBody>
+      </p:sp>
+      <p:pic>
+        <p:nvPicPr>
+          <p:cNvPr id="50" name="Picture 49"/>
+          <p:cNvPicPr>
+            <a:picLocks noChangeAspect="1"/>
+          </p:cNvPicPr>
+          <p:nvPr/>
+        </p:nvPicPr>
+        <p:blipFill>
+          <a:blip r:embed="rId12">
+            <a:extLst>
+              <a:ext uri="{28A0092B-C50C-407E-A947-70E740481C1C}">
+                <a14:useLocalDpi xmlns:a14="http://schemas.microsoft.com/office/drawing/2010/main" val="0"/>
+              </a:ext>
+            </a:extLst>
+          </a:blip>
+          <a:stretch>
+            <a:fillRect/>
+          </a:stretch>
+        </p:blipFill>
+        <p:spPr>
+          <a:xfrm>
+            <a:off x="1448998" y="1601860"/>
+            <a:ext cx="2026818" cy="1193879"/>
+          </a:xfrm>
+          <a:prstGeom prst="rect">
+            <a:avLst/>
+          </a:prstGeom>
+        </p:spPr>
+      </p:pic>
+      <p:sp>
+        <p:nvSpPr>
+          <p:cNvPr id="51" name="Rounded Rectangle 50"/>
+          <p:cNvSpPr/>
+          <p:nvPr/>
+        </p:nvSpPr>
+        <p:spPr>
+          <a:xfrm>
+            <a:off x="3546057" y="2003816"/>
+            <a:ext cx="276502" cy="389965"/>
+          </a:xfrm>
+          <a:prstGeom prst="roundRect">
+            <a:avLst/>
+          </a:prstGeom>
+        </p:spPr>
+        <p:style>
+          <a:lnRef idx="2">
+            <a:schemeClr val="dk1"/>
+          </a:lnRef>
+          <a:fillRef idx="1">
+            <a:schemeClr val="lt1"/>
+          </a:fillRef>
+          <a:effectRef idx="0">
+            <a:schemeClr val="dk1"/>
+          </a:effectRef>
+          <a:fontRef idx="minor">
+            <a:schemeClr val="dk1"/>
+          </a:fontRef>
+        </p:style>
+        <p:txBody>
+          <a:bodyPr rtlCol="0" anchor="ctr"/>
+          <a:lstStyle/>
+          <a:p>
+            <a:pPr algn="ctr"/>
+            <a:endParaRPr lang="en-SG"/>
+          </a:p>
+        </p:txBody>
+      </p:sp>
+      <p:sp>
+        <p:nvSpPr>
+          <p:cNvPr id="52" name="Rounded Rectangle 51"/>
+          <p:cNvSpPr/>
+          <p:nvPr/>
+        </p:nvSpPr>
+        <p:spPr>
+          <a:xfrm>
+            <a:off x="1102078" y="2003815"/>
+            <a:ext cx="276502" cy="389965"/>
+          </a:xfrm>
+          <a:prstGeom prst="roundRect">
+            <a:avLst/>
+          </a:prstGeom>
+        </p:spPr>
+        <p:style>
+          <a:lnRef idx="2">
+            <a:schemeClr val="dk1"/>
+          </a:lnRef>
+          <a:fillRef idx="1">
+            <a:schemeClr val="lt1"/>
+          </a:fillRef>
+          <a:effectRef idx="0">
+            <a:schemeClr val="dk1"/>
+          </a:effectRef>
+          <a:fontRef idx="minor">
+            <a:schemeClr val="dk1"/>
+          </a:fontRef>
+        </p:style>
+        <p:txBody>
+          <a:bodyPr rtlCol="0" anchor="ctr"/>
+          <a:lstStyle/>
+          <a:p>
+            <a:pPr algn="ctr"/>
+            <a:endParaRPr lang="en-SG"/>
+          </a:p>
+        </p:txBody>
+      </p:sp>
+      <p:sp>
+        <p:nvSpPr>
+          <p:cNvPr id="53" name="Isosceles Triangle 52"/>
+          <p:cNvSpPr/>
+          <p:nvPr/>
+        </p:nvSpPr>
+        <p:spPr>
+          <a:xfrm rot="5400000">
+            <a:off x="3602974" y="2131359"/>
+            <a:ext cx="142032" cy="114300"/>
+          </a:xfrm>
+          <a:prstGeom prst="triangle">
+            <a:avLst/>
+          </a:prstGeom>
+        </p:spPr>
+        <p:style>
+          <a:lnRef idx="2">
+            <a:schemeClr val="dk1">
+              <a:shade val="50000"/>
+            </a:schemeClr>
+          </a:lnRef>
+          <a:fillRef idx="1">
+            <a:schemeClr val="dk1"/>
+          </a:fillRef>
+          <a:effectRef idx="0">
+            <a:schemeClr val="dk1"/>
+          </a:effectRef>
+          <a:fontRef idx="minor">
+            <a:schemeClr val="lt1"/>
+          </a:fontRef>
+        </p:style>
+        <p:txBody>
+          <a:bodyPr rtlCol="0" anchor="ctr"/>
+          <a:lstStyle/>
+          <a:p>
+            <a:pPr algn="ctr"/>
+            <a:endParaRPr lang="en-SG"/>
+          </a:p>
+        </p:txBody>
+      </p:sp>
+      <p:sp>
+        <p:nvSpPr>
+          <p:cNvPr id="54" name="Isosceles Triangle 53"/>
+          <p:cNvSpPr/>
+          <p:nvPr/>
+        </p:nvSpPr>
+        <p:spPr>
+          <a:xfrm rot="16200000" flipH="1">
+            <a:off x="1178699" y="2131359"/>
+            <a:ext cx="142032" cy="114300"/>
+          </a:xfrm>
+          <a:prstGeom prst="triangle">
+            <a:avLst/>
+          </a:prstGeom>
+        </p:spPr>
+        <p:style>
+          <a:lnRef idx="2">
+            <a:schemeClr val="dk1">
+              <a:shade val="50000"/>
+            </a:schemeClr>
+          </a:lnRef>
+          <a:fillRef idx="1">
+            <a:schemeClr val="dk1"/>
+          </a:fillRef>
+          <a:effectRef idx="0">
+            <a:schemeClr val="dk1"/>
+          </a:effectRef>
+          <a:fontRef idx="minor">
+            <a:schemeClr val="lt1"/>
+          </a:fontRef>
+        </p:style>
+        <p:txBody>
+          <a:bodyPr rtlCol="0" anchor="ctr"/>
+          <a:lstStyle/>
+          <a:p>
+            <a:pPr algn="ctr"/>
+            <a:endParaRPr lang="en-SG"/>
+          </a:p>
+        </p:txBody>
+      </p:sp>
+      <p:sp>
+        <p:nvSpPr>
+          <p:cNvPr id="57" name="Rounded Rectangle 56"/>
+          <p:cNvSpPr/>
+          <p:nvPr/>
+        </p:nvSpPr>
+        <p:spPr>
+          <a:xfrm>
+            <a:off x="4790429" y="135228"/>
+            <a:ext cx="4012689" cy="6503831"/>
+          </a:xfrm>
+          <a:prstGeom prst="roundRect">
+            <a:avLst/>
+          </a:prstGeom>
+        </p:spPr>
+        <p:style>
+          <a:lnRef idx="2">
+            <a:schemeClr val="dk1"/>
+          </a:lnRef>
+          <a:fillRef idx="1">
+            <a:schemeClr val="lt1"/>
+          </a:fillRef>
+          <a:effectRef idx="0">
+            <a:schemeClr val="dk1"/>
+          </a:effectRef>
+          <a:fontRef idx="minor">
+            <a:schemeClr val="dk1"/>
+          </a:fontRef>
+        </p:style>
+        <p:txBody>
+          <a:bodyPr rtlCol="0" anchor="ctr"/>
+          <a:lstStyle/>
+          <a:p>
+            <a:pPr algn="ctr"/>
+            <a:endParaRPr lang="en-SG"/>
+          </a:p>
+        </p:txBody>
+      </p:sp>
+      <p:sp>
+        <p:nvSpPr>
+          <p:cNvPr id="58" name="Rectangle 57"/>
+          <p:cNvSpPr/>
+          <p:nvPr/>
+        </p:nvSpPr>
+        <p:spPr>
+          <a:xfrm>
+            <a:off x="5074695" y="475181"/>
+            <a:ext cx="3444155" cy="5783700"/>
+          </a:xfrm>
+          <a:prstGeom prst="rect">
+            <a:avLst/>
+          </a:prstGeom>
+        </p:spPr>
+        <p:style>
+          <a:lnRef idx="2">
+            <a:schemeClr val="dk1"/>
+          </a:lnRef>
+          <a:fillRef idx="1">
+            <a:schemeClr val="lt1"/>
+          </a:fillRef>
+          <a:effectRef idx="0">
+            <a:schemeClr val="dk1"/>
+          </a:effectRef>
+          <a:fontRef idx="minor">
+            <a:schemeClr val="dk1"/>
+          </a:fontRef>
+        </p:style>
+        <p:txBody>
+          <a:bodyPr rtlCol="0" anchor="ctr"/>
+          <a:lstStyle/>
+          <a:p>
+            <a:pPr algn="ctr"/>
+            <a:endParaRPr lang="en-SG"/>
+          </a:p>
+        </p:txBody>
+      </p:sp>
+      <p:pic>
+        <p:nvPicPr>
+          <p:cNvPr id="59" name="Picture 58"/>
+          <p:cNvPicPr>
+            <a:picLocks noChangeAspect="1"/>
+          </p:cNvPicPr>
+          <p:nvPr/>
+        </p:nvPicPr>
+        <p:blipFill>
+          <a:blip r:embed="rId13" cstate="print">
+            <a:extLst>
+              <a:ext uri="{28A0092B-C50C-407E-A947-70E740481C1C}">
+                <a14:useLocalDpi xmlns:a14="http://schemas.microsoft.com/office/drawing/2010/main" val="0"/>
+              </a:ext>
+            </a:extLst>
+          </a:blip>
+          <a:stretch>
+            <a:fillRect/>
+          </a:stretch>
+        </p:blipFill>
+        <p:spPr>
+          <a:xfrm>
+            <a:off x="5086511" y="489841"/>
+            <a:ext cx="3387143" cy="5754379"/>
+          </a:xfrm>
+          <a:prstGeom prst="rect">
+            <a:avLst/>
+          </a:prstGeom>
+        </p:spPr>
+      </p:pic>
+      <p:sp>
+        <p:nvSpPr>
+          <p:cNvPr id="65" name="Rounded Rectangle 64"/>
+          <p:cNvSpPr/>
+          <p:nvPr/>
+        </p:nvSpPr>
+        <p:spPr>
+          <a:xfrm>
+            <a:off x="6350108" y="560230"/>
+            <a:ext cx="360608" cy="103031"/>
+          </a:xfrm>
+          <a:prstGeom prst="roundRect">
+            <a:avLst/>
+          </a:prstGeom>
+        </p:spPr>
+        <p:style>
+          <a:lnRef idx="2">
+            <a:schemeClr val="dk1">
+              <a:shade val="50000"/>
+            </a:schemeClr>
+          </a:lnRef>
+          <a:fillRef idx="1">
+            <a:schemeClr val="dk1"/>
+          </a:fillRef>
+          <a:effectRef idx="0">
+            <a:schemeClr val="dk1"/>
+          </a:effectRef>
+          <a:fontRef idx="minor">
+            <a:schemeClr val="lt1"/>
+          </a:fontRef>
+        </p:style>
+        <p:txBody>
+          <a:bodyPr rtlCol="0" anchor="ctr"/>
+          <a:lstStyle/>
+          <a:p>
+            <a:pPr algn="ctr"/>
+            <a:endParaRPr lang="en-SG"/>
+          </a:p>
+        </p:txBody>
+      </p:sp>
+      <p:sp>
+        <p:nvSpPr>
+          <p:cNvPr id="66" name="Oval 65"/>
+          <p:cNvSpPr/>
+          <p:nvPr/>
+        </p:nvSpPr>
+        <p:spPr>
+          <a:xfrm>
+            <a:off x="6816967" y="540913"/>
+            <a:ext cx="160987" cy="141667"/>
+          </a:xfrm>
+          <a:prstGeom prst="ellipse">
+            <a:avLst/>
+          </a:prstGeom>
+        </p:spPr>
+        <p:style>
+          <a:lnRef idx="2">
+            <a:schemeClr val="dk1">
+              <a:shade val="50000"/>
+            </a:schemeClr>
+          </a:lnRef>
+          <a:fillRef idx="1">
+            <a:schemeClr val="dk1"/>
+          </a:fillRef>
+          <a:effectRef idx="0">
+            <a:schemeClr val="dk1"/>
+          </a:effectRef>
+          <a:fontRef idx="minor">
+            <a:schemeClr val="lt1"/>
+          </a:fontRef>
+        </p:style>
+        <p:txBody>
+          <a:bodyPr rtlCol="0" anchor="ctr"/>
+          <a:lstStyle/>
+          <a:p>
+            <a:pPr algn="ctr"/>
+            <a:endParaRPr lang="en-SG"/>
+          </a:p>
+        </p:txBody>
+      </p:sp>
+      <p:sp>
+        <p:nvSpPr>
+          <p:cNvPr id="71" name="Rounded Rectangle 70"/>
+          <p:cNvSpPr/>
+          <p:nvPr/>
+        </p:nvSpPr>
+        <p:spPr>
+          <a:xfrm>
+            <a:off x="5405287" y="742552"/>
+            <a:ext cx="2170465" cy="216830"/>
+          </a:xfrm>
+          <a:prstGeom prst="roundRect">
+            <a:avLst/>
+          </a:prstGeom>
+        </p:spPr>
+        <p:style>
+          <a:lnRef idx="2">
+            <a:schemeClr val="dk1"/>
+          </a:lnRef>
+          <a:fillRef idx="1">
+            <a:schemeClr val="lt1"/>
+          </a:fillRef>
+          <a:effectRef idx="0">
+            <a:schemeClr val="dk1"/>
+          </a:effectRef>
+          <a:fontRef idx="minor">
+            <a:schemeClr val="dk1"/>
+          </a:fontRef>
+        </p:style>
+        <p:txBody>
+          <a:bodyPr rtlCol="0" anchor="ctr"/>
+          <a:lstStyle/>
+          <a:p>
+            <a:pPr algn="ctr"/>
+            <a:r>
+              <a:rPr lang="en-SG" dirty="0" smtClean="0"/>
+              <a:t>Search</a:t>
+            </a:r>
+            <a:endParaRPr lang="en-SG" dirty="0"/>
+          </a:p>
+        </p:txBody>
+      </p:sp>
+      <p:pic>
+        <p:nvPicPr>
+          <p:cNvPr id="89" name="Picture 88"/>
+          <p:cNvPicPr>
+            <a:picLocks noChangeAspect="1"/>
+          </p:cNvPicPr>
+          <p:nvPr/>
+        </p:nvPicPr>
+        <p:blipFill>
+          <a:blip r:embed="rId14" cstate="print">
+            <a:extLst>
+              <a:ext uri="{28A0092B-C50C-407E-A947-70E740481C1C}">
+                <a14:useLocalDpi xmlns:a14="http://schemas.microsoft.com/office/drawing/2010/main" val="0"/>
+              </a:ext>
+            </a:extLst>
+          </a:blip>
+          <a:stretch>
+            <a:fillRect/>
+          </a:stretch>
+        </p:blipFill>
+        <p:spPr>
+          <a:xfrm>
+            <a:off x="3563063" y="682580"/>
+            <a:ext cx="340793" cy="340793"/>
+          </a:xfrm>
+          <a:prstGeom prst="rect">
+            <a:avLst/>
+          </a:prstGeom>
+        </p:spPr>
+      </p:pic>
+      <p:pic>
+        <p:nvPicPr>
+          <p:cNvPr id="90" name="Picture 89"/>
+          <p:cNvPicPr>
+            <a:picLocks noChangeAspect="1"/>
+          </p:cNvPicPr>
+          <p:nvPr/>
+        </p:nvPicPr>
+        <p:blipFill>
+          <a:blip r:embed="rId14" cstate="print">
+            <a:extLst>
+              <a:ext uri="{28A0092B-C50C-407E-A947-70E740481C1C}">
+                <a14:useLocalDpi xmlns:a14="http://schemas.microsoft.com/office/drawing/2010/main" val="0"/>
+              </a:ext>
+            </a:extLst>
+          </a:blip>
+          <a:stretch>
+            <a:fillRect/>
+          </a:stretch>
+        </p:blipFill>
+        <p:spPr>
+          <a:xfrm>
+            <a:off x="7849332" y="663261"/>
+            <a:ext cx="340793" cy="340793"/>
+          </a:xfrm>
+          <a:prstGeom prst="rect">
+            <a:avLst/>
+          </a:prstGeom>
+        </p:spPr>
+      </p:pic>
+      <p:sp>
+        <p:nvSpPr>
+          <p:cNvPr id="91" name="Rectangle 90"/>
+          <p:cNvSpPr/>
+          <p:nvPr/>
+        </p:nvSpPr>
+        <p:spPr>
+          <a:xfrm>
+            <a:off x="6030962" y="974744"/>
+            <a:ext cx="1582484" cy="369332"/>
+          </a:xfrm>
+          <a:prstGeom prst="rect">
+            <a:avLst/>
+          </a:prstGeom>
+        </p:spPr>
+        <p:txBody>
+          <a:bodyPr wrap="none">
+            <a:spAutoFit/>
+          </a:bodyPr>
+          <a:lstStyle/>
+          <a:p>
+            <a:pPr algn="ctr"/>
+            <a:r>
+              <a:rPr lang="en-SG" b="1" dirty="0" err="1" smtClean="0">
+                <a:latin typeface="Arial Black" panose="020B0A04020102020204" pitchFamily="34" charset="0"/>
+              </a:rPr>
+              <a:t>Jhin</a:t>
+            </a:r>
+            <a:r>
+              <a:rPr lang="en-SG" b="1" dirty="0" smtClean="0">
+                <a:latin typeface="Arial Black" panose="020B0A04020102020204" pitchFamily="34" charset="0"/>
+              </a:rPr>
+              <a:t> Builds</a:t>
+            </a:r>
+            <a:endParaRPr lang="en-SG" b="1" dirty="0">
+              <a:latin typeface="Arial Black" panose="020B0A04020102020204" pitchFamily="34" charset="0"/>
+            </a:endParaRPr>
+          </a:p>
+        </p:txBody>
+      </p:sp>
+      <p:sp>
+        <p:nvSpPr>
+          <p:cNvPr id="92" name="Rectangle 1"/>
+          <p:cNvSpPr>
+            <a:spLocks noChangeArrowheads="1"/>
+          </p:cNvSpPr>
+          <p:nvPr/>
+        </p:nvSpPr>
+        <p:spPr bwMode="auto">
+          <a:xfrm>
+            <a:off x="5439426" y="1515655"/>
+            <a:ext cx="2741946" cy="4705092"/>
+          </a:xfrm>
+          <a:prstGeom prst="rect">
+            <a:avLst/>
+          </a:prstGeom>
+          <a:solidFill>
+            <a:srgbClr val="091120"/>
+          </a:solidFill>
+          <a:ln>
+            <a:noFill/>
+          </a:ln>
+          <a:effectLst/>
+          <a:extLst>
+            <a:ext uri="{91240B29-F687-4F45-9708-019B960494DF}">
+              <a14:hiddenLine xmlns:a14="http://schemas.microsoft.com/office/drawing/2010/main" w="9525">
+                <a:solidFill>
+                  <a:schemeClr val="tx1"/>
+                </a:solidFill>
+                <a:miter lim="800000"/>
+                <a:headEnd/>
+                <a:tailEnd/>
+              </a14:hiddenLine>
+            </a:ext>
+            <a:ext uri="{AF507438-7753-43E0-B8FC-AC1667EBCBE1}">
+              <a14:hiddenEffects xmlns:a14="http://schemas.microsoft.com/office/drawing/2010/main">
+                <a:effectLst>
+                  <a:outerShdw dist="35921" dir="2700000" algn="ctr" rotWithShape="0">
+                    <a:schemeClr val="bg2"/>
+                  </a:outerShdw>
+                </a:effectLst>
+              </a14:hiddenEffects>
+            </a:ext>
+          </a:extLst>
+        </p:spPr>
+        <p:txBody>
+          <a:bodyPr vert="horz" wrap="square" lIns="0" tIns="0" rIns="0" bIns="133308" numCol="1" anchor="ctr" anchorCtr="0" compatLnSpc="1">
+            <a:prstTxWarp prst="textNoShape">
+              <a:avLst/>
+            </a:prstTxWarp>
+            <a:spAutoFit/>
+          </a:bodyPr>
+          <a:lstStyle>
+            <a:lvl1pPr eaLnBrk="0" fontAlgn="base" hangingPunct="0">
+              <a:spcBef>
+                <a:spcPct val="0"/>
+              </a:spcBef>
+              <a:spcAft>
+                <a:spcPct val="0"/>
+              </a:spcAft>
+              <a:defRPr>
+                <a:solidFill>
+                  <a:schemeClr val="tx1"/>
+                </a:solidFill>
+                <a:latin typeface="Arial" panose="020B0604020202020204" pitchFamily="34" charset="0"/>
+              </a:defRPr>
+            </a:lvl1pPr>
+            <a:lvl2pPr eaLnBrk="0" fontAlgn="base" hangingPunct="0">
+              <a:spcBef>
+                <a:spcPct val="0"/>
+              </a:spcBef>
+              <a:spcAft>
+                <a:spcPct val="0"/>
+              </a:spcAft>
+              <a:defRPr>
+                <a:solidFill>
+                  <a:schemeClr val="tx1"/>
+                </a:solidFill>
+                <a:latin typeface="Arial" panose="020B0604020202020204" pitchFamily="34" charset="0"/>
+              </a:defRPr>
+            </a:lvl2pPr>
+            <a:lvl3pPr eaLnBrk="0" fontAlgn="base" hangingPunct="0">
+              <a:spcBef>
+                <a:spcPct val="0"/>
+              </a:spcBef>
+              <a:spcAft>
+                <a:spcPct val="0"/>
+              </a:spcAft>
+              <a:defRPr>
+                <a:solidFill>
+                  <a:schemeClr val="tx1"/>
+                </a:solidFill>
+                <a:latin typeface="Arial" panose="020B0604020202020204" pitchFamily="34" charset="0"/>
+              </a:defRPr>
+            </a:lvl3pPr>
+            <a:lvl4pPr eaLnBrk="0" fontAlgn="base" hangingPunct="0">
+              <a:spcBef>
+                <a:spcPct val="0"/>
+              </a:spcBef>
+              <a:spcAft>
+                <a:spcPct val="0"/>
+              </a:spcAft>
+              <a:defRPr>
+                <a:solidFill>
+                  <a:schemeClr val="tx1"/>
+                </a:solidFill>
+                <a:latin typeface="Arial" panose="020B0604020202020204" pitchFamily="34" charset="0"/>
+              </a:defRPr>
+            </a:lvl4pPr>
+            <a:lvl5pPr eaLnBrk="0" fontAlgn="base" hangingPunct="0">
+              <a:spcBef>
+                <a:spcPct val="0"/>
+              </a:spcBef>
+              <a:spcAft>
+                <a:spcPct val="0"/>
+              </a:spcAft>
+              <a:defRPr>
+                <a:solidFill>
+                  <a:schemeClr val="tx1"/>
+                </a:solidFill>
+                <a:latin typeface="Arial" panose="020B0604020202020204" pitchFamily="34" charset="0"/>
+              </a:defRPr>
+            </a:lvl5pPr>
+            <a:lvl6pPr eaLnBrk="0" fontAlgn="base" hangingPunct="0">
+              <a:spcBef>
+                <a:spcPct val="0"/>
+              </a:spcBef>
+              <a:spcAft>
+                <a:spcPct val="0"/>
+              </a:spcAft>
+              <a:defRPr>
+                <a:solidFill>
+                  <a:schemeClr val="tx1"/>
+                </a:solidFill>
+                <a:latin typeface="Arial" panose="020B0604020202020204" pitchFamily="34" charset="0"/>
+              </a:defRPr>
+            </a:lvl6pPr>
+            <a:lvl7pPr eaLnBrk="0" fontAlgn="base" hangingPunct="0">
+              <a:spcBef>
+                <a:spcPct val="0"/>
+              </a:spcBef>
+              <a:spcAft>
+                <a:spcPct val="0"/>
+              </a:spcAft>
+              <a:defRPr>
+                <a:solidFill>
+                  <a:schemeClr val="tx1"/>
+                </a:solidFill>
+                <a:latin typeface="Arial" panose="020B0604020202020204" pitchFamily="34" charset="0"/>
+              </a:defRPr>
+            </a:lvl7pPr>
+            <a:lvl8pPr eaLnBrk="0" fontAlgn="base" hangingPunct="0">
+              <a:spcBef>
+                <a:spcPct val="0"/>
+              </a:spcBef>
+              <a:spcAft>
+                <a:spcPct val="0"/>
+              </a:spcAft>
+              <a:defRPr>
+                <a:solidFill>
+                  <a:schemeClr val="tx1"/>
+                </a:solidFill>
+                <a:latin typeface="Arial" panose="020B0604020202020204" pitchFamily="34" charset="0"/>
+              </a:defRPr>
+            </a:lvl8pPr>
+            <a:lvl9pPr eaLnBrk="0" fontAlgn="base" hangingPunct="0">
+              <a:spcBef>
+                <a:spcPct val="0"/>
+              </a:spcBef>
+              <a:spcAft>
+                <a:spcPct val="0"/>
+              </a:spcAft>
+              <a:defRPr>
+                <a:solidFill>
+                  <a:schemeClr val="tx1"/>
+                </a:solidFill>
+                <a:latin typeface="Arial" panose="020B0604020202020204" pitchFamily="34" charset="0"/>
+              </a:defRPr>
+            </a:lvl9pPr>
+          </a:lstStyle>
+          <a:p>
+            <a:pPr marL="0" marR="0" lvl="0" indent="0" defTabSz="914400" rtl="0" eaLnBrk="0" fontAlgn="base" latinLnBrk="0" hangingPunct="0">
+              <a:lnSpc>
+                <a:spcPct val="100000"/>
+              </a:lnSpc>
+              <a:spcBef>
+                <a:spcPct val="0"/>
+              </a:spcBef>
+              <a:spcAft>
+                <a:spcPct val="0"/>
+              </a:spcAft>
+              <a:buClrTx/>
+              <a:buSzTx/>
+              <a:buFontTx/>
+              <a:buNone/>
+              <a:tabLst/>
+            </a:pPr>
+            <a:endParaRPr kumimoji="0" lang="en-US" sz="900" b="1" i="0" u="none" strike="noStrike" cap="none" normalizeH="0" baseline="0" dirty="0" smtClean="0">
+              <a:ln>
+                <a:noFill/>
+              </a:ln>
+              <a:solidFill>
+                <a:srgbClr val="DE6C6C"/>
+              </a:solidFill>
+              <a:effectLst/>
+              <a:latin typeface="Open Sans Mobafire"/>
+            </a:endParaRPr>
+          </a:p>
+          <a:p>
+            <a:pPr marL="0" marR="0" lvl="0" indent="0" defTabSz="914400" rtl="0" eaLnBrk="0" fontAlgn="base" latinLnBrk="0" hangingPunct="0">
+              <a:lnSpc>
+                <a:spcPct val="100000"/>
+              </a:lnSpc>
+              <a:spcBef>
+                <a:spcPct val="0"/>
+              </a:spcBef>
+              <a:spcAft>
+                <a:spcPct val="0"/>
+              </a:spcAft>
+              <a:buClrTx/>
+              <a:buSzTx/>
+              <a:buFontTx/>
+              <a:buNone/>
+              <a:tabLst/>
+            </a:pPr>
+            <a:endParaRPr lang="en-US" sz="900" b="1" dirty="0" smtClean="0">
+              <a:solidFill>
+                <a:srgbClr val="DE6C6C"/>
+              </a:solidFill>
+              <a:latin typeface="Open Sans Mobafire"/>
+            </a:endParaRPr>
+          </a:p>
+          <a:p>
+            <a:pPr marL="0" marR="0" lvl="0" indent="0" defTabSz="914400" rtl="0" eaLnBrk="0" fontAlgn="base" latinLnBrk="0" hangingPunct="0">
+              <a:lnSpc>
+                <a:spcPct val="100000"/>
+              </a:lnSpc>
+              <a:spcBef>
+                <a:spcPct val="0"/>
+              </a:spcBef>
+              <a:spcAft>
+                <a:spcPct val="0"/>
+              </a:spcAft>
+              <a:buClrTx/>
+              <a:buSzTx/>
+              <a:buFontTx/>
+              <a:buNone/>
+              <a:tabLst/>
+            </a:pPr>
+            <a:endParaRPr kumimoji="0" lang="en-US" sz="900" b="1" i="0" u="none" strike="noStrike" cap="none" normalizeH="0" baseline="0" dirty="0" smtClean="0">
+              <a:ln>
+                <a:noFill/>
+              </a:ln>
+              <a:solidFill>
+                <a:srgbClr val="DE6C6C"/>
+              </a:solidFill>
+              <a:effectLst/>
+              <a:latin typeface="Open Sans Mobafire"/>
+            </a:endParaRPr>
+          </a:p>
+          <a:p>
+            <a:pPr marL="0" marR="0" lvl="0" indent="0" defTabSz="914400" rtl="0" eaLnBrk="0" fontAlgn="base" latinLnBrk="0" hangingPunct="0">
+              <a:lnSpc>
+                <a:spcPct val="100000"/>
+              </a:lnSpc>
+              <a:spcBef>
+                <a:spcPct val="0"/>
+              </a:spcBef>
+              <a:spcAft>
+                <a:spcPct val="0"/>
+              </a:spcAft>
+              <a:buClrTx/>
+              <a:buSzTx/>
+              <a:buFontTx/>
+              <a:buNone/>
+              <a:tabLst/>
+            </a:pPr>
+            <a:endParaRPr lang="en-US" sz="900" b="1" dirty="0" smtClean="0">
+              <a:solidFill>
+                <a:srgbClr val="DE6C6C"/>
+              </a:solidFill>
+              <a:latin typeface="Open Sans Mobafire"/>
+            </a:endParaRPr>
+          </a:p>
+          <a:p>
+            <a:pPr marL="0" marR="0" lvl="0" indent="0" defTabSz="914400" rtl="0" eaLnBrk="0" fontAlgn="base" latinLnBrk="0" hangingPunct="0">
+              <a:lnSpc>
+                <a:spcPct val="100000"/>
+              </a:lnSpc>
+              <a:spcBef>
+                <a:spcPct val="0"/>
+              </a:spcBef>
+              <a:spcAft>
+                <a:spcPct val="0"/>
+              </a:spcAft>
+              <a:buClrTx/>
+              <a:buSzTx/>
+              <a:buFontTx/>
+              <a:buNone/>
+              <a:tabLst/>
+            </a:pPr>
+            <a:r>
+              <a:rPr kumimoji="0" lang="en-US" sz="900" b="1" i="0" u="none" strike="noStrike" cap="none" normalizeH="0" baseline="0" dirty="0" smtClean="0">
+                <a:ln>
+                  <a:noFill/>
+                </a:ln>
+                <a:solidFill>
+                  <a:srgbClr val="DE6C6C"/>
+                </a:solidFill>
+                <a:effectLst/>
+                <a:latin typeface="Open Sans Mobafire"/>
+              </a:rPr>
+              <a:t>DOMINATION</a:t>
+            </a:r>
+            <a:endParaRPr kumimoji="0" lang="en-US" sz="1100" b="0" i="0" u="none" strike="noStrike" cap="none" normalizeH="0" baseline="0" dirty="0" smtClean="0">
+              <a:ln>
+                <a:noFill/>
+              </a:ln>
+              <a:solidFill>
+                <a:schemeClr val="tx1"/>
+              </a:solidFill>
+              <a:effectLst/>
+            </a:endParaRPr>
+          </a:p>
+          <a:p>
+            <a:pPr marL="0" marR="0" lvl="0" indent="0" defTabSz="914400" rtl="0" eaLnBrk="0" fontAlgn="t" latinLnBrk="0" hangingPunct="0">
+              <a:lnSpc>
+                <a:spcPct val="100000"/>
+              </a:lnSpc>
+              <a:spcBef>
+                <a:spcPct val="0"/>
+              </a:spcBef>
+              <a:spcAft>
+                <a:spcPct val="0"/>
+              </a:spcAft>
+              <a:buClrTx/>
+              <a:buSzTx/>
+              <a:buFontTx/>
+              <a:buNone/>
+              <a:tabLst/>
+            </a:pPr>
+            <a:r>
+              <a:rPr kumimoji="0" lang="en-US" b="0" i="0" u="none" strike="noStrike" cap="none" normalizeH="0" baseline="0" dirty="0" smtClean="0">
+                <a:ln>
+                  <a:noFill/>
+                </a:ln>
+                <a:solidFill>
+                  <a:srgbClr val="DE6C6C"/>
+                </a:solidFill>
+                <a:effectLst/>
+                <a:latin typeface="Open Sans Mobafire"/>
+              </a:rPr>
+              <a:t> </a:t>
+            </a:r>
+          </a:p>
+          <a:p>
+            <a:pPr marL="0" marR="0" lvl="0" indent="0" defTabSz="914400" rtl="0" eaLnBrk="0" fontAlgn="base" latinLnBrk="0" hangingPunct="0">
+              <a:lnSpc>
+                <a:spcPct val="100000"/>
+              </a:lnSpc>
+              <a:spcBef>
+                <a:spcPct val="0"/>
+              </a:spcBef>
+              <a:spcAft>
+                <a:spcPct val="0"/>
+              </a:spcAft>
+              <a:buClrTx/>
+              <a:buSzTx/>
+              <a:buFontTx/>
+              <a:buNone/>
+              <a:tabLst/>
+            </a:pPr>
+            <a:r>
+              <a:rPr kumimoji="0" lang="en-US" b="0" i="0" u="none" strike="noStrike" cap="none" normalizeH="0" baseline="0" dirty="0" smtClean="0">
+                <a:ln>
+                  <a:noFill/>
+                </a:ln>
+                <a:solidFill>
+                  <a:srgbClr val="DE6C6C"/>
+                </a:solidFill>
+                <a:effectLst/>
+                <a:latin typeface="Open Sans Mobafire"/>
+              </a:rPr>
+              <a:t> </a:t>
+            </a:r>
+          </a:p>
+          <a:p>
+            <a:pPr marL="0" marR="0" lvl="0" indent="0" defTabSz="914400" rtl="0" eaLnBrk="0" fontAlgn="t" latinLnBrk="0" hangingPunct="0">
+              <a:lnSpc>
+                <a:spcPct val="100000"/>
+              </a:lnSpc>
+              <a:spcBef>
+                <a:spcPct val="0"/>
+              </a:spcBef>
+              <a:spcAft>
+                <a:spcPct val="0"/>
+              </a:spcAft>
+              <a:buClrTx/>
+              <a:buSzTx/>
+              <a:buFontTx/>
+              <a:buNone/>
+              <a:tabLst/>
+            </a:pPr>
+            <a:r>
+              <a:rPr kumimoji="0" lang="en-US" b="0" i="0" u="none" strike="noStrike" cap="none" normalizeH="0" baseline="0" dirty="0" smtClean="0">
+                <a:ln>
+                  <a:noFill/>
+                </a:ln>
+                <a:solidFill>
+                  <a:srgbClr val="DE6C6C"/>
+                </a:solidFill>
+                <a:effectLst/>
+                <a:latin typeface="Open Sans Mobafire"/>
+              </a:rPr>
+              <a:t>  </a:t>
+            </a:r>
+            <a:endParaRPr kumimoji="0" lang="en-US" sz="900" b="0" i="0" u="none" strike="noStrike" cap="none" normalizeH="0" baseline="0" dirty="0" smtClean="0">
+              <a:ln>
+                <a:noFill/>
+              </a:ln>
+              <a:solidFill>
+                <a:srgbClr val="8498B8"/>
+              </a:solidFill>
+              <a:effectLst/>
+              <a:latin typeface="Open Sans Mobafire"/>
+            </a:endParaRPr>
+          </a:p>
+          <a:p>
+            <a:pPr marL="0" marR="0" lvl="0" indent="0" defTabSz="914400" rtl="0" eaLnBrk="0" fontAlgn="t" latinLnBrk="0" hangingPunct="0">
+              <a:lnSpc>
+                <a:spcPct val="100000"/>
+              </a:lnSpc>
+              <a:spcBef>
+                <a:spcPct val="0"/>
+              </a:spcBef>
+              <a:spcAft>
+                <a:spcPct val="0"/>
+              </a:spcAft>
+              <a:buClrTx/>
+              <a:buSzTx/>
+              <a:buFontTx/>
+              <a:buNone/>
+              <a:tabLst/>
+            </a:pPr>
+            <a:r>
+              <a:rPr kumimoji="0" lang="en-US" sz="900" b="0" i="0" u="none" strike="noStrike" cap="none" normalizeH="0" baseline="0" dirty="0" smtClean="0">
+                <a:ln>
+                  <a:noFill/>
+                </a:ln>
+                <a:solidFill>
+                  <a:srgbClr val="8498B8"/>
+                </a:solidFill>
+                <a:effectLst/>
+                <a:latin typeface="Open Sans Mobafire"/>
+              </a:rPr>
+              <a:t>Hail of Blades</a:t>
+            </a:r>
+          </a:p>
+          <a:p>
+            <a:pPr marL="0" marR="0" lvl="0" indent="0" defTabSz="914400" rtl="0" eaLnBrk="0" fontAlgn="t" latinLnBrk="0" hangingPunct="0">
+              <a:lnSpc>
+                <a:spcPct val="100000"/>
+              </a:lnSpc>
+              <a:spcBef>
+                <a:spcPct val="0"/>
+              </a:spcBef>
+              <a:spcAft>
+                <a:spcPct val="0"/>
+              </a:spcAft>
+              <a:buClrTx/>
+              <a:buSzTx/>
+              <a:buFontTx/>
+              <a:buNone/>
+              <a:tabLst/>
+            </a:pPr>
+            <a:endParaRPr kumimoji="0" lang="en-US" b="0" i="0" u="none" strike="noStrike" cap="none" normalizeH="0" baseline="0" dirty="0" smtClean="0">
+              <a:ln>
+                <a:noFill/>
+              </a:ln>
+              <a:solidFill>
+                <a:srgbClr val="DE6C6C"/>
+              </a:solidFill>
+              <a:effectLst/>
+              <a:latin typeface="Open Sans Mobafire"/>
+            </a:endParaRPr>
+          </a:p>
+          <a:p>
+            <a:pPr marL="0" marR="0" lvl="0" indent="0" defTabSz="914400" rtl="0" eaLnBrk="0" fontAlgn="base" latinLnBrk="0" hangingPunct="0">
+              <a:lnSpc>
+                <a:spcPct val="100000"/>
+              </a:lnSpc>
+              <a:spcBef>
+                <a:spcPct val="0"/>
+              </a:spcBef>
+              <a:spcAft>
+                <a:spcPct val="0"/>
+              </a:spcAft>
+              <a:buClrTx/>
+              <a:buSzTx/>
+              <a:buFontTx/>
+              <a:buNone/>
+              <a:tabLst/>
+            </a:pPr>
+            <a:r>
+              <a:rPr kumimoji="0" lang="en-US" b="0" i="0" u="none" strike="noStrike" cap="none" normalizeH="0" baseline="0" dirty="0" smtClean="0">
+                <a:ln>
+                  <a:noFill/>
+                </a:ln>
+                <a:solidFill>
+                  <a:srgbClr val="DE6C6C"/>
+                </a:solidFill>
+                <a:effectLst/>
+                <a:latin typeface="Open Sans Mobafire"/>
+              </a:rPr>
+              <a:t> </a:t>
+            </a:r>
+          </a:p>
+          <a:p>
+            <a:pPr marL="0" marR="0" lvl="0" indent="0" defTabSz="914400" rtl="0" eaLnBrk="0" fontAlgn="t" latinLnBrk="0" hangingPunct="0">
+              <a:lnSpc>
+                <a:spcPct val="100000"/>
+              </a:lnSpc>
+              <a:spcBef>
+                <a:spcPct val="0"/>
+              </a:spcBef>
+              <a:spcAft>
+                <a:spcPct val="0"/>
+              </a:spcAft>
+              <a:buClrTx/>
+              <a:buSzTx/>
+              <a:buFontTx/>
+              <a:buNone/>
+              <a:tabLst/>
+            </a:pPr>
+            <a:r>
+              <a:rPr kumimoji="0" lang="en-US" b="0" i="0" u="none" strike="noStrike" cap="none" normalizeH="0" baseline="0" dirty="0" smtClean="0">
+                <a:ln>
+                  <a:noFill/>
+                </a:ln>
+                <a:solidFill>
+                  <a:srgbClr val="DE6C6C"/>
+                </a:solidFill>
+                <a:effectLst/>
+                <a:latin typeface="Open Sans Mobafire"/>
+              </a:rPr>
+              <a:t>  </a:t>
+            </a:r>
+            <a:endParaRPr kumimoji="0" lang="en-US" sz="900" b="0" i="0" u="none" strike="noStrike" cap="none" normalizeH="0" baseline="0" dirty="0" smtClean="0">
+              <a:ln>
+                <a:noFill/>
+              </a:ln>
+              <a:solidFill>
+                <a:srgbClr val="8498B8"/>
+              </a:solidFill>
+              <a:effectLst/>
+              <a:latin typeface="Open Sans Mobafire"/>
+            </a:endParaRPr>
+          </a:p>
+          <a:p>
+            <a:pPr marL="0" marR="0" lvl="0" indent="0" defTabSz="914400" rtl="0" eaLnBrk="0" fontAlgn="t" latinLnBrk="0" hangingPunct="0">
+              <a:lnSpc>
+                <a:spcPct val="100000"/>
+              </a:lnSpc>
+              <a:spcBef>
+                <a:spcPct val="0"/>
+              </a:spcBef>
+              <a:spcAft>
+                <a:spcPct val="0"/>
+              </a:spcAft>
+              <a:buClrTx/>
+              <a:buSzTx/>
+              <a:buFontTx/>
+              <a:buNone/>
+              <a:tabLst/>
+            </a:pPr>
+            <a:r>
+              <a:rPr kumimoji="0" lang="en-US" sz="900" b="0" i="0" u="none" strike="noStrike" cap="none" normalizeH="0" baseline="0" dirty="0" smtClean="0">
+                <a:ln>
+                  <a:noFill/>
+                </a:ln>
+                <a:solidFill>
+                  <a:srgbClr val="8498B8"/>
+                </a:solidFill>
+                <a:effectLst/>
+                <a:latin typeface="Open Sans Mobafire"/>
+              </a:rPr>
+              <a:t>Taste of Blood</a:t>
+            </a:r>
+          </a:p>
+          <a:p>
+            <a:pPr marL="0" marR="0" lvl="0" indent="0" defTabSz="914400" rtl="0" eaLnBrk="0" fontAlgn="t" latinLnBrk="0" hangingPunct="0">
+              <a:lnSpc>
+                <a:spcPct val="100000"/>
+              </a:lnSpc>
+              <a:spcBef>
+                <a:spcPct val="0"/>
+              </a:spcBef>
+              <a:spcAft>
+                <a:spcPct val="0"/>
+              </a:spcAft>
+              <a:buClrTx/>
+              <a:buSzTx/>
+              <a:buFontTx/>
+              <a:buNone/>
+              <a:tabLst/>
+            </a:pPr>
+            <a:endParaRPr kumimoji="0" lang="en-US" b="0" i="0" u="none" strike="noStrike" cap="none" normalizeH="0" baseline="0" dirty="0" smtClean="0">
+              <a:ln>
+                <a:noFill/>
+              </a:ln>
+              <a:solidFill>
+                <a:srgbClr val="DE6C6C"/>
+              </a:solidFill>
+              <a:effectLst/>
+              <a:latin typeface="Open Sans Mobafire"/>
+            </a:endParaRPr>
+          </a:p>
+          <a:p>
+            <a:pPr marL="0" marR="0" lvl="0" indent="0" defTabSz="914400" rtl="0" eaLnBrk="0" fontAlgn="base" latinLnBrk="0" hangingPunct="0">
+              <a:lnSpc>
+                <a:spcPct val="100000"/>
+              </a:lnSpc>
+              <a:spcBef>
+                <a:spcPct val="0"/>
+              </a:spcBef>
+              <a:spcAft>
+                <a:spcPct val="0"/>
+              </a:spcAft>
+              <a:buClrTx/>
+              <a:buSzTx/>
+              <a:buFontTx/>
+              <a:buNone/>
+              <a:tabLst/>
+            </a:pPr>
+            <a:r>
+              <a:rPr kumimoji="0" lang="en-US" b="0" i="0" u="none" strike="noStrike" cap="none" normalizeH="0" baseline="0" dirty="0" smtClean="0">
+                <a:ln>
+                  <a:noFill/>
+                </a:ln>
+                <a:solidFill>
+                  <a:srgbClr val="DE6C6C"/>
+                </a:solidFill>
+                <a:effectLst/>
+                <a:latin typeface="Open Sans Mobafire"/>
+              </a:rPr>
+              <a:t> </a:t>
+            </a:r>
+          </a:p>
+          <a:p>
+            <a:pPr marL="0" marR="0" lvl="0" indent="0" defTabSz="914400" rtl="0" eaLnBrk="0" fontAlgn="t" latinLnBrk="0" hangingPunct="0">
+              <a:lnSpc>
+                <a:spcPct val="100000"/>
+              </a:lnSpc>
+              <a:spcBef>
+                <a:spcPct val="0"/>
+              </a:spcBef>
+              <a:spcAft>
+                <a:spcPct val="0"/>
+              </a:spcAft>
+              <a:buClrTx/>
+              <a:buSzTx/>
+              <a:buFontTx/>
+              <a:buNone/>
+              <a:tabLst/>
+            </a:pPr>
+            <a:r>
+              <a:rPr kumimoji="0" lang="en-US" b="0" i="0" u="none" strike="noStrike" cap="none" normalizeH="0" baseline="0" dirty="0" smtClean="0">
+                <a:ln>
+                  <a:noFill/>
+                </a:ln>
+                <a:solidFill>
+                  <a:srgbClr val="DE6C6C"/>
+                </a:solidFill>
+                <a:effectLst/>
+                <a:latin typeface="Open Sans Mobafire"/>
+              </a:rPr>
+              <a:t>  </a:t>
+            </a:r>
+            <a:endParaRPr kumimoji="0" lang="en-US" sz="900" b="0" i="0" u="none" strike="noStrike" cap="none" normalizeH="0" baseline="0" dirty="0" smtClean="0">
+              <a:ln>
+                <a:noFill/>
+              </a:ln>
+              <a:solidFill>
+                <a:srgbClr val="8498B8"/>
+              </a:solidFill>
+              <a:effectLst/>
+              <a:latin typeface="Open Sans Mobafire"/>
+            </a:endParaRPr>
+          </a:p>
+          <a:p>
+            <a:pPr marL="0" marR="0" lvl="0" indent="0" defTabSz="914400" rtl="0" eaLnBrk="0" fontAlgn="t" latinLnBrk="0" hangingPunct="0">
+              <a:lnSpc>
+                <a:spcPct val="100000"/>
+              </a:lnSpc>
+              <a:spcBef>
+                <a:spcPct val="0"/>
+              </a:spcBef>
+              <a:spcAft>
+                <a:spcPct val="0"/>
+              </a:spcAft>
+              <a:buClrTx/>
+              <a:buSzTx/>
+              <a:buFontTx/>
+              <a:buNone/>
+              <a:tabLst/>
+            </a:pPr>
+            <a:r>
+              <a:rPr kumimoji="0" lang="en-US" sz="900" b="0" i="0" u="none" strike="noStrike" cap="none" normalizeH="0" baseline="0" dirty="0" smtClean="0">
+                <a:ln>
+                  <a:noFill/>
+                </a:ln>
+                <a:solidFill>
+                  <a:srgbClr val="8498B8"/>
+                </a:solidFill>
+                <a:effectLst/>
+                <a:latin typeface="Open Sans Mobafire"/>
+              </a:rPr>
+              <a:t>Eyeball Collection</a:t>
+            </a:r>
+          </a:p>
+          <a:p>
+            <a:pPr marL="0" marR="0" lvl="0" indent="0" defTabSz="914400" rtl="0" eaLnBrk="0" fontAlgn="t" latinLnBrk="0" hangingPunct="0">
+              <a:lnSpc>
+                <a:spcPct val="100000"/>
+              </a:lnSpc>
+              <a:spcBef>
+                <a:spcPct val="0"/>
+              </a:spcBef>
+              <a:spcAft>
+                <a:spcPct val="0"/>
+              </a:spcAft>
+              <a:buClrTx/>
+              <a:buSzTx/>
+              <a:buFontTx/>
+              <a:buNone/>
+              <a:tabLst/>
+            </a:pPr>
+            <a:endParaRPr kumimoji="0" lang="en-US" b="0" i="0" u="none" strike="noStrike" cap="none" normalizeH="0" baseline="0" dirty="0" smtClean="0">
+              <a:ln>
+                <a:noFill/>
+              </a:ln>
+              <a:solidFill>
+                <a:srgbClr val="DE6C6C"/>
+              </a:solidFill>
+              <a:effectLst/>
+              <a:latin typeface="Open Sans Mobafire"/>
+            </a:endParaRPr>
+          </a:p>
+          <a:p>
+            <a:pPr marL="0" marR="0" lvl="0" indent="0" defTabSz="914400" rtl="0" eaLnBrk="0" fontAlgn="base" latinLnBrk="0" hangingPunct="0">
+              <a:lnSpc>
+                <a:spcPct val="100000"/>
+              </a:lnSpc>
+              <a:spcBef>
+                <a:spcPct val="0"/>
+              </a:spcBef>
+              <a:spcAft>
+                <a:spcPct val="0"/>
+              </a:spcAft>
+              <a:buClrTx/>
+              <a:buSzTx/>
+              <a:buFontTx/>
+              <a:buNone/>
+              <a:tabLst/>
+            </a:pPr>
+            <a:r>
+              <a:rPr kumimoji="0" lang="en-US" b="0" i="0" u="none" strike="noStrike" cap="none" normalizeH="0" baseline="0" dirty="0" smtClean="0">
+                <a:ln>
+                  <a:noFill/>
+                </a:ln>
+                <a:solidFill>
+                  <a:srgbClr val="DE6C6C"/>
+                </a:solidFill>
+                <a:effectLst/>
+                <a:latin typeface="Open Sans Mobafire"/>
+              </a:rPr>
+              <a:t> </a:t>
+            </a:r>
+          </a:p>
+          <a:p>
+            <a:pPr marL="0" marR="0" lvl="0" indent="0" defTabSz="914400" rtl="0" eaLnBrk="0" fontAlgn="t" latinLnBrk="0" hangingPunct="0">
+              <a:lnSpc>
+                <a:spcPct val="100000"/>
+              </a:lnSpc>
+              <a:spcBef>
+                <a:spcPct val="0"/>
+              </a:spcBef>
+              <a:spcAft>
+                <a:spcPct val="0"/>
+              </a:spcAft>
+              <a:buClrTx/>
+              <a:buSzTx/>
+              <a:buFontTx/>
+              <a:buNone/>
+              <a:tabLst/>
+            </a:pPr>
+            <a:r>
+              <a:rPr kumimoji="0" lang="en-US" b="0" i="0" u="none" strike="noStrike" cap="none" normalizeH="0" baseline="0" dirty="0" smtClean="0">
+                <a:ln>
+                  <a:noFill/>
+                </a:ln>
+                <a:solidFill>
+                  <a:srgbClr val="DE6C6C"/>
+                </a:solidFill>
+                <a:effectLst/>
+                <a:latin typeface="Open Sans Mobafire"/>
+              </a:rPr>
+              <a:t>  </a:t>
+            </a:r>
+            <a:endParaRPr kumimoji="0" lang="en-US" sz="900" b="0" i="0" u="none" strike="noStrike" cap="none" normalizeH="0" baseline="0" dirty="0" smtClean="0">
+              <a:ln>
+                <a:noFill/>
+              </a:ln>
+              <a:solidFill>
+                <a:srgbClr val="8498B8"/>
+              </a:solidFill>
+              <a:effectLst/>
+              <a:latin typeface="Open Sans Mobafire"/>
+            </a:endParaRPr>
+          </a:p>
+          <a:p>
+            <a:pPr marL="0" marR="0" lvl="0" indent="0" defTabSz="914400" rtl="0" eaLnBrk="0" fontAlgn="t" latinLnBrk="0" hangingPunct="0">
+              <a:lnSpc>
+                <a:spcPct val="100000"/>
+              </a:lnSpc>
+              <a:spcBef>
+                <a:spcPct val="0"/>
+              </a:spcBef>
+              <a:spcAft>
+                <a:spcPct val="0"/>
+              </a:spcAft>
+              <a:buClrTx/>
+              <a:buSzTx/>
+              <a:buFontTx/>
+              <a:buNone/>
+              <a:tabLst/>
+            </a:pPr>
+            <a:r>
+              <a:rPr kumimoji="0" lang="en-US" sz="900" b="0" i="0" u="none" strike="noStrike" cap="none" normalizeH="0" baseline="0" dirty="0" smtClean="0">
+                <a:ln>
+                  <a:noFill/>
+                </a:ln>
+                <a:solidFill>
+                  <a:srgbClr val="8498B8"/>
+                </a:solidFill>
+                <a:effectLst/>
+                <a:latin typeface="Open Sans Mobafire"/>
+              </a:rPr>
+              <a:t>Ravenous Hunter</a:t>
+            </a:r>
+            <a:endParaRPr kumimoji="0" lang="en-US" sz="6400" b="0" i="0" u="none" strike="noStrike" cap="none" normalizeH="0" baseline="0" dirty="0" smtClean="0">
+              <a:ln>
+                <a:noFill/>
+              </a:ln>
+              <a:solidFill>
+                <a:srgbClr val="DE6C6C"/>
+              </a:solidFill>
+              <a:effectLst/>
+              <a:latin typeface="Open Sans Mobafire"/>
+            </a:endParaRPr>
+          </a:p>
+        </p:txBody>
+      </p:sp>
+      <p:pic>
+        <p:nvPicPr>
+          <p:cNvPr id="1026" name="Picture 2" descr="https://www.mobafire.com/images/new-guide/new-runes/domination.png"/>
+          <p:cNvPicPr>
+            <a:picLocks noChangeAspect="1" noChangeArrowheads="1"/>
+          </p:cNvPicPr>
+          <p:nvPr/>
+        </p:nvPicPr>
+        <p:blipFill>
+          <a:blip r:embed="rId15">
+            <a:extLst>
+              <a:ext uri="{28A0092B-C50C-407E-A947-70E740481C1C}">
+                <a14:useLocalDpi xmlns:a14="http://schemas.microsoft.com/office/drawing/2010/main" val="0"/>
+              </a:ext>
+            </a:extLst>
+          </a:blip>
+          <a:srcRect/>
+          <a:stretch>
+            <a:fillRect/>
+          </a:stretch>
+        </p:blipFill>
+        <p:spPr bwMode="auto">
+          <a:xfrm>
+            <a:off x="5607528" y="1581172"/>
+            <a:ext cx="498472" cy="498473"/>
+          </a:xfrm>
+          <a:prstGeom prst="rect">
+            <a:avLst/>
+          </a:prstGeom>
+          <a:noFill/>
+          <a:extLst>
+            <a:ext uri="{909E8E84-426E-40DD-AFC4-6F175D3DCCD1}">
+              <a14:hiddenFill xmlns:a14="http://schemas.microsoft.com/office/drawing/2010/main">
+                <a:solidFill>
+                  <a:srgbClr val="FFFFFF"/>
+                </a:solidFill>
+              </a14:hiddenFill>
+            </a:ext>
+          </a:extLst>
+        </p:spPr>
+      </p:pic>
+      <p:pic>
+        <p:nvPicPr>
+          <p:cNvPr id="1027" name="Picture 3" descr="https://www.mobafire.com/images/reforged-rune/hail-of-blades.png"/>
+          <p:cNvPicPr>
+            <a:picLocks noChangeAspect="1" noChangeArrowheads="1"/>
+          </p:cNvPicPr>
+          <p:nvPr/>
+        </p:nvPicPr>
+        <p:blipFill>
+          <a:blip r:embed="rId16">
+            <a:extLst>
+              <a:ext uri="{28A0092B-C50C-407E-A947-70E740481C1C}">
+                <a14:useLocalDpi xmlns:a14="http://schemas.microsoft.com/office/drawing/2010/main" val="0"/>
+              </a:ext>
+            </a:extLst>
+          </a:blip>
+          <a:srcRect/>
+          <a:stretch>
+            <a:fillRect/>
+          </a:stretch>
+        </p:blipFill>
+        <p:spPr bwMode="auto">
+          <a:xfrm>
+            <a:off x="5487878" y="2386682"/>
+            <a:ext cx="656723" cy="656724"/>
+          </a:xfrm>
+          <a:prstGeom prst="rect">
+            <a:avLst/>
+          </a:prstGeom>
+          <a:noFill/>
+          <a:extLst>
+            <a:ext uri="{909E8E84-426E-40DD-AFC4-6F175D3DCCD1}">
+              <a14:hiddenFill xmlns:a14="http://schemas.microsoft.com/office/drawing/2010/main">
+                <a:solidFill>
+                  <a:srgbClr val="FFFFFF"/>
+                </a:solidFill>
+              </a14:hiddenFill>
+            </a:ext>
+          </a:extLst>
+        </p:spPr>
+      </p:pic>
+      <p:pic>
+        <p:nvPicPr>
+          <p:cNvPr id="1028" name="Picture 4" descr="https://www.mobafire.com/images/reforged-rune/taste-of-blood.png"/>
+          <p:cNvPicPr>
+            <a:picLocks noChangeAspect="1" noChangeArrowheads="1"/>
+          </p:cNvPicPr>
+          <p:nvPr/>
+        </p:nvPicPr>
+        <p:blipFill>
+          <a:blip r:embed="rId17">
+            <a:extLst>
+              <a:ext uri="{28A0092B-C50C-407E-A947-70E740481C1C}">
+                <a14:useLocalDpi xmlns:a14="http://schemas.microsoft.com/office/drawing/2010/main" val="0"/>
+              </a:ext>
+            </a:extLst>
+          </a:blip>
+          <a:srcRect/>
+          <a:stretch>
+            <a:fillRect/>
+          </a:stretch>
+        </p:blipFill>
+        <p:spPr bwMode="auto">
+          <a:xfrm>
+            <a:off x="5563869" y="3421669"/>
+            <a:ext cx="516241" cy="516242"/>
+          </a:xfrm>
+          <a:prstGeom prst="rect">
+            <a:avLst/>
+          </a:prstGeom>
+          <a:noFill/>
+          <a:extLst>
+            <a:ext uri="{909E8E84-426E-40DD-AFC4-6F175D3DCCD1}">
+              <a14:hiddenFill xmlns:a14="http://schemas.microsoft.com/office/drawing/2010/main">
+                <a:solidFill>
+                  <a:srgbClr val="FFFFFF"/>
+                </a:solidFill>
+              </a14:hiddenFill>
+            </a:ext>
+          </a:extLst>
+        </p:spPr>
+      </p:pic>
+      <p:pic>
+        <p:nvPicPr>
+          <p:cNvPr id="1029" name="Picture 5" descr="https://www.mobafire.com/images/reforged-rune/eyeball-collection.png"/>
+          <p:cNvPicPr>
+            <a:picLocks noChangeAspect="1" noChangeArrowheads="1"/>
+          </p:cNvPicPr>
+          <p:nvPr/>
+        </p:nvPicPr>
+        <p:blipFill>
+          <a:blip r:embed="rId18">
+            <a:extLst>
+              <a:ext uri="{28A0092B-C50C-407E-A947-70E740481C1C}">
+                <a14:useLocalDpi xmlns:a14="http://schemas.microsoft.com/office/drawing/2010/main" val="0"/>
+              </a:ext>
+            </a:extLst>
+          </a:blip>
+          <a:srcRect/>
+          <a:stretch>
+            <a:fillRect/>
+          </a:stretch>
+        </p:blipFill>
+        <p:spPr bwMode="auto">
+          <a:xfrm>
+            <a:off x="5576237" y="4333669"/>
+            <a:ext cx="579171" cy="579171"/>
+          </a:xfrm>
+          <a:prstGeom prst="rect">
+            <a:avLst/>
+          </a:prstGeom>
+          <a:noFill/>
+          <a:extLst>
+            <a:ext uri="{909E8E84-426E-40DD-AFC4-6F175D3DCCD1}">
+              <a14:hiddenFill xmlns:a14="http://schemas.microsoft.com/office/drawing/2010/main">
+                <a:solidFill>
+                  <a:srgbClr val="FFFFFF"/>
+                </a:solidFill>
+              </a14:hiddenFill>
+            </a:ext>
+          </a:extLst>
+        </p:spPr>
+      </p:pic>
+      <p:pic>
+        <p:nvPicPr>
+          <p:cNvPr id="1030" name="Picture 6" descr="https://www.mobafire.com/images/reforged-rune/ravenous-hunter.png"/>
+          <p:cNvPicPr>
+            <a:picLocks noChangeAspect="1" noChangeArrowheads="1"/>
+          </p:cNvPicPr>
+          <p:nvPr/>
+        </p:nvPicPr>
+        <p:blipFill>
+          <a:blip r:embed="rId19">
+            <a:extLst>
+              <a:ext uri="{28A0092B-C50C-407E-A947-70E740481C1C}">
+                <a14:useLocalDpi xmlns:a14="http://schemas.microsoft.com/office/drawing/2010/main" val="0"/>
+              </a:ext>
+            </a:extLst>
+          </a:blip>
+          <a:srcRect/>
+          <a:stretch>
+            <a:fillRect/>
+          </a:stretch>
+        </p:blipFill>
+        <p:spPr bwMode="auto">
+          <a:xfrm>
+            <a:off x="5607528" y="5302346"/>
+            <a:ext cx="579171" cy="579171"/>
+          </a:xfrm>
+          <a:prstGeom prst="rect">
+            <a:avLst/>
+          </a:prstGeom>
+          <a:noFill/>
+          <a:extLst>
+            <a:ext uri="{909E8E84-426E-40DD-AFC4-6F175D3DCCD1}">
+              <a14:hiddenFill xmlns:a14="http://schemas.microsoft.com/office/drawing/2010/main">
+                <a:solidFill>
+                  <a:srgbClr val="FFFFFF"/>
+                </a:solidFill>
+              </a14:hiddenFill>
+            </a:ext>
+          </a:extLst>
+        </p:spPr>
+      </p:pic>
+      <p:pic>
+        <p:nvPicPr>
+          <p:cNvPr id="1032" name="Picture 8" descr="https://www.mobafire.com/images/new-guide/new-runes/sorcery.png"/>
+          <p:cNvPicPr>
+            <a:picLocks noChangeAspect="1" noChangeArrowheads="1"/>
+          </p:cNvPicPr>
+          <p:nvPr/>
+        </p:nvPicPr>
+        <p:blipFill>
+          <a:blip r:embed="rId20">
+            <a:extLst>
+              <a:ext uri="{28A0092B-C50C-407E-A947-70E740481C1C}">
+                <a14:useLocalDpi xmlns:a14="http://schemas.microsoft.com/office/drawing/2010/main" val="0"/>
+              </a:ext>
+            </a:extLst>
+          </a:blip>
+          <a:srcRect/>
+          <a:stretch>
+            <a:fillRect/>
+          </a:stretch>
+        </p:blipFill>
+        <p:spPr bwMode="auto">
+          <a:xfrm>
+            <a:off x="6967295" y="1582719"/>
+            <a:ext cx="498387" cy="498387"/>
+          </a:xfrm>
+          <a:prstGeom prst="rect">
+            <a:avLst/>
+          </a:prstGeom>
+          <a:noFill/>
+          <a:extLst>
+            <a:ext uri="{909E8E84-426E-40DD-AFC4-6F175D3DCCD1}">
+              <a14:hiddenFill xmlns:a14="http://schemas.microsoft.com/office/drawing/2010/main">
+                <a:solidFill>
+                  <a:srgbClr val="FFFFFF"/>
+                </a:solidFill>
+              </a14:hiddenFill>
+            </a:ext>
+          </a:extLst>
+        </p:spPr>
+      </p:pic>
+      <p:sp>
+        <p:nvSpPr>
+          <p:cNvPr id="94" name="TextBox 93"/>
+          <p:cNvSpPr txBox="1"/>
+          <p:nvPr/>
+        </p:nvSpPr>
+        <p:spPr>
+          <a:xfrm>
+            <a:off x="6736403" y="2079645"/>
+            <a:ext cx="1239887" cy="3754874"/>
+          </a:xfrm>
+          <a:prstGeom prst="rect">
+            <a:avLst/>
+          </a:prstGeom>
+          <a:noFill/>
+        </p:spPr>
+        <p:txBody>
+          <a:bodyPr wrap="square" rtlCol="0">
+            <a:spAutoFit/>
+          </a:bodyPr>
+          <a:lstStyle/>
+          <a:p>
+            <a:pPr lvl="0" eaLnBrk="0" fontAlgn="base" hangingPunct="0">
+              <a:spcBef>
+                <a:spcPct val="0"/>
+              </a:spcBef>
+              <a:spcAft>
+                <a:spcPct val="0"/>
+              </a:spcAft>
+            </a:pPr>
+            <a:r>
+              <a:rPr lang="en-US" sz="1000" b="1" dirty="0">
+                <a:solidFill>
+                  <a:srgbClr val="7C6FBD"/>
+                </a:solidFill>
+                <a:latin typeface="Open Sans Mobafire"/>
+              </a:rPr>
+              <a:t>SORCERY</a:t>
+            </a:r>
+            <a:endParaRPr lang="en-US" sz="1200" dirty="0"/>
+          </a:p>
+          <a:p>
+            <a:pPr lvl="0" eaLnBrk="0" fontAlgn="t" hangingPunct="0">
+              <a:spcBef>
+                <a:spcPct val="0"/>
+              </a:spcBef>
+              <a:spcAft>
+                <a:spcPct val="0"/>
+              </a:spcAft>
+            </a:pPr>
+            <a:r>
+              <a:rPr lang="en-US" sz="1000" dirty="0">
+                <a:solidFill>
+                  <a:srgbClr val="7C6FBD"/>
+                </a:solidFill>
+                <a:latin typeface="Open Sans Mobafire"/>
+              </a:rPr>
+              <a:t>  </a:t>
+            </a:r>
+            <a:endParaRPr lang="en-US" sz="1000" dirty="0" smtClean="0">
+              <a:solidFill>
+                <a:srgbClr val="7C6FBD"/>
+              </a:solidFill>
+              <a:latin typeface="Open Sans Mobafire"/>
+            </a:endParaRPr>
+          </a:p>
+          <a:p>
+            <a:pPr lvl="0" eaLnBrk="0" fontAlgn="t" hangingPunct="0">
+              <a:spcBef>
+                <a:spcPct val="0"/>
+              </a:spcBef>
+              <a:spcAft>
+                <a:spcPct val="0"/>
+              </a:spcAft>
+            </a:pPr>
+            <a:endParaRPr lang="en-US" sz="1000" dirty="0">
+              <a:solidFill>
+                <a:srgbClr val="7C6FBD"/>
+              </a:solidFill>
+              <a:latin typeface="Open Sans Mobafire"/>
+            </a:endParaRPr>
+          </a:p>
+          <a:p>
+            <a:pPr lvl="0" eaLnBrk="0" fontAlgn="base" hangingPunct="0">
+              <a:spcBef>
+                <a:spcPct val="0"/>
+              </a:spcBef>
+              <a:spcAft>
+                <a:spcPct val="0"/>
+              </a:spcAft>
+            </a:pPr>
+            <a:r>
+              <a:rPr lang="en-US" sz="1000" dirty="0">
+                <a:solidFill>
+                  <a:srgbClr val="7C6FBD"/>
+                </a:solidFill>
+                <a:latin typeface="Open Sans Mobafire"/>
+              </a:rPr>
+              <a:t> </a:t>
+            </a:r>
+          </a:p>
+          <a:p>
+            <a:pPr lvl="0" eaLnBrk="0" fontAlgn="t" hangingPunct="0">
+              <a:spcBef>
+                <a:spcPct val="0"/>
+              </a:spcBef>
+              <a:spcAft>
+                <a:spcPct val="0"/>
+              </a:spcAft>
+            </a:pPr>
+            <a:r>
+              <a:rPr lang="en-US" sz="1000" dirty="0">
+                <a:solidFill>
+                  <a:srgbClr val="7C6FBD"/>
+                </a:solidFill>
+                <a:latin typeface="Open Sans Mobafire"/>
+              </a:rPr>
+              <a:t>  </a:t>
+            </a:r>
+            <a:endParaRPr lang="en-US" sz="1000" dirty="0">
+              <a:solidFill>
+                <a:srgbClr val="8498B8"/>
+              </a:solidFill>
+              <a:latin typeface="Open Sans Mobafire"/>
+            </a:endParaRPr>
+          </a:p>
+          <a:p>
+            <a:pPr lvl="0" eaLnBrk="0" fontAlgn="t" hangingPunct="0">
+              <a:spcBef>
+                <a:spcPct val="0"/>
+              </a:spcBef>
+              <a:spcAft>
+                <a:spcPct val="0"/>
+              </a:spcAft>
+            </a:pPr>
+            <a:r>
+              <a:rPr lang="en-US" sz="1000" dirty="0" err="1">
+                <a:solidFill>
+                  <a:srgbClr val="8498B8"/>
+                </a:solidFill>
+                <a:latin typeface="Open Sans Mobafire"/>
+              </a:rPr>
+              <a:t>Manaflow</a:t>
+            </a:r>
+            <a:r>
+              <a:rPr lang="en-US" sz="1000" dirty="0">
+                <a:solidFill>
+                  <a:srgbClr val="8498B8"/>
+                </a:solidFill>
+                <a:latin typeface="Open Sans Mobafire"/>
+              </a:rPr>
+              <a:t> Band</a:t>
+            </a:r>
+            <a:endParaRPr lang="en-US" sz="1000" dirty="0">
+              <a:solidFill>
+                <a:srgbClr val="7C6FBD"/>
+              </a:solidFill>
+              <a:latin typeface="Open Sans Mobafire"/>
+            </a:endParaRPr>
+          </a:p>
+          <a:p>
+            <a:pPr lvl="0" eaLnBrk="0" fontAlgn="base" hangingPunct="0">
+              <a:spcBef>
+                <a:spcPct val="0"/>
+              </a:spcBef>
+              <a:spcAft>
+                <a:spcPct val="0"/>
+              </a:spcAft>
+            </a:pPr>
+            <a:r>
+              <a:rPr lang="en-US" sz="1000" dirty="0">
+                <a:solidFill>
+                  <a:srgbClr val="7C6FBD"/>
+                </a:solidFill>
+                <a:latin typeface="Open Sans Mobafire"/>
+              </a:rPr>
+              <a:t> </a:t>
+            </a:r>
+          </a:p>
+          <a:p>
+            <a:pPr lvl="0" eaLnBrk="0" fontAlgn="t" hangingPunct="0">
+              <a:spcBef>
+                <a:spcPct val="0"/>
+              </a:spcBef>
+              <a:spcAft>
+                <a:spcPct val="0"/>
+              </a:spcAft>
+            </a:pPr>
+            <a:r>
+              <a:rPr lang="en-US" sz="1000" dirty="0">
+                <a:solidFill>
+                  <a:srgbClr val="7C6FBD"/>
+                </a:solidFill>
+                <a:latin typeface="Open Sans Mobafire"/>
+              </a:rPr>
+              <a:t>  </a:t>
+            </a:r>
+            <a:endParaRPr lang="en-US" sz="1000" dirty="0" smtClean="0">
+              <a:solidFill>
+                <a:srgbClr val="7C6FBD"/>
+              </a:solidFill>
+              <a:latin typeface="Open Sans Mobafire"/>
+            </a:endParaRPr>
+          </a:p>
+          <a:p>
+            <a:pPr lvl="0" eaLnBrk="0" fontAlgn="t" hangingPunct="0">
+              <a:spcBef>
+                <a:spcPct val="0"/>
+              </a:spcBef>
+              <a:spcAft>
+                <a:spcPct val="0"/>
+              </a:spcAft>
+            </a:pPr>
+            <a:endParaRPr lang="en-US" sz="1000" dirty="0">
+              <a:solidFill>
+                <a:srgbClr val="7C6FBD"/>
+              </a:solidFill>
+              <a:latin typeface="Open Sans Mobafire"/>
+            </a:endParaRPr>
+          </a:p>
+          <a:p>
+            <a:pPr lvl="0" eaLnBrk="0" fontAlgn="t" hangingPunct="0">
+              <a:spcBef>
+                <a:spcPct val="0"/>
+              </a:spcBef>
+              <a:spcAft>
+                <a:spcPct val="0"/>
+              </a:spcAft>
+            </a:pPr>
+            <a:endParaRPr lang="en-US" sz="1000" dirty="0">
+              <a:solidFill>
+                <a:srgbClr val="8498B8"/>
+              </a:solidFill>
+              <a:latin typeface="Open Sans Mobafire"/>
+            </a:endParaRPr>
+          </a:p>
+          <a:p>
+            <a:pPr lvl="0" eaLnBrk="0" fontAlgn="t" hangingPunct="0">
+              <a:spcBef>
+                <a:spcPct val="0"/>
+              </a:spcBef>
+              <a:spcAft>
+                <a:spcPct val="0"/>
+              </a:spcAft>
+            </a:pPr>
+            <a:r>
+              <a:rPr lang="en-US" sz="1000" dirty="0" smtClean="0">
+                <a:solidFill>
+                  <a:srgbClr val="8498B8"/>
+                </a:solidFill>
+                <a:latin typeface="Open Sans Mobafire"/>
+              </a:rPr>
+              <a:t>Absolute Focus</a:t>
+            </a:r>
+            <a:endParaRPr lang="en-US" sz="9600" dirty="0">
+              <a:solidFill>
+                <a:srgbClr val="8498B8"/>
+              </a:solidFill>
+              <a:latin typeface="Open Sans Mobafire"/>
+            </a:endParaRPr>
+          </a:p>
+          <a:p>
+            <a:pPr lvl="0" eaLnBrk="0" fontAlgn="t" hangingPunct="0">
+              <a:spcBef>
+                <a:spcPct val="0"/>
+              </a:spcBef>
+              <a:spcAft>
+                <a:spcPct val="0"/>
+              </a:spcAft>
+            </a:pPr>
+            <a:endParaRPr lang="en-US" sz="1000" dirty="0" smtClean="0">
+              <a:solidFill>
+                <a:srgbClr val="8498B8"/>
+              </a:solidFill>
+              <a:latin typeface="Open Sans Mobafire"/>
+            </a:endParaRPr>
+          </a:p>
+          <a:p>
+            <a:pPr lvl="0" eaLnBrk="0" fontAlgn="t" hangingPunct="0">
+              <a:spcBef>
+                <a:spcPct val="0"/>
+              </a:spcBef>
+              <a:spcAft>
+                <a:spcPct val="0"/>
+              </a:spcAft>
+            </a:pPr>
+            <a:endParaRPr lang="en-US" sz="1000" dirty="0">
+              <a:solidFill>
+                <a:srgbClr val="8498B8"/>
+              </a:solidFill>
+              <a:latin typeface="Open Sans Mobafire"/>
+            </a:endParaRPr>
+          </a:p>
+          <a:p>
+            <a:pPr lvl="0" eaLnBrk="0" fontAlgn="t" hangingPunct="0">
+              <a:spcBef>
+                <a:spcPct val="0"/>
+              </a:spcBef>
+              <a:spcAft>
+                <a:spcPct val="0"/>
+              </a:spcAft>
+            </a:pPr>
+            <a:endParaRPr lang="en-US" sz="1000" dirty="0" smtClean="0">
+              <a:solidFill>
+                <a:srgbClr val="8498B8"/>
+              </a:solidFill>
+              <a:latin typeface="Open Sans Mobafire"/>
+            </a:endParaRPr>
+          </a:p>
+          <a:p>
+            <a:pPr lvl="0" eaLnBrk="0" fontAlgn="t" hangingPunct="0">
+              <a:spcBef>
+                <a:spcPct val="0"/>
+              </a:spcBef>
+              <a:spcAft>
+                <a:spcPct val="0"/>
+              </a:spcAft>
+            </a:pPr>
+            <a:endParaRPr lang="en-US" sz="1000" dirty="0">
+              <a:solidFill>
+                <a:srgbClr val="8498B8"/>
+              </a:solidFill>
+              <a:latin typeface="Open Sans Mobafire"/>
+            </a:endParaRPr>
+          </a:p>
+          <a:p>
+            <a:pPr lvl="0" eaLnBrk="0" fontAlgn="t" hangingPunct="0">
+              <a:spcBef>
+                <a:spcPct val="0"/>
+              </a:spcBef>
+              <a:spcAft>
+                <a:spcPct val="0"/>
+              </a:spcAft>
+            </a:pPr>
+            <a:endParaRPr lang="en-US" sz="1000" dirty="0" smtClean="0">
+              <a:solidFill>
+                <a:srgbClr val="8498B8"/>
+              </a:solidFill>
+              <a:latin typeface="Open Sans Mobafire"/>
+            </a:endParaRPr>
+          </a:p>
+          <a:p>
+            <a:pPr lvl="0" eaLnBrk="0" fontAlgn="t" hangingPunct="0">
+              <a:spcBef>
+                <a:spcPct val="0"/>
+              </a:spcBef>
+              <a:spcAft>
+                <a:spcPct val="0"/>
+              </a:spcAft>
+            </a:pPr>
+            <a:r>
+              <a:rPr lang="en-US" sz="1000" dirty="0" smtClean="0">
+                <a:solidFill>
+                  <a:srgbClr val="8498B8"/>
+                </a:solidFill>
+                <a:latin typeface="Open Sans Mobafire"/>
+              </a:rPr>
+              <a:t>Bonus</a:t>
+            </a:r>
+            <a:r>
+              <a:rPr lang="en-US" sz="1000" dirty="0">
+                <a:solidFill>
+                  <a:srgbClr val="8498B8"/>
+                </a:solidFill>
+                <a:latin typeface="Open Sans Mobafire"/>
+              </a:rPr>
+              <a:t>:</a:t>
+            </a:r>
+            <a:endParaRPr lang="en-US" sz="1000" dirty="0">
+              <a:solidFill>
+                <a:srgbClr val="FFFFFF"/>
+              </a:solidFill>
+              <a:latin typeface="Open Sans Mobafire"/>
+            </a:endParaRPr>
+          </a:p>
+          <a:p>
+            <a:pPr lvl="0" eaLnBrk="0" fontAlgn="t" hangingPunct="0">
+              <a:spcBef>
+                <a:spcPct val="0"/>
+              </a:spcBef>
+              <a:spcAft>
+                <a:spcPct val="0"/>
+              </a:spcAft>
+            </a:pPr>
+            <a:r>
+              <a:rPr lang="en-US" sz="1000" dirty="0">
+                <a:solidFill>
+                  <a:srgbClr val="B4B8C0"/>
+                </a:solidFill>
+                <a:latin typeface="Open Sans Mobafire"/>
+              </a:rPr>
+              <a:t>+9 Adaptive (5.4 AD or 9 AP)</a:t>
+            </a:r>
+            <a:br>
+              <a:rPr lang="en-US" sz="1000" dirty="0">
+                <a:solidFill>
+                  <a:srgbClr val="B4B8C0"/>
+                </a:solidFill>
+                <a:latin typeface="Open Sans Mobafire"/>
+              </a:rPr>
+            </a:br>
+            <a:r>
+              <a:rPr lang="en-US" sz="1000" dirty="0">
+                <a:solidFill>
+                  <a:srgbClr val="B4B8C0"/>
+                </a:solidFill>
+                <a:latin typeface="Open Sans Mobafire"/>
+              </a:rPr>
+              <a:t>+9 Adaptive (5.4 AD or 9 AP)</a:t>
+            </a:r>
+            <a:br>
+              <a:rPr lang="en-US" sz="1000" dirty="0">
+                <a:solidFill>
+                  <a:srgbClr val="B4B8C0"/>
+                </a:solidFill>
+                <a:latin typeface="Open Sans Mobafire"/>
+              </a:rPr>
+            </a:br>
+            <a:r>
+              <a:rPr lang="en-US" sz="1000" dirty="0">
+                <a:solidFill>
+                  <a:srgbClr val="B4B8C0"/>
+                </a:solidFill>
+                <a:latin typeface="Open Sans Mobafire"/>
+              </a:rPr>
+              <a:t>+6 Armor</a:t>
+            </a:r>
+            <a:endParaRPr lang="en-US" sz="9600" dirty="0">
+              <a:solidFill>
+                <a:srgbClr val="8498B8"/>
+              </a:solidFill>
+              <a:latin typeface="Open Sans Mobafire"/>
+            </a:endParaRPr>
+          </a:p>
+          <a:p>
+            <a:endParaRPr lang="en-SG" dirty="0"/>
+          </a:p>
+        </p:txBody>
+      </p:sp>
+      <p:pic>
+        <p:nvPicPr>
+          <p:cNvPr id="1033" name="Picture 9" descr="https://www.mobafire.com/images/reforged-rune/manaflow-band.png"/>
+          <p:cNvPicPr>
+            <a:picLocks noChangeAspect="1" noChangeArrowheads="1"/>
+          </p:cNvPicPr>
+          <p:nvPr/>
+        </p:nvPicPr>
+        <p:blipFill>
+          <a:blip r:embed="rId21">
+            <a:extLst>
+              <a:ext uri="{28A0092B-C50C-407E-A947-70E740481C1C}">
+                <a14:useLocalDpi xmlns:a14="http://schemas.microsoft.com/office/drawing/2010/main" val="0"/>
+              </a:ext>
+            </a:extLst>
+          </a:blip>
+          <a:srcRect/>
+          <a:stretch>
+            <a:fillRect/>
+          </a:stretch>
+        </p:blipFill>
+        <p:spPr bwMode="auto">
+          <a:xfrm>
+            <a:off x="7075692" y="2367352"/>
+            <a:ext cx="480872" cy="480872"/>
+          </a:xfrm>
+          <a:prstGeom prst="rect">
+            <a:avLst/>
+          </a:prstGeom>
+          <a:noFill/>
+          <a:extLst>
+            <a:ext uri="{909E8E84-426E-40DD-AFC4-6F175D3DCCD1}">
+              <a14:hiddenFill xmlns:a14="http://schemas.microsoft.com/office/drawing/2010/main">
+                <a:solidFill>
+                  <a:srgbClr val="FFFFFF"/>
+                </a:solidFill>
+              </a14:hiddenFill>
+            </a:ext>
+          </a:extLst>
+        </p:spPr>
+      </p:pic>
+      <p:pic>
+        <p:nvPicPr>
+          <p:cNvPr id="1034" name="Picture 10" descr="https://www.mobafire.com/images/reforged-rune/absolute-focus.png"/>
+          <p:cNvPicPr>
+            <a:picLocks noChangeAspect="1" noChangeArrowheads="1"/>
+          </p:cNvPicPr>
+          <p:nvPr/>
+        </p:nvPicPr>
+        <p:blipFill>
+          <a:blip r:embed="rId22">
+            <a:extLst>
+              <a:ext uri="{28A0092B-C50C-407E-A947-70E740481C1C}">
+                <a14:useLocalDpi xmlns:a14="http://schemas.microsoft.com/office/drawing/2010/main" val="0"/>
+              </a:ext>
+            </a:extLst>
+          </a:blip>
+          <a:srcRect/>
+          <a:stretch>
+            <a:fillRect/>
+          </a:stretch>
+        </p:blipFill>
+        <p:spPr bwMode="auto">
+          <a:xfrm>
+            <a:off x="7059515" y="3131063"/>
+            <a:ext cx="456046" cy="456046"/>
+          </a:xfrm>
+          <a:prstGeom prst="rect">
+            <a:avLst/>
+          </a:prstGeom>
+          <a:noFill/>
+          <a:extLst>
+            <a:ext uri="{909E8E84-426E-40DD-AFC4-6F175D3DCCD1}">
+              <a14:hiddenFill xmlns:a14="http://schemas.microsoft.com/office/drawing/2010/main">
+                <a:solidFill>
+                  <a:srgbClr val="FFFFFF"/>
+                </a:solidFill>
+              </a14:hiddenFill>
+            </a:ext>
+          </a:extLst>
+        </p:spPr>
+      </p:pic>
+      <p:pic>
+        <p:nvPicPr>
+          <p:cNvPr id="1035" name="Picture 11" descr="https://www.mobafire.com/images/shards/diamond.png"/>
+          <p:cNvPicPr>
+            <a:picLocks noChangeAspect="1" noChangeArrowheads="1"/>
+          </p:cNvPicPr>
+          <p:nvPr/>
+        </p:nvPicPr>
+        <p:blipFill>
+          <a:blip r:embed="rId23" cstate="print">
+            <a:extLst>
+              <a:ext uri="{28A0092B-C50C-407E-A947-70E740481C1C}">
+                <a14:useLocalDpi xmlns:a14="http://schemas.microsoft.com/office/drawing/2010/main" val="0"/>
+              </a:ext>
+            </a:extLst>
+          </a:blip>
+          <a:srcRect/>
+          <a:stretch>
+            <a:fillRect/>
+          </a:stretch>
+        </p:blipFill>
+        <p:spPr bwMode="auto">
+          <a:xfrm>
+            <a:off x="7057684" y="3969770"/>
+            <a:ext cx="380687" cy="380687"/>
+          </a:xfrm>
+          <a:prstGeom prst="rect">
+            <a:avLst/>
+          </a:prstGeom>
+          <a:noFill/>
+          <a:extLst>
+            <a:ext uri="{909E8E84-426E-40DD-AFC4-6F175D3DCCD1}">
+              <a14:hiddenFill xmlns:a14="http://schemas.microsoft.com/office/drawing/2010/main">
+                <a:solidFill>
+                  <a:srgbClr val="FFFFFF"/>
+                </a:solidFill>
+              </a14:hiddenFill>
+            </a:ext>
+          </a:extLst>
+        </p:spPr>
+      </p:pic>
+      <p:pic>
+        <p:nvPicPr>
+          <p:cNvPr id="1036" name="Picture 12" descr="https://www.mobafire.com/images/shards/diamond.png"/>
+          <p:cNvPicPr>
+            <a:picLocks noChangeAspect="1" noChangeArrowheads="1"/>
+          </p:cNvPicPr>
+          <p:nvPr/>
+        </p:nvPicPr>
+        <p:blipFill>
+          <a:blip r:embed="rId24" cstate="print">
+            <a:extLst>
+              <a:ext uri="{28A0092B-C50C-407E-A947-70E740481C1C}">
+                <a14:useLocalDpi xmlns:a14="http://schemas.microsoft.com/office/drawing/2010/main" val="0"/>
+              </a:ext>
+            </a:extLst>
+          </a:blip>
+          <a:srcRect/>
+          <a:stretch>
+            <a:fillRect/>
+          </a:stretch>
+        </p:blipFill>
+        <p:spPr bwMode="auto">
+          <a:xfrm>
+            <a:off x="6696805" y="3963477"/>
+            <a:ext cx="375244" cy="375244"/>
+          </a:xfrm>
+          <a:prstGeom prst="rect">
+            <a:avLst/>
+          </a:prstGeom>
+          <a:noFill/>
+          <a:extLst>
+            <a:ext uri="{909E8E84-426E-40DD-AFC4-6F175D3DCCD1}">
+              <a14:hiddenFill xmlns:a14="http://schemas.microsoft.com/office/drawing/2010/main">
+                <a:solidFill>
+                  <a:srgbClr val="FFFFFF"/>
+                </a:solidFill>
+              </a14:hiddenFill>
+            </a:ext>
+          </a:extLst>
+        </p:spPr>
+      </p:pic>
+      <p:pic>
+        <p:nvPicPr>
+          <p:cNvPr id="1037" name="Picture 13" descr="https://www.mobafire.com/images/shards/shield.png"/>
+          <p:cNvPicPr>
+            <a:picLocks noChangeAspect="1" noChangeArrowheads="1"/>
+          </p:cNvPicPr>
+          <p:nvPr/>
+        </p:nvPicPr>
+        <p:blipFill>
+          <a:blip r:embed="rId25" cstate="print">
+            <a:extLst>
+              <a:ext uri="{28A0092B-C50C-407E-A947-70E740481C1C}">
+                <a14:useLocalDpi xmlns:a14="http://schemas.microsoft.com/office/drawing/2010/main" val="0"/>
+              </a:ext>
+            </a:extLst>
+          </a:blip>
+          <a:srcRect/>
+          <a:stretch>
+            <a:fillRect/>
+          </a:stretch>
+        </p:blipFill>
+        <p:spPr bwMode="auto">
+          <a:xfrm>
+            <a:off x="7438520" y="4000605"/>
+            <a:ext cx="349852" cy="349852"/>
+          </a:xfrm>
+          <a:prstGeom prst="rect">
+            <a:avLst/>
+          </a:prstGeom>
+          <a:noFill/>
+          <a:extLst>
+            <a:ext uri="{909E8E84-426E-40DD-AFC4-6F175D3DCCD1}">
+              <a14:hiddenFill xmlns:a14="http://schemas.microsoft.com/office/drawing/2010/main">
+                <a:solidFill>
+                  <a:srgbClr val="FFFFFF"/>
+                </a:solidFill>
+              </a14:hiddenFill>
+            </a:ext>
+          </a:extLst>
+        </p:spPr>
+      </p:pic>
+      <p:sp>
+        <p:nvSpPr>
+          <p:cNvPr id="95" name="TextBox 94"/>
+          <p:cNvSpPr txBox="1"/>
+          <p:nvPr/>
+        </p:nvSpPr>
+        <p:spPr>
+          <a:xfrm>
+            <a:off x="6200186" y="1253425"/>
+            <a:ext cx="805929" cy="307777"/>
+          </a:xfrm>
+          <a:prstGeom prst="rect">
+            <a:avLst/>
+          </a:prstGeom>
+          <a:noFill/>
+        </p:spPr>
+        <p:txBody>
+          <a:bodyPr wrap="square" rtlCol="0">
+            <a:spAutoFit/>
+          </a:bodyPr>
+          <a:lstStyle/>
+          <a:p>
+            <a:r>
+              <a:rPr lang="en-SG" sz="1400" b="1" dirty="0" smtClean="0">
+                <a:latin typeface="Arial Black" panose="020B0A04020102020204" pitchFamily="34" charset="0"/>
+              </a:rPr>
+              <a:t>Runes</a:t>
+            </a:r>
+            <a:endParaRPr lang="en-SG" sz="1400" b="1" dirty="0">
+              <a:latin typeface="Arial Black" panose="020B0A04020102020204" pitchFamily="34" charset="0"/>
+            </a:endParaRPr>
+          </a:p>
+        </p:txBody>
+      </p:sp>
+    </p:spTree>
+    <p:extLst>
+      <p:ext uri="{BB962C8B-B14F-4D97-AF65-F5344CB8AC3E}">
+        <p14:creationId xmlns:p14="http://schemas.microsoft.com/office/powerpoint/2010/main" val="217300911"/>
+      </p:ext>
+    </p:extLst>
+  </p:cSld>
+  <p:clrMapOvr>
+    <a:masterClrMapping/>
+  </p:clrMapOvr>
+</p:sld>
+</file>
+
+<file path=ppt/slides/slide3.xml><?xml version="1.0" encoding="utf-8"?>
+<p:sld xmlns:a="http://schemas.openxmlformats.org/drawingml/2006/main" xmlns:r="http://schemas.openxmlformats.org/officeDocument/2006/relationships" xmlns:p="http://schemas.openxmlformats.org/presentationml/2006/main">
+  <p:cSld>
+    <p:spTree>
+      <p:nvGrpSpPr>
+        <p:cNvPr id="1" name=""/>
+        <p:cNvGrpSpPr/>
+        <p:nvPr/>
+      </p:nvGrpSpPr>
+      <p:grpSpPr>
+        <a:xfrm>
+          <a:off x="0" y="0"/>
+          <a:ext cx="0" cy="0"/>
+          <a:chOff x="0" y="0"/>
+          <a:chExt cx="0" cy="0"/>
+        </a:xfrm>
+      </p:grpSpPr>
+      <p:sp>
+        <p:nvSpPr>
+          <p:cNvPr id="25" name="Rounded Rectangle 24"/>
+          <p:cNvSpPr/>
+          <p:nvPr/>
+        </p:nvSpPr>
+        <p:spPr>
+          <a:xfrm>
+            <a:off x="504160" y="135228"/>
+            <a:ext cx="4012689" cy="6503831"/>
+          </a:xfrm>
+          <a:prstGeom prst="roundRect">
+            <a:avLst/>
+          </a:prstGeom>
+        </p:spPr>
+        <p:style>
+          <a:lnRef idx="2">
+            <a:schemeClr val="dk1"/>
+          </a:lnRef>
+          <a:fillRef idx="1">
+            <a:schemeClr val="lt1"/>
+          </a:fillRef>
+          <a:effectRef idx="0">
+            <a:schemeClr val="dk1"/>
+          </a:effectRef>
+          <a:fontRef idx="minor">
+            <a:schemeClr val="dk1"/>
+          </a:fontRef>
+        </p:style>
+        <p:txBody>
+          <a:bodyPr rtlCol="0" anchor="ctr"/>
+          <a:lstStyle/>
+          <a:p>
+            <a:pPr algn="ctr"/>
+            <a:endParaRPr lang="en-SG"/>
+          </a:p>
+        </p:txBody>
+      </p:sp>
+      <p:pic>
+        <p:nvPicPr>
+          <p:cNvPr id="26" name="Picture 25"/>
+          <p:cNvPicPr>
+            <a:picLocks noChangeAspect="1"/>
+          </p:cNvPicPr>
+          <p:nvPr/>
+        </p:nvPicPr>
+        <p:blipFill>
+          <a:blip r:embed="rId2" cstate="print">
+            <a:extLst>
+              <a:ext uri="{28A0092B-C50C-407E-A947-70E740481C1C}">
+                <a14:useLocalDpi xmlns:a14="http://schemas.microsoft.com/office/drawing/2010/main" val="0"/>
+              </a:ext>
+            </a:extLst>
+          </a:blip>
+          <a:stretch>
+            <a:fillRect/>
+          </a:stretch>
+        </p:blipFill>
+        <p:spPr>
+          <a:xfrm>
+            <a:off x="867945" y="497990"/>
+            <a:ext cx="3320783" cy="5778305"/>
+          </a:xfrm>
+          <a:prstGeom prst="rect">
+            <a:avLst/>
+          </a:prstGeom>
+        </p:spPr>
+      </p:pic>
+      <p:sp>
+        <p:nvSpPr>
+          <p:cNvPr id="32" name="Rounded Rectangle 31"/>
+          <p:cNvSpPr/>
+          <p:nvPr/>
+        </p:nvSpPr>
+        <p:spPr>
+          <a:xfrm>
+            <a:off x="2063839" y="560230"/>
+            <a:ext cx="360608" cy="103031"/>
+          </a:xfrm>
+          <a:prstGeom prst="roundRect">
+            <a:avLst/>
+          </a:prstGeom>
+        </p:spPr>
+        <p:style>
+          <a:lnRef idx="2">
+            <a:schemeClr val="dk1">
+              <a:shade val="50000"/>
+            </a:schemeClr>
+          </a:lnRef>
+          <a:fillRef idx="1">
+            <a:schemeClr val="dk1"/>
+          </a:fillRef>
+          <a:effectRef idx="0">
+            <a:schemeClr val="dk1"/>
+          </a:effectRef>
+          <a:fontRef idx="minor">
+            <a:schemeClr val="lt1"/>
+          </a:fontRef>
+        </p:style>
+        <p:txBody>
+          <a:bodyPr rtlCol="0" anchor="ctr"/>
+          <a:lstStyle/>
+          <a:p>
+            <a:pPr algn="ctr"/>
+            <a:endParaRPr lang="en-SG"/>
+          </a:p>
+        </p:txBody>
+      </p:sp>
+      <p:sp>
+        <p:nvSpPr>
+          <p:cNvPr id="33" name="Oval 32"/>
+          <p:cNvSpPr/>
+          <p:nvPr/>
+        </p:nvSpPr>
+        <p:spPr>
+          <a:xfrm>
+            <a:off x="2530698" y="540913"/>
+            <a:ext cx="160987" cy="141667"/>
+          </a:xfrm>
+          <a:prstGeom prst="ellipse">
+            <a:avLst/>
+          </a:prstGeom>
+        </p:spPr>
+        <p:style>
+          <a:lnRef idx="2">
+            <a:schemeClr val="dk1">
+              <a:shade val="50000"/>
+            </a:schemeClr>
+          </a:lnRef>
+          <a:fillRef idx="1">
+            <a:schemeClr val="dk1"/>
+          </a:fillRef>
+          <a:effectRef idx="0">
+            <a:schemeClr val="dk1"/>
+          </a:effectRef>
+          <a:fontRef idx="minor">
+            <a:schemeClr val="lt1"/>
+          </a:fontRef>
+        </p:style>
+        <p:txBody>
+          <a:bodyPr rtlCol="0" anchor="ctr"/>
+          <a:lstStyle/>
+          <a:p>
+            <a:pPr algn="ctr"/>
+            <a:endParaRPr lang="en-SG"/>
+          </a:p>
+        </p:txBody>
+      </p:sp>
+      <p:sp>
+        <p:nvSpPr>
+          <p:cNvPr id="38" name="Rounded Rectangle 37"/>
+          <p:cNvSpPr/>
+          <p:nvPr/>
+        </p:nvSpPr>
+        <p:spPr>
+          <a:xfrm>
+            <a:off x="1119018" y="742552"/>
+            <a:ext cx="2170465" cy="216830"/>
+          </a:xfrm>
+          <a:prstGeom prst="roundRect">
+            <a:avLst/>
+          </a:prstGeom>
+        </p:spPr>
+        <p:style>
+          <a:lnRef idx="2">
+            <a:schemeClr val="dk1"/>
+          </a:lnRef>
+          <a:fillRef idx="1">
+            <a:schemeClr val="lt1"/>
+          </a:fillRef>
+          <a:effectRef idx="0">
+            <a:schemeClr val="dk1"/>
+          </a:effectRef>
+          <a:fontRef idx="minor">
+            <a:schemeClr val="dk1"/>
+          </a:fontRef>
+        </p:style>
+        <p:txBody>
+          <a:bodyPr rtlCol="0" anchor="ctr"/>
+          <a:lstStyle/>
+          <a:p>
+            <a:pPr algn="ctr"/>
+            <a:r>
+              <a:rPr lang="en-SG" dirty="0" smtClean="0"/>
+              <a:t>Search</a:t>
+            </a:r>
+            <a:endParaRPr lang="en-SG" dirty="0"/>
+          </a:p>
+        </p:txBody>
+      </p:sp>
+      <p:pic>
+        <p:nvPicPr>
+          <p:cNvPr id="51" name="Picture 50"/>
+          <p:cNvPicPr>
+            <a:picLocks noChangeAspect="1"/>
+          </p:cNvPicPr>
+          <p:nvPr/>
+        </p:nvPicPr>
+        <p:blipFill>
+          <a:blip r:embed="rId3" cstate="print">
+            <a:extLst>
+              <a:ext uri="{28A0092B-C50C-407E-A947-70E740481C1C}">
+                <a14:useLocalDpi xmlns:a14="http://schemas.microsoft.com/office/drawing/2010/main" val="0"/>
+              </a:ext>
+            </a:extLst>
+          </a:blip>
+          <a:stretch>
+            <a:fillRect/>
+          </a:stretch>
+        </p:blipFill>
+        <p:spPr>
+          <a:xfrm>
+            <a:off x="3563063" y="682580"/>
+            <a:ext cx="340793" cy="340793"/>
+          </a:xfrm>
+          <a:prstGeom prst="rect">
+            <a:avLst/>
+          </a:prstGeom>
+        </p:spPr>
+      </p:pic>
+      <p:sp>
+        <p:nvSpPr>
+          <p:cNvPr id="110" name="Rectangle 109"/>
+          <p:cNvSpPr/>
+          <p:nvPr/>
+        </p:nvSpPr>
+        <p:spPr>
+          <a:xfrm>
+            <a:off x="1633205" y="1221630"/>
+            <a:ext cx="1582484" cy="369332"/>
+          </a:xfrm>
+          <a:prstGeom prst="rect">
+            <a:avLst/>
+          </a:prstGeom>
+        </p:spPr>
+        <p:txBody>
+          <a:bodyPr wrap="none">
+            <a:spAutoFit/>
+          </a:bodyPr>
+          <a:lstStyle/>
+          <a:p>
+            <a:pPr algn="ctr"/>
+            <a:r>
+              <a:rPr lang="en-SG" b="1" dirty="0" err="1" smtClean="0">
+                <a:solidFill>
+                  <a:schemeClr val="bg1"/>
+                </a:solidFill>
+                <a:latin typeface="Arial Black" panose="020B0A04020102020204" pitchFamily="34" charset="0"/>
+              </a:rPr>
+              <a:t>Jhin</a:t>
+            </a:r>
+            <a:r>
+              <a:rPr lang="en-SG" b="1" dirty="0" smtClean="0">
+                <a:solidFill>
+                  <a:schemeClr val="bg1"/>
+                </a:solidFill>
+                <a:latin typeface="Arial Black" panose="020B0A04020102020204" pitchFamily="34" charset="0"/>
+              </a:rPr>
+              <a:t> Builds</a:t>
+            </a:r>
+            <a:endParaRPr lang="en-SG" b="1" dirty="0">
+              <a:solidFill>
+                <a:schemeClr val="bg1"/>
+              </a:solidFill>
+              <a:latin typeface="Arial Black" panose="020B0A04020102020204" pitchFamily="34" charset="0"/>
+            </a:endParaRPr>
+          </a:p>
+        </p:txBody>
+      </p:sp>
+      <p:pic>
+        <p:nvPicPr>
+          <p:cNvPr id="58" name="Picture 57"/>
+          <p:cNvPicPr>
+            <a:picLocks noChangeAspect="1"/>
+          </p:cNvPicPr>
+          <p:nvPr/>
+        </p:nvPicPr>
+        <p:blipFill>
+          <a:blip r:embed="rId4"/>
+          <a:stretch>
+            <a:fillRect/>
+          </a:stretch>
+        </p:blipFill>
+        <p:spPr>
+          <a:xfrm>
+            <a:off x="1208738" y="1816836"/>
+            <a:ext cx="2695118" cy="743481"/>
+          </a:xfrm>
+          <a:prstGeom prst="rect">
+            <a:avLst/>
+          </a:prstGeom>
+        </p:spPr>
+      </p:pic>
+      <p:pic>
+        <p:nvPicPr>
+          <p:cNvPr id="60" name="Picture 59"/>
+          <p:cNvPicPr>
+            <a:picLocks noChangeAspect="1"/>
+          </p:cNvPicPr>
+          <p:nvPr/>
+        </p:nvPicPr>
+        <p:blipFill>
+          <a:blip r:embed="rId5"/>
+          <a:stretch>
+            <a:fillRect/>
+          </a:stretch>
+        </p:blipFill>
+        <p:spPr>
+          <a:xfrm>
+            <a:off x="1208738" y="2560317"/>
+            <a:ext cx="2695118" cy="758425"/>
+          </a:xfrm>
+          <a:prstGeom prst="rect">
+            <a:avLst/>
+          </a:prstGeom>
+        </p:spPr>
+      </p:pic>
+      <p:pic>
+        <p:nvPicPr>
+          <p:cNvPr id="61" name="Picture 60"/>
+          <p:cNvPicPr>
+            <a:picLocks noChangeAspect="1"/>
+          </p:cNvPicPr>
+          <p:nvPr/>
+        </p:nvPicPr>
+        <p:blipFill>
+          <a:blip r:embed="rId6"/>
+          <a:stretch>
+            <a:fillRect/>
+          </a:stretch>
+        </p:blipFill>
+        <p:spPr>
+          <a:xfrm>
+            <a:off x="1198388" y="3303798"/>
+            <a:ext cx="2695118" cy="861610"/>
+          </a:xfrm>
+          <a:prstGeom prst="rect">
+            <a:avLst/>
+          </a:prstGeom>
+        </p:spPr>
+      </p:pic>
+      <p:pic>
+        <p:nvPicPr>
+          <p:cNvPr id="62" name="Picture 61"/>
+          <p:cNvPicPr>
+            <a:picLocks noChangeAspect="1"/>
+          </p:cNvPicPr>
+          <p:nvPr/>
+        </p:nvPicPr>
+        <p:blipFill>
+          <a:blip r:embed="rId7"/>
+          <a:stretch>
+            <a:fillRect/>
+          </a:stretch>
+        </p:blipFill>
+        <p:spPr>
+          <a:xfrm>
+            <a:off x="1208738" y="4155907"/>
+            <a:ext cx="2695118" cy="728584"/>
+          </a:xfrm>
+          <a:prstGeom prst="rect">
+            <a:avLst/>
+          </a:prstGeom>
+        </p:spPr>
+      </p:pic>
+      <p:sp>
+        <p:nvSpPr>
+          <p:cNvPr id="117" name="TextBox 116"/>
+          <p:cNvSpPr txBox="1"/>
+          <p:nvPr/>
+        </p:nvSpPr>
+        <p:spPr>
+          <a:xfrm>
+            <a:off x="2021482" y="1503714"/>
+            <a:ext cx="805929" cy="307777"/>
+          </a:xfrm>
+          <a:prstGeom prst="rect">
+            <a:avLst/>
+          </a:prstGeom>
+          <a:noFill/>
+        </p:spPr>
+        <p:txBody>
+          <a:bodyPr wrap="square" rtlCol="0">
+            <a:spAutoFit/>
+          </a:bodyPr>
+          <a:lstStyle/>
+          <a:p>
+            <a:r>
+              <a:rPr lang="en-SG" sz="1400" b="1" dirty="0" smtClean="0">
+                <a:solidFill>
+                  <a:schemeClr val="bg1"/>
+                </a:solidFill>
+                <a:latin typeface="Arial Black" panose="020B0A04020102020204" pitchFamily="34" charset="0"/>
+              </a:rPr>
+              <a:t>Items</a:t>
+            </a:r>
+            <a:endParaRPr lang="en-SG" sz="1400" b="1" dirty="0">
+              <a:solidFill>
+                <a:schemeClr val="bg1"/>
+              </a:solidFill>
+              <a:latin typeface="Arial Black" panose="020B0A04020102020204" pitchFamily="34" charset="0"/>
+            </a:endParaRPr>
+          </a:p>
+        </p:txBody>
+      </p:sp>
+      <p:pic>
+        <p:nvPicPr>
+          <p:cNvPr id="63" name="Picture 62"/>
+          <p:cNvPicPr>
+            <a:picLocks noChangeAspect="1"/>
+          </p:cNvPicPr>
+          <p:nvPr/>
+        </p:nvPicPr>
+        <p:blipFill>
+          <a:blip r:embed="rId8"/>
+          <a:stretch>
+            <a:fillRect/>
+          </a:stretch>
+        </p:blipFill>
+        <p:spPr>
+          <a:xfrm>
+            <a:off x="1208738" y="5002573"/>
+            <a:ext cx="2684768" cy="1133377"/>
+          </a:xfrm>
+          <a:prstGeom prst="rect">
+            <a:avLst/>
+          </a:prstGeom>
+        </p:spPr>
+      </p:pic>
+    </p:spTree>
+    <p:extLst>
+      <p:ext uri="{BB962C8B-B14F-4D97-AF65-F5344CB8AC3E}">
+        <p14:creationId xmlns:p14="http://schemas.microsoft.com/office/powerpoint/2010/main" val="3891080023"/>
+      </p:ext>
+    </p:extLst>
+  </p:cSld>
+  <p:clrMapOvr>
+    <a:masterClrMapping/>
+  </p:clrMapOvr>
 </p:sld>
 </file>
 

--- a/HCI.pptx
+++ b/HCI.pptx
@@ -9,6 +9,7 @@
     <p:sldId id="256" r:id="rId3"/>
     <p:sldId id="257" r:id="rId4"/>
     <p:sldId id="260" r:id="rId5"/>
+    <p:sldId id="261" r:id="rId6"/>
   </p:sldIdLst>
   <p:sldSz cx="12192000" cy="6858000"/>
   <p:notesSz cx="6858000" cy="9144000"/>
@@ -246,7 +247,7 @@
           <a:p>
             <a:fld id="{7542F8B2-0349-4EBC-91CB-CF0E07D2871D}" type="datetimeFigureOut">
               <a:rPr lang="en-SG" smtClean="0"/>
-              <a:t>8/8/2019</a:t>
+              <a:t>10/8/2019</a:t>
             </a:fld>
             <a:endParaRPr lang="en-SG"/>
           </a:p>
@@ -416,7 +417,7 @@
           <a:p>
             <a:fld id="{7542F8B2-0349-4EBC-91CB-CF0E07D2871D}" type="datetimeFigureOut">
               <a:rPr lang="en-SG" smtClean="0"/>
-              <a:t>8/8/2019</a:t>
+              <a:t>10/8/2019</a:t>
             </a:fld>
             <a:endParaRPr lang="en-SG"/>
           </a:p>
@@ -596,7 +597,7 @@
           <a:p>
             <a:fld id="{7542F8B2-0349-4EBC-91CB-CF0E07D2871D}" type="datetimeFigureOut">
               <a:rPr lang="en-SG" smtClean="0"/>
-              <a:t>8/8/2019</a:t>
+              <a:t>10/8/2019</a:t>
             </a:fld>
             <a:endParaRPr lang="en-SG"/>
           </a:p>
@@ -766,7 +767,7 @@
           <a:p>
             <a:fld id="{7542F8B2-0349-4EBC-91CB-CF0E07D2871D}" type="datetimeFigureOut">
               <a:rPr lang="en-SG" smtClean="0"/>
-              <a:t>8/8/2019</a:t>
+              <a:t>10/8/2019</a:t>
             </a:fld>
             <a:endParaRPr lang="en-SG"/>
           </a:p>
@@ -1012,7 +1013,7 @@
           <a:p>
             <a:fld id="{7542F8B2-0349-4EBC-91CB-CF0E07D2871D}" type="datetimeFigureOut">
               <a:rPr lang="en-SG" smtClean="0"/>
-              <a:t>8/8/2019</a:t>
+              <a:t>10/8/2019</a:t>
             </a:fld>
             <a:endParaRPr lang="en-SG"/>
           </a:p>
@@ -1244,7 +1245,7 @@
           <a:p>
             <a:fld id="{7542F8B2-0349-4EBC-91CB-CF0E07D2871D}" type="datetimeFigureOut">
               <a:rPr lang="en-SG" smtClean="0"/>
-              <a:t>8/8/2019</a:t>
+              <a:t>10/8/2019</a:t>
             </a:fld>
             <a:endParaRPr lang="en-SG"/>
           </a:p>
@@ -1611,7 +1612,7 @@
           <a:p>
             <a:fld id="{7542F8B2-0349-4EBC-91CB-CF0E07D2871D}" type="datetimeFigureOut">
               <a:rPr lang="en-SG" smtClean="0"/>
-              <a:t>8/8/2019</a:t>
+              <a:t>10/8/2019</a:t>
             </a:fld>
             <a:endParaRPr lang="en-SG"/>
           </a:p>
@@ -1729,7 +1730,7 @@
           <a:p>
             <a:fld id="{7542F8B2-0349-4EBC-91CB-CF0E07D2871D}" type="datetimeFigureOut">
               <a:rPr lang="en-SG" smtClean="0"/>
-              <a:t>8/8/2019</a:t>
+              <a:t>10/8/2019</a:t>
             </a:fld>
             <a:endParaRPr lang="en-SG"/>
           </a:p>
@@ -1824,7 +1825,7 @@
           <a:p>
             <a:fld id="{7542F8B2-0349-4EBC-91CB-CF0E07D2871D}" type="datetimeFigureOut">
               <a:rPr lang="en-SG" smtClean="0"/>
-              <a:t>8/8/2019</a:t>
+              <a:t>10/8/2019</a:t>
             </a:fld>
             <a:endParaRPr lang="en-SG"/>
           </a:p>
@@ -2101,7 +2102,7 @@
           <a:p>
             <a:fld id="{7542F8B2-0349-4EBC-91CB-CF0E07D2871D}" type="datetimeFigureOut">
               <a:rPr lang="en-SG" smtClean="0"/>
-              <a:t>8/8/2019</a:t>
+              <a:t>10/8/2019</a:t>
             </a:fld>
             <a:endParaRPr lang="en-SG"/>
           </a:p>
@@ -2354,7 +2355,7 @@
           <a:p>
             <a:fld id="{7542F8B2-0349-4EBC-91CB-CF0E07D2871D}" type="datetimeFigureOut">
               <a:rPr lang="en-SG" smtClean="0"/>
-              <a:t>8/8/2019</a:t>
+              <a:t>10/8/2019</a:t>
             </a:fld>
             <a:endParaRPr lang="en-SG"/>
           </a:p>
@@ -2567,7 +2568,7 @@
           <a:p>
             <a:fld id="{7542F8B2-0349-4EBC-91CB-CF0E07D2871D}" type="datetimeFigureOut">
               <a:rPr lang="en-SG" smtClean="0"/>
-              <a:t>8/8/2019</a:t>
+              <a:t>10/8/2019</a:t>
             </a:fld>
             <a:endParaRPr lang="en-SG"/>
           </a:p>
@@ -4998,6 +4999,151 @@
           </a:p>
         </p:txBody>
       </p:sp>
+      <p:pic>
+        <p:nvPicPr>
+          <p:cNvPr id="58" name="Picture 57"/>
+          <p:cNvPicPr>
+            <a:picLocks noChangeAspect="1"/>
+          </p:cNvPicPr>
+          <p:nvPr/>
+        </p:nvPicPr>
+        <p:blipFill rotWithShape="1">
+          <a:blip r:embed="rId27" cstate="print">
+            <a:extLst>
+              <a:ext uri="{28A0092B-C50C-407E-A947-70E740481C1C}">
+                <a14:useLocalDpi xmlns:a14="http://schemas.microsoft.com/office/drawing/2010/main" val="0"/>
+              </a:ext>
+            </a:extLst>
+          </a:blip>
+          <a:srcRect b="67727"/>
+          <a:stretch/>
+        </p:blipFill>
+        <p:spPr>
+          <a:xfrm>
+            <a:off x="4592722" y="1637607"/>
+            <a:ext cx="3047941" cy="437818"/>
+          </a:xfrm>
+          <a:prstGeom prst="rect">
+            <a:avLst/>
+          </a:prstGeom>
+        </p:spPr>
+      </p:pic>
+      <p:pic>
+        <p:nvPicPr>
+          <p:cNvPr id="59" name="Picture 58"/>
+          <p:cNvPicPr>
+            <a:picLocks noChangeAspect="1"/>
+          </p:cNvPicPr>
+          <p:nvPr/>
+        </p:nvPicPr>
+        <p:blipFill rotWithShape="1">
+          <a:blip r:embed="rId27" cstate="print">
+            <a:extLst>
+              <a:ext uri="{28A0092B-C50C-407E-A947-70E740481C1C}">
+                <a14:useLocalDpi xmlns:a14="http://schemas.microsoft.com/office/drawing/2010/main" val="0"/>
+              </a:ext>
+            </a:extLst>
+          </a:blip>
+          <a:srcRect b="67727"/>
+          <a:stretch/>
+        </p:blipFill>
+        <p:spPr>
+          <a:xfrm rot="10800000">
+            <a:off x="296313" y="2659266"/>
+            <a:ext cx="3447851" cy="481903"/>
+          </a:xfrm>
+          <a:prstGeom prst="rect">
+            <a:avLst/>
+          </a:prstGeom>
+        </p:spPr>
+      </p:pic>
+      <p:pic>
+        <p:nvPicPr>
+          <p:cNvPr id="60" name="Picture 59"/>
+          <p:cNvPicPr>
+            <a:picLocks noChangeAspect="1"/>
+          </p:cNvPicPr>
+          <p:nvPr/>
+        </p:nvPicPr>
+        <p:blipFill rotWithShape="1">
+          <a:blip r:embed="rId27" cstate="print">
+            <a:extLst>
+              <a:ext uri="{28A0092B-C50C-407E-A947-70E740481C1C}">
+                <a14:useLocalDpi xmlns:a14="http://schemas.microsoft.com/office/drawing/2010/main" val="0"/>
+              </a:ext>
+            </a:extLst>
+          </a:blip>
+          <a:srcRect b="67727"/>
+          <a:stretch/>
+        </p:blipFill>
+        <p:spPr>
+          <a:xfrm>
+            <a:off x="307043" y="1390746"/>
+            <a:ext cx="3437122" cy="493721"/>
+          </a:xfrm>
+          <a:prstGeom prst="rect">
+            <a:avLst/>
+          </a:prstGeom>
+        </p:spPr>
+      </p:pic>
+      <p:pic>
+        <p:nvPicPr>
+          <p:cNvPr id="61" name="Picture 60"/>
+          <p:cNvPicPr>
+            <a:picLocks noChangeAspect="1"/>
+          </p:cNvPicPr>
+          <p:nvPr/>
+        </p:nvPicPr>
+        <p:blipFill rotWithShape="1">
+          <a:blip r:embed="rId27" cstate="print">
+            <a:extLst>
+              <a:ext uri="{28A0092B-C50C-407E-A947-70E740481C1C}">
+                <a14:useLocalDpi xmlns:a14="http://schemas.microsoft.com/office/drawing/2010/main" val="0"/>
+              </a:ext>
+            </a:extLst>
+          </a:blip>
+          <a:srcRect b="67727"/>
+          <a:stretch/>
+        </p:blipFill>
+        <p:spPr>
+          <a:xfrm rot="10800000">
+            <a:off x="1110464" y="4478116"/>
+            <a:ext cx="1835936" cy="407372"/>
+          </a:xfrm>
+          <a:prstGeom prst="rect">
+            <a:avLst/>
+          </a:prstGeom>
+        </p:spPr>
+      </p:pic>
+      <p:pic>
+        <p:nvPicPr>
+          <p:cNvPr id="62" name="Picture 61"/>
+          <p:cNvPicPr>
+            <a:picLocks noChangeAspect="1"/>
+          </p:cNvPicPr>
+          <p:nvPr/>
+        </p:nvPicPr>
+        <p:blipFill rotWithShape="1">
+          <a:blip r:embed="rId27" cstate="print">
+            <a:extLst>
+              <a:ext uri="{28A0092B-C50C-407E-A947-70E740481C1C}">
+                <a14:useLocalDpi xmlns:a14="http://schemas.microsoft.com/office/drawing/2010/main" val="0"/>
+              </a:ext>
+            </a:extLst>
+          </a:blip>
+          <a:srcRect b="67727"/>
+          <a:stretch/>
+        </p:blipFill>
+        <p:spPr>
+          <a:xfrm>
+            <a:off x="1105562" y="4209099"/>
+            <a:ext cx="1840838" cy="266230"/>
+          </a:xfrm>
+          <a:prstGeom prst="rect">
+            <a:avLst/>
+          </a:prstGeom>
+        </p:spPr>
+      </p:pic>
     </p:spTree>
     <p:extLst>
       <p:ext uri="{BB962C8B-B14F-4D97-AF65-F5344CB8AC3E}">
@@ -5271,6 +5417,13 @@
           <a:solidFill>
             <a:schemeClr val="tx1"/>
           </a:solidFill>
+          <a:ln>
+            <a:solidFill>
+              <a:schemeClr val="bg1">
+                <a:lumMod val="50000"/>
+              </a:schemeClr>
+            </a:solidFill>
+          </a:ln>
         </p:spPr>
         <p:txBody>
           <a:bodyPr wrap="square" rtlCol="0">
@@ -7014,6 +7167,64 @@
           <a:xfrm>
             <a:off x="11231533" y="710161"/>
             <a:ext cx="345607" cy="349134"/>
+          </a:xfrm>
+          <a:prstGeom prst="rect">
+            <a:avLst/>
+          </a:prstGeom>
+        </p:spPr>
+      </p:pic>
+      <p:pic>
+        <p:nvPicPr>
+          <p:cNvPr id="46" name="Picture 45"/>
+          <p:cNvPicPr>
+            <a:picLocks noChangeAspect="1"/>
+          </p:cNvPicPr>
+          <p:nvPr/>
+        </p:nvPicPr>
+        <p:blipFill rotWithShape="1">
+          <a:blip r:embed="rId6" cstate="print">
+            <a:extLst>
+              <a:ext uri="{28A0092B-C50C-407E-A947-70E740481C1C}">
+                <a14:useLocalDpi xmlns:a14="http://schemas.microsoft.com/office/drawing/2010/main" val="0"/>
+              </a:ext>
+            </a:extLst>
+          </a:blip>
+          <a:srcRect b="67727"/>
+          <a:stretch/>
+        </p:blipFill>
+        <p:spPr>
+          <a:xfrm>
+            <a:off x="8760077" y="1103946"/>
+            <a:ext cx="2849297" cy="409284"/>
+          </a:xfrm>
+          <a:prstGeom prst="rect">
+            <a:avLst/>
+          </a:prstGeom>
+        </p:spPr>
+      </p:pic>
+      <p:pic>
+        <p:nvPicPr>
+          <p:cNvPr id="47" name="Picture 46"/>
+          <p:cNvPicPr>
+            <a:picLocks noChangeAspect="1"/>
+          </p:cNvPicPr>
+          <p:nvPr/>
+        </p:nvPicPr>
+        <p:blipFill rotWithShape="1">
+          <a:blip r:embed="rId6" cstate="print">
+            <a:extLst>
+              <a:ext uri="{28A0092B-C50C-407E-A947-70E740481C1C}">
+                <a14:useLocalDpi xmlns:a14="http://schemas.microsoft.com/office/drawing/2010/main" val="0"/>
+              </a:ext>
+            </a:extLst>
+          </a:blip>
+          <a:srcRect b="67727"/>
+          <a:stretch/>
+        </p:blipFill>
+        <p:spPr>
+          <a:xfrm rot="10800000">
+            <a:off x="8781199" y="5972150"/>
+            <a:ext cx="2849297" cy="409284"/>
           </a:xfrm>
           <a:prstGeom prst="rect">
             <a:avLst/>
@@ -7326,7 +7537,7 @@
         </p:nvSpPr>
         <p:spPr>
           <a:xfrm>
-            <a:off x="9293933" y="1192684"/>
+            <a:off x="9293933" y="1127805"/>
             <a:ext cx="1869743" cy="369332"/>
           </a:xfrm>
           <a:prstGeom prst="rect">
@@ -7454,8 +7665,8 @@
         </p:blipFill>
         <p:spPr>
           <a:xfrm>
-            <a:off x="8947515" y="4812131"/>
-            <a:ext cx="2516667" cy="1511387"/>
+            <a:off x="8647009" y="4812131"/>
+            <a:ext cx="3166852" cy="1234763"/>
           </a:xfrm>
           <a:prstGeom prst="rect">
             <a:avLst/>
@@ -7698,6 +7909,13 @@
           <a:solidFill>
             <a:schemeClr val="tx1"/>
           </a:solidFill>
+          <a:ln>
+            <a:solidFill>
+              <a:schemeClr val="bg1">
+                <a:lumMod val="50000"/>
+              </a:schemeClr>
+            </a:solidFill>
+          </a:ln>
         </p:spPr>
         <p:txBody>
           <a:bodyPr wrap="square" rtlCol="0">
@@ -8316,6 +8534,20 @@
           <a:prstGeom prst="rect">
             <a:avLst/>
           </a:prstGeom>
+          <a:ln w="38100" cap="sq">
+            <a:solidFill>
+              <a:srgbClr val="000000"/>
+            </a:solidFill>
+            <a:prstDash val="solid"/>
+            <a:miter lim="800000"/>
+          </a:ln>
+          <a:effectLst>
+            <a:outerShdw blurRad="50800" dist="38100" dir="2700000" algn="tl" rotWithShape="0">
+              <a:srgbClr val="000000">
+                <a:alpha val="43000"/>
+              </a:srgbClr>
+            </a:outerShdw>
+          </a:effectLst>
         </p:spPr>
       </p:pic>
       <p:pic>
@@ -8346,6 +8578,20 @@
           <a:prstGeom prst="rect">
             <a:avLst/>
           </a:prstGeom>
+          <a:ln w="38100" cap="sq">
+            <a:solidFill>
+              <a:srgbClr val="000000"/>
+            </a:solidFill>
+            <a:prstDash val="solid"/>
+            <a:miter lim="800000"/>
+          </a:ln>
+          <a:effectLst>
+            <a:outerShdw blurRad="50800" dist="38100" dir="2700000" algn="tl" rotWithShape="0">
+              <a:srgbClr val="000000">
+                <a:alpha val="43000"/>
+              </a:srgbClr>
+            </a:outerShdw>
+          </a:effectLst>
         </p:spPr>
       </p:pic>
       <p:pic>
@@ -8370,12 +8616,26 @@
         </p:blipFill>
         <p:spPr>
           <a:xfrm>
-            <a:off x="4848005" y="2709326"/>
+            <a:off x="4851716" y="2761652"/>
             <a:ext cx="2524231" cy="1489608"/>
           </a:xfrm>
           <a:prstGeom prst="rect">
             <a:avLst/>
           </a:prstGeom>
+          <a:ln w="38100" cap="sq">
+            <a:solidFill>
+              <a:srgbClr val="000000"/>
+            </a:solidFill>
+            <a:prstDash val="solid"/>
+            <a:miter lim="800000"/>
+          </a:ln>
+          <a:effectLst>
+            <a:outerShdw blurRad="50800" dist="38100" dir="2700000" algn="tl" rotWithShape="0">
+              <a:srgbClr val="000000">
+                <a:alpha val="43000"/>
+              </a:srgbClr>
+            </a:outerShdw>
+          </a:effectLst>
         </p:spPr>
       </p:pic>
       <p:pic>
@@ -8406,6 +8666,20 @@
           <a:prstGeom prst="rect">
             <a:avLst/>
           </a:prstGeom>
+          <a:ln w="38100" cap="sq">
+            <a:solidFill>
+              <a:srgbClr val="000000"/>
+            </a:solidFill>
+            <a:prstDash val="solid"/>
+            <a:miter lim="800000"/>
+          </a:ln>
+          <a:effectLst>
+            <a:outerShdw blurRad="50800" dist="38100" dir="2700000" algn="tl" rotWithShape="0">
+              <a:srgbClr val="000000">
+                <a:alpha val="43000"/>
+              </a:srgbClr>
+            </a:outerShdw>
+          </a:effectLst>
         </p:spPr>
       </p:pic>
       <p:sp>
@@ -8456,6 +8730,180 @@
           </a:p>
         </p:txBody>
       </p:sp>
+      <p:pic>
+        <p:nvPicPr>
+          <p:cNvPr id="34" name="Picture 33"/>
+          <p:cNvPicPr>
+            <a:picLocks noChangeAspect="1"/>
+          </p:cNvPicPr>
+          <p:nvPr/>
+        </p:nvPicPr>
+        <p:blipFill rotWithShape="1">
+          <a:blip r:embed="rId14" cstate="print">
+            <a:extLst>
+              <a:ext uri="{28A0092B-C50C-407E-A947-70E740481C1C}">
+                <a14:useLocalDpi xmlns:a14="http://schemas.microsoft.com/office/drawing/2010/main" val="0"/>
+              </a:ext>
+            </a:extLst>
+          </a:blip>
+          <a:srcRect b="67727"/>
+          <a:stretch/>
+        </p:blipFill>
+        <p:spPr>
+          <a:xfrm>
+            <a:off x="587813" y="1037730"/>
+            <a:ext cx="2849297" cy="409284"/>
+          </a:xfrm>
+          <a:prstGeom prst="rect">
+            <a:avLst/>
+          </a:prstGeom>
+        </p:spPr>
+      </p:pic>
+      <p:pic>
+        <p:nvPicPr>
+          <p:cNvPr id="35" name="Picture 34"/>
+          <p:cNvPicPr>
+            <a:picLocks noChangeAspect="1"/>
+          </p:cNvPicPr>
+          <p:nvPr/>
+        </p:nvPicPr>
+        <p:blipFill rotWithShape="1">
+          <a:blip r:embed="rId14" cstate="print">
+            <a:extLst>
+              <a:ext uri="{28A0092B-C50C-407E-A947-70E740481C1C}">
+                <a14:useLocalDpi xmlns:a14="http://schemas.microsoft.com/office/drawing/2010/main" val="0"/>
+              </a:ext>
+            </a:extLst>
+          </a:blip>
+          <a:srcRect b="67727"/>
+          <a:stretch/>
+        </p:blipFill>
+        <p:spPr>
+          <a:xfrm rot="10800000">
+            <a:off x="581684" y="3811100"/>
+            <a:ext cx="2849297" cy="409284"/>
+          </a:xfrm>
+          <a:prstGeom prst="rect">
+            <a:avLst/>
+          </a:prstGeom>
+        </p:spPr>
+      </p:pic>
+      <p:pic>
+        <p:nvPicPr>
+          <p:cNvPr id="36" name="Picture 35"/>
+          <p:cNvPicPr>
+            <a:picLocks noChangeAspect="1"/>
+          </p:cNvPicPr>
+          <p:nvPr/>
+        </p:nvPicPr>
+        <p:blipFill rotWithShape="1">
+          <a:blip r:embed="rId14" cstate="print">
+            <a:extLst>
+              <a:ext uri="{28A0092B-C50C-407E-A947-70E740481C1C}">
+                <a14:useLocalDpi xmlns:a14="http://schemas.microsoft.com/office/drawing/2010/main" val="0"/>
+              </a:ext>
+            </a:extLst>
+          </a:blip>
+          <a:srcRect b="67727"/>
+          <a:stretch/>
+        </p:blipFill>
+        <p:spPr>
+          <a:xfrm>
+            <a:off x="8567025" y="1435974"/>
+            <a:ext cx="3246836" cy="466388"/>
+          </a:xfrm>
+          <a:prstGeom prst="rect">
+            <a:avLst/>
+          </a:prstGeom>
+        </p:spPr>
+      </p:pic>
+      <p:pic>
+        <p:nvPicPr>
+          <p:cNvPr id="37" name="Picture 36"/>
+          <p:cNvPicPr>
+            <a:picLocks noChangeAspect="1"/>
+          </p:cNvPicPr>
+          <p:nvPr/>
+        </p:nvPicPr>
+        <p:blipFill rotWithShape="1">
+          <a:blip r:embed="rId14" cstate="print">
+            <a:extLst>
+              <a:ext uri="{28A0092B-C50C-407E-A947-70E740481C1C}">
+                <a14:useLocalDpi xmlns:a14="http://schemas.microsoft.com/office/drawing/2010/main" val="0"/>
+              </a:ext>
+            </a:extLst>
+          </a:blip>
+          <a:srcRect b="67727"/>
+          <a:stretch/>
+        </p:blipFill>
+        <p:spPr>
+          <a:xfrm rot="10800000">
+            <a:off x="8523599" y="5701384"/>
+            <a:ext cx="3364499" cy="388187"/>
+          </a:xfrm>
+          <a:prstGeom prst="rect">
+            <a:avLst/>
+          </a:prstGeom>
+        </p:spPr>
+      </p:pic>
+      <p:pic>
+        <p:nvPicPr>
+          <p:cNvPr id="38" name="Picture 37"/>
+          <p:cNvPicPr>
+            <a:picLocks noChangeAspect="1"/>
+          </p:cNvPicPr>
+          <p:nvPr/>
+        </p:nvPicPr>
+        <p:blipFill rotWithShape="1">
+          <a:blip r:embed="rId14" cstate="print">
+            <a:extLst>
+              <a:ext uri="{28A0092B-C50C-407E-A947-70E740481C1C}">
+                <a14:useLocalDpi xmlns:a14="http://schemas.microsoft.com/office/drawing/2010/main" val="0"/>
+              </a:ext>
+            </a:extLst>
+          </a:blip>
+          <a:srcRect b="67727"/>
+          <a:stretch/>
+        </p:blipFill>
+        <p:spPr>
+          <a:xfrm rot="10800000">
+            <a:off x="4695837" y="5639521"/>
+            <a:ext cx="2835987" cy="407372"/>
+          </a:xfrm>
+          <a:prstGeom prst="rect">
+            <a:avLst/>
+          </a:prstGeom>
+        </p:spPr>
+      </p:pic>
+      <p:pic>
+        <p:nvPicPr>
+          <p:cNvPr id="39" name="Picture 38"/>
+          <p:cNvPicPr>
+            <a:picLocks noChangeAspect="1"/>
+          </p:cNvPicPr>
+          <p:nvPr/>
+        </p:nvPicPr>
+        <p:blipFill rotWithShape="1">
+          <a:blip r:embed="rId14" cstate="print">
+            <a:extLst>
+              <a:ext uri="{28A0092B-C50C-407E-A947-70E740481C1C}">
+                <a14:useLocalDpi xmlns:a14="http://schemas.microsoft.com/office/drawing/2010/main" val="0"/>
+              </a:ext>
+            </a:extLst>
+          </a:blip>
+          <a:srcRect b="67727"/>
+          <a:stretch/>
+        </p:blipFill>
+        <p:spPr>
+          <a:xfrm>
+            <a:off x="588338" y="4542248"/>
+            <a:ext cx="2835987" cy="407372"/>
+          </a:xfrm>
+          <a:prstGeom prst="rect">
+            <a:avLst/>
+          </a:prstGeom>
+        </p:spPr>
+      </p:pic>
     </p:spTree>
     <p:extLst>
       <p:ext uri="{BB962C8B-B14F-4D97-AF65-F5344CB8AC3E}">
@@ -9316,7 +9764,7 @@
         </p:nvSpPr>
         <p:spPr>
           <a:xfrm>
-            <a:off x="4562953" y="3668729"/>
+            <a:off x="4562953" y="3679858"/>
             <a:ext cx="3217259" cy="2123658"/>
           </a:xfrm>
           <a:prstGeom prst="rect">
@@ -9325,6 +9773,9 @@
           <a:solidFill>
             <a:schemeClr val="bg1"/>
           </a:solidFill>
+          <a:ln>
+            <a:noFill/>
+          </a:ln>
         </p:spPr>
         <p:txBody>
           <a:bodyPr wrap="square" rtlCol="0">
@@ -9714,7 +10165,7 @@
         </p:nvSpPr>
         <p:spPr>
           <a:xfrm>
-            <a:off x="11874887" y="2645299"/>
+            <a:off x="11874886" y="4262815"/>
             <a:ext cx="117663" cy="300789"/>
           </a:xfrm>
           <a:prstGeom prst="roundRect">
@@ -9860,6 +10311,151 @@
           </a:p>
         </p:txBody>
       </p:sp>
+      <p:pic>
+        <p:nvPicPr>
+          <p:cNvPr id="38" name="Picture 37"/>
+          <p:cNvPicPr>
+            <a:picLocks noChangeAspect="1"/>
+          </p:cNvPicPr>
+          <p:nvPr/>
+        </p:nvPicPr>
+        <p:blipFill rotWithShape="1">
+          <a:blip r:embed="rId7" cstate="print">
+            <a:extLst>
+              <a:ext uri="{28A0092B-C50C-407E-A947-70E740481C1C}">
+                <a14:useLocalDpi xmlns:a14="http://schemas.microsoft.com/office/drawing/2010/main" val="0"/>
+              </a:ext>
+            </a:extLst>
+          </a:blip>
+          <a:srcRect b="67727"/>
+          <a:stretch/>
+        </p:blipFill>
+        <p:spPr>
+          <a:xfrm rot="10800000">
+            <a:off x="8546019" y="4907435"/>
+            <a:ext cx="3387699" cy="486622"/>
+          </a:xfrm>
+          <a:prstGeom prst="rect">
+            <a:avLst/>
+          </a:prstGeom>
+        </p:spPr>
+      </p:pic>
+      <p:pic>
+        <p:nvPicPr>
+          <p:cNvPr id="39" name="Picture 38"/>
+          <p:cNvPicPr>
+            <a:picLocks noChangeAspect="1"/>
+          </p:cNvPicPr>
+          <p:nvPr/>
+        </p:nvPicPr>
+        <p:blipFill rotWithShape="1">
+          <a:blip r:embed="rId7" cstate="print">
+            <a:extLst>
+              <a:ext uri="{28A0092B-C50C-407E-A947-70E740481C1C}">
+                <a14:useLocalDpi xmlns:a14="http://schemas.microsoft.com/office/drawing/2010/main" val="0"/>
+              </a:ext>
+            </a:extLst>
+          </a:blip>
+          <a:srcRect b="67727"/>
+          <a:stretch/>
+        </p:blipFill>
+        <p:spPr>
+          <a:xfrm>
+            <a:off x="4463266" y="989991"/>
+            <a:ext cx="3387699" cy="486622"/>
+          </a:xfrm>
+          <a:prstGeom prst="rect">
+            <a:avLst/>
+          </a:prstGeom>
+        </p:spPr>
+      </p:pic>
+      <p:pic>
+        <p:nvPicPr>
+          <p:cNvPr id="42" name="Picture 41"/>
+          <p:cNvPicPr>
+            <a:picLocks noChangeAspect="1"/>
+          </p:cNvPicPr>
+          <p:nvPr/>
+        </p:nvPicPr>
+        <p:blipFill rotWithShape="1">
+          <a:blip r:embed="rId7" cstate="print">
+            <a:extLst>
+              <a:ext uri="{28A0092B-C50C-407E-A947-70E740481C1C}">
+                <a14:useLocalDpi xmlns:a14="http://schemas.microsoft.com/office/drawing/2010/main" val="0"/>
+              </a:ext>
+            </a:extLst>
+          </a:blip>
+          <a:srcRect b="67727"/>
+          <a:stretch/>
+        </p:blipFill>
+        <p:spPr>
+          <a:xfrm rot="10800000">
+            <a:off x="4485763" y="5440274"/>
+            <a:ext cx="3387699" cy="486622"/>
+          </a:xfrm>
+          <a:prstGeom prst="rect">
+            <a:avLst/>
+          </a:prstGeom>
+        </p:spPr>
+      </p:pic>
+      <p:pic>
+        <p:nvPicPr>
+          <p:cNvPr id="43" name="Picture 42"/>
+          <p:cNvPicPr>
+            <a:picLocks noChangeAspect="1"/>
+          </p:cNvPicPr>
+          <p:nvPr/>
+        </p:nvPicPr>
+        <p:blipFill rotWithShape="1">
+          <a:blip r:embed="rId7" cstate="print">
+            <a:extLst>
+              <a:ext uri="{28A0092B-C50C-407E-A947-70E740481C1C}">
+                <a14:useLocalDpi xmlns:a14="http://schemas.microsoft.com/office/drawing/2010/main" val="0"/>
+              </a:ext>
+            </a:extLst>
+          </a:blip>
+          <a:srcRect b="67727"/>
+          <a:stretch/>
+        </p:blipFill>
+        <p:spPr>
+          <a:xfrm rot="10800000">
+            <a:off x="332070" y="5547996"/>
+            <a:ext cx="3387699" cy="486622"/>
+          </a:xfrm>
+          <a:prstGeom prst="rect">
+            <a:avLst/>
+          </a:prstGeom>
+        </p:spPr>
+      </p:pic>
+      <p:pic>
+        <p:nvPicPr>
+          <p:cNvPr id="44" name="Picture 43"/>
+          <p:cNvPicPr>
+            <a:picLocks noChangeAspect="1"/>
+          </p:cNvPicPr>
+          <p:nvPr/>
+        </p:nvPicPr>
+        <p:blipFill rotWithShape="1">
+          <a:blip r:embed="rId7" cstate="print">
+            <a:extLst>
+              <a:ext uri="{28A0092B-C50C-407E-A947-70E740481C1C}">
+                <a14:useLocalDpi xmlns:a14="http://schemas.microsoft.com/office/drawing/2010/main" val="0"/>
+              </a:ext>
+            </a:extLst>
+          </a:blip>
+          <a:srcRect b="67727"/>
+          <a:stretch/>
+        </p:blipFill>
+        <p:spPr>
+          <a:xfrm>
+            <a:off x="332070" y="948667"/>
+            <a:ext cx="3387699" cy="486622"/>
+          </a:xfrm>
+          <a:prstGeom prst="rect">
+            <a:avLst/>
+          </a:prstGeom>
+        </p:spPr>
+      </p:pic>
     </p:spTree>
     <p:extLst>
       <p:ext uri="{BB962C8B-B14F-4D97-AF65-F5344CB8AC3E}">
@@ -9877,6 +10473,65 @@
       </p:par>
     </p:tnLst>
   </p:timing>
+</p:sld>
+</file>
+
+<file path=ppt/slides/slide5.xml><?xml version="1.0" encoding="utf-8"?>
+<p:sld xmlns:a="http://schemas.openxmlformats.org/drawingml/2006/main" xmlns:r="http://schemas.openxmlformats.org/officeDocument/2006/relationships" xmlns:p="http://schemas.openxmlformats.org/presentationml/2006/main">
+  <p:cSld>
+    <p:spTree>
+      <p:nvGrpSpPr>
+        <p:cNvPr id="1" name=""/>
+        <p:cNvGrpSpPr/>
+        <p:nvPr/>
+      </p:nvGrpSpPr>
+      <p:grpSpPr>
+        <a:xfrm>
+          <a:off x="0" y="0"/>
+          <a:ext cx="0" cy="0"/>
+          <a:chOff x="0" y="0"/>
+          <a:chExt cx="0" cy="0"/>
+        </a:xfrm>
+      </p:grpSpPr>
+      <p:pic>
+        <p:nvPicPr>
+          <p:cNvPr id="4" name="Picture 3"/>
+          <p:cNvPicPr>
+            <a:picLocks noChangeAspect="1"/>
+          </p:cNvPicPr>
+          <p:nvPr/>
+        </p:nvPicPr>
+        <p:blipFill rotWithShape="1">
+          <a:blip r:embed="rId2">
+            <a:extLst>
+              <a:ext uri="{28A0092B-C50C-407E-A947-70E740481C1C}">
+                <a14:useLocalDpi xmlns:a14="http://schemas.microsoft.com/office/drawing/2010/main" val="0"/>
+              </a:ext>
+            </a:extLst>
+          </a:blip>
+          <a:srcRect b="67727"/>
+          <a:stretch/>
+        </p:blipFill>
+        <p:spPr>
+          <a:xfrm>
+            <a:off x="1931562" y="897995"/>
+            <a:ext cx="9886950" cy="1420201"/>
+          </a:xfrm>
+          <a:prstGeom prst="rect">
+            <a:avLst/>
+          </a:prstGeom>
+        </p:spPr>
+      </p:pic>
+    </p:spTree>
+    <p:extLst>
+      <p:ext uri="{BB962C8B-B14F-4D97-AF65-F5344CB8AC3E}">
+        <p14:creationId xmlns:p14="http://schemas.microsoft.com/office/powerpoint/2010/main" val="1884316883"/>
+      </p:ext>
+    </p:extLst>
+  </p:cSld>
+  <p:clrMapOvr>
+    <a:masterClrMapping/>
+  </p:clrMapOvr>
 </p:sld>
 </file>
 
